--- a/Rshiny_WS_JK.pptx
+++ b/Rshiny_WS_JK.pptx
@@ -12,10 +12,10 @@
     <p:sldMasterId id="2147483759" r:id="rId8"/>
   </p:sldMasterIdLst>
   <p:notesMasterIdLst>
-    <p:notesMasterId r:id="rId17"/>
+    <p:notesMasterId r:id="rId25"/>
   </p:notesMasterIdLst>
   <p:handoutMasterIdLst>
-    <p:handoutMasterId r:id="rId18"/>
+    <p:handoutMasterId r:id="rId26"/>
   </p:handoutMasterIdLst>
   <p:sldIdLst>
     <p:sldId id="258" r:id="rId9"/>
@@ -23,14 +23,22 @@
     <p:sldId id="297" r:id="rId11"/>
     <p:sldId id="265" r:id="rId12"/>
     <p:sldId id="298" r:id="rId13"/>
-    <p:sldId id="299" r:id="rId14"/>
-    <p:sldId id="300" r:id="rId15"/>
-    <p:sldId id="283" r:id="rId16"/>
+    <p:sldId id="311" r:id="rId14"/>
+    <p:sldId id="299" r:id="rId15"/>
+    <p:sldId id="300" r:id="rId16"/>
+    <p:sldId id="312" r:id="rId17"/>
+    <p:sldId id="313" r:id="rId18"/>
+    <p:sldId id="314" r:id="rId19"/>
+    <p:sldId id="316" r:id="rId20"/>
+    <p:sldId id="317" r:id="rId21"/>
+    <p:sldId id="319" r:id="rId22"/>
+    <p:sldId id="320" r:id="rId23"/>
+    <p:sldId id="283" r:id="rId24"/>
   </p:sldIdLst>
   <p:sldSz cx="12192000" cy="6858000"/>
   <p:notesSz cx="6858000" cy="9144000"/>
   <p:custDataLst>
-    <p:tags r:id="rId19"/>
+    <p:tags r:id="rId27"/>
   </p:custDataLst>
   <p:defaultTextStyle>
     <a:defPPr>
@@ -231,7 +239,7 @@
           <a:p>
             <a:fld id="{5880E24D-F424-4FC1-9211-A28C78163C80}" type="datetimeFigureOut">
               <a:rPr lang="en-GB" smtClean="0"/>
-              <a:t>26/07/2018</a:t>
+              <a:t>27/07/2018</a:t>
             </a:fld>
             <a:endParaRPr lang="en-GB"/>
           </a:p>
@@ -396,7 +404,7 @@
           <a:p>
             <a:fld id="{AFEA849B-09C8-4101-9A25-DB8AFE0D38EA}" type="datetimeFigureOut">
               <a:rPr lang="en-GB" smtClean="0"/>
-              <a:t>26/07/2018</a:t>
+              <a:t>27/07/2018</a:t>
             </a:fld>
             <a:endParaRPr lang="en-GB"/>
           </a:p>
@@ -748,6 +756,392 @@
 </p:notes>
 </file>
 
+<file path=ppt/notesSlides/notesSlide10.xml><?xml version="1.0" encoding="utf-8"?>
+<p:notes xmlns:a="http://schemas.openxmlformats.org/drawingml/2006/main" xmlns:r="http://schemas.openxmlformats.org/officeDocument/2006/relationships" xmlns:p="http://schemas.openxmlformats.org/presentationml/2006/main">
+  <p:cSld>
+    <p:spTree>
+      <p:nvGrpSpPr>
+        <p:cNvPr id="1" name=""/>
+        <p:cNvGrpSpPr/>
+        <p:nvPr/>
+      </p:nvGrpSpPr>
+      <p:grpSpPr>
+        <a:xfrm>
+          <a:off x="0" y="0"/>
+          <a:ext cx="0" cy="0"/>
+          <a:chOff x="0" y="0"/>
+          <a:chExt cx="0" cy="0"/>
+        </a:xfrm>
+      </p:grpSpPr>
+      <p:sp>
+        <p:nvSpPr>
+          <p:cNvPr id="2" name="Slide Image Placeholder 1"/>
+          <p:cNvSpPr>
+            <a:spLocks noGrp="1" noRot="1" noChangeAspect="1"/>
+          </p:cNvSpPr>
+          <p:nvPr>
+            <p:ph type="sldImg"/>
+          </p:nvPr>
+        </p:nvSpPr>
+        <p:spPr/>
+      </p:sp>
+      <p:sp>
+        <p:nvSpPr>
+          <p:cNvPr id="3" name="Notes Placeholder 2"/>
+          <p:cNvSpPr>
+            <a:spLocks noGrp="1"/>
+          </p:cNvSpPr>
+          <p:nvPr>
+            <p:ph type="body" idx="1"/>
+          </p:nvPr>
+        </p:nvSpPr>
+        <p:spPr/>
+        <p:txBody>
+          <a:bodyPr/>
+          <a:lstStyle/>
+          <a:p>
+            <a:r>
+              <a:rPr lang="en-GB" dirty="0"/>
+              <a:t>In this second example, I want you to go a little bit further, and create another input field on which the output depends. Specifically, we want to make the focus year dependant on user input. Think about the widgets Aylin told you about, which one would be suitable for this purpose? Give it a good name so you can use the input in your Server function. How should we then change the code of this function?</a:t>
+            </a:r>
+          </a:p>
+        </p:txBody>
+      </p:sp>
+      <p:sp>
+        <p:nvSpPr>
+          <p:cNvPr id="4" name="Slide Number Placeholder 3"/>
+          <p:cNvSpPr>
+            <a:spLocks noGrp="1"/>
+          </p:cNvSpPr>
+          <p:nvPr>
+            <p:ph type="sldNum" sz="quarter" idx="10"/>
+          </p:nvPr>
+        </p:nvSpPr>
+        <p:spPr/>
+        <p:txBody>
+          <a:bodyPr/>
+          <a:lstStyle/>
+          <a:p>
+            <a:fld id="{3632CDF3-5AC7-47F0-9C6D-E885FE00A011}" type="slidenum">
+              <a:rPr lang="en-GB" smtClean="0"/>
+              <a:t>13</a:t>
+            </a:fld>
+            <a:endParaRPr lang="en-GB" dirty="0"/>
+          </a:p>
+        </p:txBody>
+      </p:sp>
+    </p:spTree>
+    <p:extLst>
+      <p:ext uri="{BB962C8B-B14F-4D97-AF65-F5344CB8AC3E}">
+        <p14:creationId xmlns:p14="http://schemas.microsoft.com/office/powerpoint/2010/main" val="1990618983"/>
+      </p:ext>
+    </p:extLst>
+  </p:cSld>
+  <p:clrMapOvr>
+    <a:masterClrMapping/>
+  </p:clrMapOvr>
+</p:notes>
+</file>
+
+<file path=ppt/notesSlides/notesSlide11.xml><?xml version="1.0" encoding="utf-8"?>
+<p:notes xmlns:a="http://schemas.openxmlformats.org/drawingml/2006/main" xmlns:r="http://schemas.openxmlformats.org/officeDocument/2006/relationships" xmlns:p="http://schemas.openxmlformats.org/presentationml/2006/main">
+  <p:cSld>
+    <p:spTree>
+      <p:nvGrpSpPr>
+        <p:cNvPr id="1" name=""/>
+        <p:cNvGrpSpPr/>
+        <p:nvPr/>
+      </p:nvGrpSpPr>
+      <p:grpSpPr>
+        <a:xfrm>
+          <a:off x="0" y="0"/>
+          <a:ext cx="0" cy="0"/>
+          <a:chOff x="0" y="0"/>
+          <a:chExt cx="0" cy="0"/>
+        </a:xfrm>
+      </p:grpSpPr>
+      <p:sp>
+        <p:nvSpPr>
+          <p:cNvPr id="2" name="Slide Image Placeholder 1"/>
+          <p:cNvSpPr>
+            <a:spLocks noGrp="1" noRot="1" noChangeAspect="1"/>
+          </p:cNvSpPr>
+          <p:nvPr>
+            <p:ph type="sldImg"/>
+          </p:nvPr>
+        </p:nvSpPr>
+        <p:spPr/>
+      </p:sp>
+      <p:sp>
+        <p:nvSpPr>
+          <p:cNvPr id="3" name="Notes Placeholder 2"/>
+          <p:cNvSpPr>
+            <a:spLocks noGrp="1"/>
+          </p:cNvSpPr>
+          <p:nvPr>
+            <p:ph type="body" idx="1"/>
+          </p:nvPr>
+        </p:nvSpPr>
+        <p:spPr/>
+        <p:txBody>
+          <a:bodyPr/>
+          <a:lstStyle/>
+          <a:p>
+            <a:r>
+              <a:rPr lang="en-GB" dirty="0"/>
+              <a:t>For this exercise, we want to replace any reactive() functions by </a:t>
+            </a:r>
+            <a:r>
+              <a:rPr lang="en-GB" dirty="0" err="1"/>
+              <a:t>eventReactive</a:t>
+            </a:r>
+            <a:r>
+              <a:rPr lang="en-GB" dirty="0"/>
+              <a:t>() functions. Also, wherever input objects are used to create output, we need to transform these into reactive objects. Finally, remember that a reactive object is like a function, so that’s how we should call them.</a:t>
+            </a:r>
+          </a:p>
+        </p:txBody>
+      </p:sp>
+      <p:sp>
+        <p:nvSpPr>
+          <p:cNvPr id="4" name="Slide Number Placeholder 3"/>
+          <p:cNvSpPr>
+            <a:spLocks noGrp="1"/>
+          </p:cNvSpPr>
+          <p:nvPr>
+            <p:ph type="sldNum" sz="quarter" idx="10"/>
+          </p:nvPr>
+        </p:nvSpPr>
+        <p:spPr/>
+        <p:txBody>
+          <a:bodyPr/>
+          <a:lstStyle/>
+          <a:p>
+            <a:fld id="{3632CDF3-5AC7-47F0-9C6D-E885FE00A011}" type="slidenum">
+              <a:rPr lang="en-GB" smtClean="0"/>
+              <a:t>14</a:t>
+            </a:fld>
+            <a:endParaRPr lang="en-GB" dirty="0"/>
+          </a:p>
+        </p:txBody>
+      </p:sp>
+    </p:spTree>
+    <p:extLst>
+      <p:ext uri="{BB962C8B-B14F-4D97-AF65-F5344CB8AC3E}">
+        <p14:creationId xmlns:p14="http://schemas.microsoft.com/office/powerpoint/2010/main" val="2775340486"/>
+      </p:ext>
+    </p:extLst>
+  </p:cSld>
+  <p:clrMapOvr>
+    <a:masterClrMapping/>
+  </p:clrMapOvr>
+</p:notes>
+</file>
+
+<file path=ppt/notesSlides/notesSlide12.xml><?xml version="1.0" encoding="utf-8"?>
+<p:notes xmlns:a="http://schemas.openxmlformats.org/drawingml/2006/main" xmlns:r="http://schemas.openxmlformats.org/officeDocument/2006/relationships" xmlns:p="http://schemas.openxmlformats.org/presentationml/2006/main">
+  <p:cSld>
+    <p:spTree>
+      <p:nvGrpSpPr>
+        <p:cNvPr id="1" name=""/>
+        <p:cNvGrpSpPr/>
+        <p:nvPr/>
+      </p:nvGrpSpPr>
+      <p:grpSpPr>
+        <a:xfrm>
+          <a:off x="0" y="0"/>
+          <a:ext cx="0" cy="0"/>
+          <a:chOff x="0" y="0"/>
+          <a:chExt cx="0" cy="0"/>
+        </a:xfrm>
+      </p:grpSpPr>
+      <p:sp>
+        <p:nvSpPr>
+          <p:cNvPr id="2" name="Slide Image Placeholder 1"/>
+          <p:cNvSpPr>
+            <a:spLocks noGrp="1" noRot="1" noChangeAspect="1"/>
+          </p:cNvSpPr>
+          <p:nvPr>
+            <p:ph type="sldImg"/>
+          </p:nvPr>
+        </p:nvSpPr>
+        <p:spPr/>
+      </p:sp>
+      <p:sp>
+        <p:nvSpPr>
+          <p:cNvPr id="3" name="Notes Placeholder 2"/>
+          <p:cNvSpPr>
+            <a:spLocks noGrp="1"/>
+          </p:cNvSpPr>
+          <p:nvPr>
+            <p:ph type="body" idx="1"/>
+          </p:nvPr>
+        </p:nvSpPr>
+        <p:spPr/>
+        <p:txBody>
+          <a:bodyPr/>
+          <a:lstStyle/>
+          <a:p>
+            <a:r>
+              <a:rPr lang="en-GB" dirty="0"/>
+              <a:t>In the UI object, you add another widget. I’ve called the input corresponding to this widget “year”. I’ve chosen to use a </a:t>
+            </a:r>
+            <a:r>
+              <a:rPr lang="en-GB" dirty="0" err="1"/>
+              <a:t>numericInput</a:t>
+            </a:r>
+            <a:r>
+              <a:rPr lang="en-GB" dirty="0"/>
+              <a:t> widget, but another option is to use </a:t>
+            </a:r>
+            <a:r>
+              <a:rPr lang="en-GB" dirty="0" err="1"/>
+              <a:t>sliderInput</a:t>
+            </a:r>
+            <a:r>
+              <a:rPr lang="en-GB" dirty="0"/>
+              <a:t>.</a:t>
+            </a:r>
+          </a:p>
+          <a:p>
+            <a:endParaRPr lang="en-GB" dirty="0"/>
+          </a:p>
+          <a:p>
+            <a:r>
+              <a:rPr lang="en-GB" dirty="0"/>
+              <a:t>In the Server function, I created a new reactive object corresponding to the year that the user inputted, called </a:t>
+            </a:r>
+            <a:r>
+              <a:rPr lang="en-GB" dirty="0" err="1"/>
+              <a:t>userYear</a:t>
+            </a:r>
+            <a:r>
+              <a:rPr lang="en-GB" dirty="0"/>
+              <a:t>. Then, I call this object (like a function), wherever we make reference to the year.</a:t>
+            </a:r>
+          </a:p>
+        </p:txBody>
+      </p:sp>
+      <p:sp>
+        <p:nvSpPr>
+          <p:cNvPr id="4" name="Slide Number Placeholder 3"/>
+          <p:cNvSpPr>
+            <a:spLocks noGrp="1"/>
+          </p:cNvSpPr>
+          <p:nvPr>
+            <p:ph type="sldNum" sz="quarter" idx="10"/>
+          </p:nvPr>
+        </p:nvSpPr>
+        <p:spPr/>
+        <p:txBody>
+          <a:bodyPr/>
+          <a:lstStyle/>
+          <a:p>
+            <a:fld id="{3632CDF3-5AC7-47F0-9C6D-E885FE00A011}" type="slidenum">
+              <a:rPr lang="en-GB" smtClean="0"/>
+              <a:t>15</a:t>
+            </a:fld>
+            <a:endParaRPr lang="en-GB" dirty="0"/>
+          </a:p>
+        </p:txBody>
+      </p:sp>
+    </p:spTree>
+    <p:extLst>
+      <p:ext uri="{BB962C8B-B14F-4D97-AF65-F5344CB8AC3E}">
+        <p14:creationId xmlns:p14="http://schemas.microsoft.com/office/powerpoint/2010/main" val="130444857"/>
+      </p:ext>
+    </p:extLst>
+  </p:cSld>
+  <p:clrMapOvr>
+    <a:masterClrMapping/>
+  </p:clrMapOvr>
+</p:notes>
+</file>
+
+<file path=ppt/notesSlides/notesSlide13.xml><?xml version="1.0" encoding="utf-8"?>
+<p:notes xmlns:a="http://schemas.openxmlformats.org/drawingml/2006/main" xmlns:r="http://schemas.openxmlformats.org/officeDocument/2006/relationships" xmlns:p="http://schemas.openxmlformats.org/presentationml/2006/main">
+  <p:cSld>
+    <p:spTree>
+      <p:nvGrpSpPr>
+        <p:cNvPr id="1" name=""/>
+        <p:cNvGrpSpPr/>
+        <p:nvPr/>
+      </p:nvGrpSpPr>
+      <p:grpSpPr>
+        <a:xfrm>
+          <a:off x="0" y="0"/>
+          <a:ext cx="0" cy="0"/>
+          <a:chOff x="0" y="0"/>
+          <a:chExt cx="0" cy="0"/>
+        </a:xfrm>
+      </p:grpSpPr>
+      <p:sp>
+        <p:nvSpPr>
+          <p:cNvPr id="2" name="Slide Image Placeholder 1"/>
+          <p:cNvSpPr>
+            <a:spLocks noGrp="1" noRot="1" noChangeAspect="1"/>
+          </p:cNvSpPr>
+          <p:nvPr>
+            <p:ph type="sldImg"/>
+          </p:nvPr>
+        </p:nvSpPr>
+        <p:spPr/>
+      </p:sp>
+      <p:sp>
+        <p:nvSpPr>
+          <p:cNvPr id="3" name="Notes Placeholder 2"/>
+          <p:cNvSpPr>
+            <a:spLocks noGrp="1"/>
+          </p:cNvSpPr>
+          <p:nvPr>
+            <p:ph type="body" idx="1"/>
+          </p:nvPr>
+        </p:nvSpPr>
+        <p:spPr/>
+        <p:txBody>
+          <a:bodyPr/>
+          <a:lstStyle/>
+          <a:p>
+            <a:endParaRPr lang="en-GB" dirty="0"/>
+          </a:p>
+        </p:txBody>
+      </p:sp>
+      <p:sp>
+        <p:nvSpPr>
+          <p:cNvPr id="4" name="Slide Number Placeholder 3"/>
+          <p:cNvSpPr>
+            <a:spLocks noGrp="1"/>
+          </p:cNvSpPr>
+          <p:nvPr>
+            <p:ph type="sldNum" sz="quarter" idx="10"/>
+          </p:nvPr>
+        </p:nvSpPr>
+        <p:spPr/>
+        <p:txBody>
+          <a:bodyPr/>
+          <a:lstStyle/>
+          <a:p>
+            <a:fld id="{3632CDF3-5AC7-47F0-9C6D-E885FE00A011}" type="slidenum">
+              <a:rPr lang="en-GB" smtClean="0"/>
+              <a:t>16</a:t>
+            </a:fld>
+            <a:endParaRPr lang="en-GB" dirty="0"/>
+          </a:p>
+        </p:txBody>
+      </p:sp>
+    </p:spTree>
+    <p:extLst>
+      <p:ext uri="{BB962C8B-B14F-4D97-AF65-F5344CB8AC3E}">
+        <p14:creationId xmlns:p14="http://schemas.microsoft.com/office/powerpoint/2010/main" val="3676665811"/>
+      </p:ext>
+    </p:extLst>
+  </p:cSld>
+  <p:clrMapOvr>
+    <a:masterClrMapping/>
+  </p:clrMapOvr>
+</p:notes>
+</file>
+
 <file path=ppt/notesSlides/notesSlide2.xml><?xml version="1.0" encoding="utf-8"?>
 <p:notes xmlns:a="http://schemas.openxmlformats.org/drawingml/2006/main" xmlns:r="http://schemas.openxmlformats.org/officeDocument/2006/relationships" xmlns:p="http://schemas.openxmlformats.org/presentationml/2006/main">
   <p:cSld>
@@ -962,7 +1356,16 @@
           <a:p>
             <a:r>
               <a:rPr lang="en-GB" dirty="0"/>
-              <a:t>In every Shiny app, we’re working with input and output objects. These could be independent of each other, but the great thing about Shiny apps is that we can make them reactive. That is, if the user gives a certain input, such as entering their name, the output can respond to that. This is the example Shiny app that we’ll be working with in this section. You can see that there are two inputs; the user name and the user sex. There are also two outputs; a bunch of text and a graph. There is a very clear distinction in the code between inputs and outputs, which makes it easy to use. Let’s have a look at the code!</a:t>
+              <a:t>In every Shiny app, we’re working with input and output objects, as you’ve seen in the previous example. These could be independent of each other, which is what you’ve seen so far, but the great thing about Shiny apps is that we can make them reactive. That is, if the user gives a certain input, such as entering their name, the output can respond to that. </a:t>
+            </a:r>
+          </a:p>
+          <a:p>
+            <a:endParaRPr lang="en-GB" dirty="0"/>
+          </a:p>
+          <a:p>
+            <a:r>
+              <a:rPr lang="en-GB" dirty="0"/>
+              <a:t>This is the example Shiny app that we’ll be working with in this section. You can see that there are three inputs; the user name, the user sex, and a button [click]. There are two outputs; a bunch of text and a graph [click]. There is a very clear distinction in the code between inputs and outputs, which makes it easy to use. Let’s have a look at the code!</a:t>
             </a:r>
           </a:p>
         </p:txBody>
@@ -984,7 +1387,7 @@
           <a:p>
             <a:fld id="{3632CDF3-5AC7-47F0-9C6D-E885FE00A011}" type="slidenum">
               <a:rPr lang="en-GB" smtClean="0"/>
-              <a:t>6</a:t>
+              <a:t>7</a:t>
             </a:fld>
             <a:endParaRPr lang="en-GB" dirty="0"/>
           </a:p>
@@ -1145,7 +1548,7 @@
           <a:p>
             <a:fld id="{3632CDF3-5AC7-47F0-9C6D-E885FE00A011}" type="slidenum">
               <a:rPr lang="en-GB" smtClean="0"/>
-              <a:t>7</a:t>
+              <a:t>8</a:t>
             </a:fld>
             <a:endParaRPr lang="en-GB" dirty="0"/>
           </a:p>
@@ -1208,7 +1611,42 @@
           <a:bodyPr/>
           <a:lstStyle/>
           <a:p>
-            <a:endParaRPr lang="en-GB" dirty="0"/>
+            <a:r>
+              <a:rPr lang="en-GB" dirty="0"/>
+              <a:t>In order to use input objects in your Server function, you need to put them in a </a:t>
+            </a:r>
+            <a:r>
+              <a:rPr lang="en-GB" b="1" dirty="0"/>
+              <a:t>reactive context</a:t>
+            </a:r>
+            <a:r>
+              <a:rPr lang="en-GB" dirty="0"/>
+              <a:t>. You might have not realised, but you’ve already worked with some types of reactive context, such as </a:t>
+            </a:r>
+            <a:r>
+              <a:rPr lang="en-GB" dirty="0" err="1"/>
+              <a:t>renderText</a:t>
+            </a:r>
+            <a:r>
+              <a:rPr lang="en-GB" dirty="0"/>
+              <a:t> [click][click], </a:t>
+            </a:r>
+            <a:r>
+              <a:rPr lang="en-GB" dirty="0" err="1"/>
+              <a:t>renderPlot</a:t>
+            </a:r>
+            <a:r>
+              <a:rPr lang="en-GB" dirty="0"/>
+              <a:t> [click], and the other render functions that Aylin showed you. Every output object needs to be created in a reactive context for it to work. However, there are also other types of reactive contexts, such as this one [click], where we assign a value to the variable </a:t>
+            </a:r>
+            <a:r>
+              <a:rPr lang="en-GB" dirty="0" err="1"/>
+              <a:t>nameCounter</a:t>
+            </a:r>
+            <a:r>
+              <a:rPr lang="en-GB" dirty="0"/>
+              <a:t> which is dependent on the input values “name” and “sex”.</a:t>
+            </a:r>
           </a:p>
         </p:txBody>
       </p:sp>
@@ -1229,7 +1667,7 @@
           <a:p>
             <a:fld id="{3632CDF3-5AC7-47F0-9C6D-E885FE00A011}" type="slidenum">
               <a:rPr lang="en-GB" smtClean="0"/>
-              <a:t>8</a:t>
+              <a:t>9</a:t>
             </a:fld>
             <a:endParaRPr lang="en-GB" dirty="0"/>
           </a:p>
@@ -1238,7 +1676,375 @@
     </p:spTree>
     <p:extLst>
       <p:ext uri="{BB962C8B-B14F-4D97-AF65-F5344CB8AC3E}">
-        <p14:creationId xmlns:p14="http://schemas.microsoft.com/office/powerpoint/2010/main" val="3676665811"/>
+        <p14:creationId xmlns:p14="http://schemas.microsoft.com/office/powerpoint/2010/main" val="1840147970"/>
+      </p:ext>
+    </p:extLst>
+  </p:cSld>
+  <p:clrMapOvr>
+    <a:masterClrMapping/>
+  </p:clrMapOvr>
+</p:notes>
+</file>
+
+<file path=ppt/notesSlides/notesSlide7.xml><?xml version="1.0" encoding="utf-8"?>
+<p:notes xmlns:a="http://schemas.openxmlformats.org/drawingml/2006/main" xmlns:r="http://schemas.openxmlformats.org/officeDocument/2006/relationships" xmlns:p="http://schemas.openxmlformats.org/presentationml/2006/main">
+  <p:cSld>
+    <p:spTree>
+      <p:nvGrpSpPr>
+        <p:cNvPr id="1" name=""/>
+        <p:cNvGrpSpPr/>
+        <p:nvPr/>
+      </p:nvGrpSpPr>
+      <p:grpSpPr>
+        <a:xfrm>
+          <a:off x="0" y="0"/>
+          <a:ext cx="0" cy="0"/>
+          <a:chOff x="0" y="0"/>
+          <a:chExt cx="0" cy="0"/>
+        </a:xfrm>
+      </p:grpSpPr>
+      <p:sp>
+        <p:nvSpPr>
+          <p:cNvPr id="2" name="Slide Image Placeholder 1"/>
+          <p:cNvSpPr>
+            <a:spLocks noGrp="1" noRot="1" noChangeAspect="1"/>
+          </p:cNvSpPr>
+          <p:nvPr>
+            <p:ph type="sldImg"/>
+          </p:nvPr>
+        </p:nvSpPr>
+        <p:spPr/>
+      </p:sp>
+      <p:sp>
+        <p:nvSpPr>
+          <p:cNvPr id="3" name="Notes Placeholder 2"/>
+          <p:cNvSpPr>
+            <a:spLocks noGrp="1"/>
+          </p:cNvSpPr>
+          <p:nvPr>
+            <p:ph type="body" idx="1"/>
+          </p:nvPr>
+        </p:nvSpPr>
+        <p:spPr/>
+        <p:txBody>
+          <a:bodyPr/>
+          <a:lstStyle/>
+          <a:p>
+            <a:r>
+              <a:rPr lang="en-GB" dirty="0"/>
+              <a:t>As you’ve already worked a bit with the render functions, I want to focus now on a different type of reactive context. I will explain the four functions that I think are most important, after which we can try some exercises. These four functions are observe [click], reactive [click], </a:t>
+            </a:r>
+            <a:r>
+              <a:rPr lang="en-GB" dirty="0" err="1"/>
+              <a:t>observeEvent</a:t>
+            </a:r>
+            <a:r>
+              <a:rPr lang="en-GB" dirty="0"/>
+              <a:t> [click], and </a:t>
+            </a:r>
+            <a:r>
+              <a:rPr lang="en-GB" dirty="0" err="1"/>
+              <a:t>eventReactive</a:t>
+            </a:r>
+            <a:r>
+              <a:rPr lang="en-GB" dirty="0"/>
+              <a:t> [click]. In the first row, we see functions that do not contain the word ‘event’. These are functions that respond directly to a change in input objects [click]. Remember where we saw this function in the names app [click]? As soon as you change the name or sex in the </a:t>
+            </a:r>
+            <a:r>
+              <a:rPr lang="en-GB" dirty="0" err="1"/>
+              <a:t>sidepanel</a:t>
+            </a:r>
+            <a:r>
+              <a:rPr lang="en-GB" dirty="0"/>
+              <a:t>, the </a:t>
+            </a:r>
+            <a:r>
+              <a:rPr lang="en-GB" dirty="0" err="1"/>
+              <a:t>nameCounter</a:t>
+            </a:r>
+            <a:r>
+              <a:rPr lang="en-GB" dirty="0"/>
+              <a:t> variable would change, and it would reflect the number of babies born in 2000 with that name and sex. In this app, that works fine. But what if you want to do more expensive computations? Or have a lot of inputs that the user can change? You wouldn’t want to recompute everything as soon as the user changes one input value. </a:t>
+            </a:r>
+          </a:p>
+          <a:p>
+            <a:endParaRPr lang="en-GB" dirty="0"/>
+          </a:p>
+          <a:p>
+            <a:r>
+              <a:rPr lang="en-GB" dirty="0"/>
+              <a:t>In that case, you could use the ’event’ functions [click]. These are functions that only respond when a specific event happens. These functions are very often used with </a:t>
+            </a:r>
+            <a:r>
+              <a:rPr lang="en-GB" dirty="0" err="1"/>
+              <a:t>actionButtons</a:t>
+            </a:r>
+            <a:r>
+              <a:rPr lang="en-GB" dirty="0"/>
+              <a:t>, such as the one we saw in the example app [click]. As soon as the user clicks the button, some action will be performed by the Server function, probably updating the output as a result.</a:t>
+            </a:r>
+          </a:p>
+          <a:p>
+            <a:endParaRPr lang="en-GB" dirty="0"/>
+          </a:p>
+          <a:p>
+            <a:r>
+              <a:rPr lang="en-GB" dirty="0"/>
+              <a:t>We can also classify these four functions according to the columns. In the left column [click], you see the observe functions. These functions create a reactive </a:t>
+            </a:r>
+            <a:r>
+              <a:rPr lang="en-GB" b="1" dirty="0"/>
+              <a:t>environment</a:t>
+            </a:r>
+            <a:r>
+              <a:rPr lang="en-GB" dirty="0"/>
+              <a:t>, in which you can run any type of code you want. In the right column [click], are the reactive functions, which don’t create a reactive environment but a reactive </a:t>
+            </a:r>
+            <a:r>
+              <a:rPr lang="en-GB" b="1" dirty="0"/>
+              <a:t>object</a:t>
+            </a:r>
+            <a:r>
+              <a:rPr lang="en-GB" dirty="0"/>
+              <a:t>. A reactive object is similar to a function, in that it’s value changes as a result of input values. We therefore call these objects like a function if we want to use them in other parts of our code, like so [click]. In general, you’ll use reactive functions more often than observe functions. This is because observe functions are only useful for ‘under the hood’ calculations that don’t change the output directly.</a:t>
+            </a:r>
+          </a:p>
+        </p:txBody>
+      </p:sp>
+      <p:sp>
+        <p:nvSpPr>
+          <p:cNvPr id="4" name="Slide Number Placeholder 3"/>
+          <p:cNvSpPr>
+            <a:spLocks noGrp="1"/>
+          </p:cNvSpPr>
+          <p:nvPr>
+            <p:ph type="sldNum" sz="quarter" idx="10"/>
+          </p:nvPr>
+        </p:nvSpPr>
+        <p:spPr/>
+        <p:txBody>
+          <a:bodyPr/>
+          <a:lstStyle/>
+          <a:p>
+            <a:fld id="{3632CDF3-5AC7-47F0-9C6D-E885FE00A011}" type="slidenum">
+              <a:rPr lang="en-GB" smtClean="0"/>
+              <a:t>10</a:t>
+            </a:fld>
+            <a:endParaRPr lang="en-GB" dirty="0"/>
+          </a:p>
+        </p:txBody>
+      </p:sp>
+    </p:spTree>
+    <p:extLst>
+      <p:ext uri="{BB962C8B-B14F-4D97-AF65-F5344CB8AC3E}">
+        <p14:creationId xmlns:p14="http://schemas.microsoft.com/office/powerpoint/2010/main" val="3462713598"/>
+      </p:ext>
+    </p:extLst>
+  </p:cSld>
+  <p:clrMapOvr>
+    <a:masterClrMapping/>
+  </p:clrMapOvr>
+</p:notes>
+</file>
+
+<file path=ppt/notesSlides/notesSlide8.xml><?xml version="1.0" encoding="utf-8"?>
+<p:notes xmlns:a="http://schemas.openxmlformats.org/drawingml/2006/main" xmlns:r="http://schemas.openxmlformats.org/officeDocument/2006/relationships" xmlns:p="http://schemas.openxmlformats.org/presentationml/2006/main">
+  <p:cSld>
+    <p:spTree>
+      <p:nvGrpSpPr>
+        <p:cNvPr id="1" name=""/>
+        <p:cNvGrpSpPr/>
+        <p:nvPr/>
+      </p:nvGrpSpPr>
+      <p:grpSpPr>
+        <a:xfrm>
+          <a:off x="0" y="0"/>
+          <a:ext cx="0" cy="0"/>
+          <a:chOff x="0" y="0"/>
+          <a:chExt cx="0" cy="0"/>
+        </a:xfrm>
+      </p:grpSpPr>
+      <p:sp>
+        <p:nvSpPr>
+          <p:cNvPr id="2" name="Slide Image Placeholder 1"/>
+          <p:cNvSpPr>
+            <a:spLocks noGrp="1" noRot="1" noChangeAspect="1"/>
+          </p:cNvSpPr>
+          <p:nvPr>
+            <p:ph type="sldImg"/>
+          </p:nvPr>
+        </p:nvSpPr>
+        <p:spPr/>
+      </p:sp>
+      <p:sp>
+        <p:nvSpPr>
+          <p:cNvPr id="3" name="Notes Placeholder 2"/>
+          <p:cNvSpPr>
+            <a:spLocks noGrp="1"/>
+          </p:cNvSpPr>
+          <p:nvPr>
+            <p:ph type="body" idx="1"/>
+          </p:nvPr>
+        </p:nvSpPr>
+        <p:spPr/>
+        <p:txBody>
+          <a:bodyPr/>
+          <a:lstStyle/>
+          <a:p>
+            <a:r>
+              <a:rPr lang="en-US" dirty="0"/>
+              <a:t>I understand that reactivity is quite a difficult concept to grasp, especially when you’ve just started working with Shiny. I would advise you to play around with the code of the example app, try changing some values and see how it impacts the output. Both Aylin and I are happy to clarify and answer any questions if necessary!</a:t>
+            </a:r>
+          </a:p>
+          <a:p>
+            <a:endParaRPr lang="en-US" dirty="0"/>
+          </a:p>
+          <a:p>
+            <a:r>
+              <a:rPr lang="en-US" dirty="0"/>
+              <a:t>Once you feel like you are ready to try some exercises related to reactivity, I’ve set up two exercises. The answers are also included in the GitHub repo, and highlighted on slides at the end of this presentation, if you want to try the exercises at home.</a:t>
+            </a:r>
+          </a:p>
+        </p:txBody>
+      </p:sp>
+      <p:sp>
+        <p:nvSpPr>
+          <p:cNvPr id="4" name="Slide Number Placeholder 3"/>
+          <p:cNvSpPr>
+            <a:spLocks noGrp="1"/>
+          </p:cNvSpPr>
+          <p:nvPr>
+            <p:ph type="sldNum" sz="quarter" idx="10"/>
+          </p:nvPr>
+        </p:nvSpPr>
+        <p:spPr/>
+        <p:txBody>
+          <a:bodyPr/>
+          <a:lstStyle/>
+          <a:p>
+            <a:fld id="{3632CDF3-5AC7-47F0-9C6D-E885FE00A011}" type="slidenum">
+              <a:rPr lang="en-GB" smtClean="0"/>
+              <a:t>11</a:t>
+            </a:fld>
+            <a:endParaRPr lang="en-GB"/>
+          </a:p>
+        </p:txBody>
+      </p:sp>
+    </p:spTree>
+    <p:extLst>
+      <p:ext uri="{BB962C8B-B14F-4D97-AF65-F5344CB8AC3E}">
+        <p14:creationId xmlns:p14="http://schemas.microsoft.com/office/powerpoint/2010/main" val="910778874"/>
+      </p:ext>
+    </p:extLst>
+  </p:cSld>
+  <p:clrMapOvr>
+    <a:masterClrMapping/>
+  </p:clrMapOvr>
+</p:notes>
+</file>
+
+<file path=ppt/notesSlides/notesSlide9.xml><?xml version="1.0" encoding="utf-8"?>
+<p:notes xmlns:a="http://schemas.openxmlformats.org/drawingml/2006/main" xmlns:r="http://schemas.openxmlformats.org/officeDocument/2006/relationships" xmlns:p="http://schemas.openxmlformats.org/presentationml/2006/main">
+  <p:cSld>
+    <p:spTree>
+      <p:nvGrpSpPr>
+        <p:cNvPr id="1" name=""/>
+        <p:cNvGrpSpPr/>
+        <p:nvPr/>
+      </p:nvGrpSpPr>
+      <p:grpSpPr>
+        <a:xfrm>
+          <a:off x="0" y="0"/>
+          <a:ext cx="0" cy="0"/>
+          <a:chOff x="0" y="0"/>
+          <a:chExt cx="0" cy="0"/>
+        </a:xfrm>
+      </p:grpSpPr>
+      <p:sp>
+        <p:nvSpPr>
+          <p:cNvPr id="2" name="Slide Image Placeholder 1"/>
+          <p:cNvSpPr>
+            <a:spLocks noGrp="1" noRot="1" noChangeAspect="1"/>
+          </p:cNvSpPr>
+          <p:nvPr>
+            <p:ph type="sldImg"/>
+          </p:nvPr>
+        </p:nvSpPr>
+        <p:spPr/>
+      </p:sp>
+      <p:sp>
+        <p:nvSpPr>
+          <p:cNvPr id="3" name="Notes Placeholder 2"/>
+          <p:cNvSpPr>
+            <a:spLocks noGrp="1"/>
+          </p:cNvSpPr>
+          <p:nvPr>
+            <p:ph type="body" idx="1"/>
+          </p:nvPr>
+        </p:nvSpPr>
+        <p:spPr/>
+        <p:txBody>
+          <a:bodyPr/>
+          <a:lstStyle/>
+          <a:p>
+            <a:r>
+              <a:rPr lang="en-GB" dirty="0"/>
+              <a:t>Remember that </a:t>
+            </a:r>
+            <a:r>
+              <a:rPr lang="en-GB" dirty="0" err="1"/>
+              <a:t>actionButton</a:t>
+            </a:r>
+            <a:r>
+              <a:rPr lang="en-GB" dirty="0"/>
+              <a:t> that we mentioned a few times? After playing with the app a little bit, you might have noticed that it doesn’t actually do anything... At the moment it is just a UI element that is not used in the Server function. What I would like you to try, is make this button work. That is, the output in the main panel of the app (the text and the graph) remain unchanged until the user clicks the button. For this exercise, remember the ‘event’ functions that we talked about: </a:t>
+            </a:r>
+            <a:r>
+              <a:rPr lang="en-GB" dirty="0" err="1"/>
+              <a:t>observeEvent</a:t>
+            </a:r>
+            <a:r>
+              <a:rPr lang="en-GB" dirty="0"/>
+              <a:t>() and </a:t>
+            </a:r>
+            <a:r>
+              <a:rPr lang="en-GB" dirty="0" err="1"/>
+              <a:t>eventReactive</a:t>
+            </a:r>
+            <a:r>
+              <a:rPr lang="en-GB" dirty="0"/>
+              <a:t>(). Which one should you use here? And which to which event should your function respond?</a:t>
+            </a:r>
+          </a:p>
+        </p:txBody>
+      </p:sp>
+      <p:sp>
+        <p:nvSpPr>
+          <p:cNvPr id="4" name="Slide Number Placeholder 3"/>
+          <p:cNvSpPr>
+            <a:spLocks noGrp="1"/>
+          </p:cNvSpPr>
+          <p:nvPr>
+            <p:ph type="sldNum" sz="quarter" idx="10"/>
+          </p:nvPr>
+        </p:nvSpPr>
+        <p:spPr/>
+        <p:txBody>
+          <a:bodyPr/>
+          <a:lstStyle/>
+          <a:p>
+            <a:fld id="{3632CDF3-5AC7-47F0-9C6D-E885FE00A011}" type="slidenum">
+              <a:rPr lang="en-GB" smtClean="0"/>
+              <a:t>12</a:t>
+            </a:fld>
+            <a:endParaRPr lang="en-GB" dirty="0"/>
+          </a:p>
+        </p:txBody>
+      </p:sp>
+    </p:spTree>
+    <p:extLst>
+      <p:ext uri="{BB962C8B-B14F-4D97-AF65-F5344CB8AC3E}">
+        <p14:creationId xmlns:p14="http://schemas.microsoft.com/office/powerpoint/2010/main" val="133168982"/>
       </p:ext>
     </p:extLst>
   </p:cSld>
@@ -52562,6 +53368,4342 @@
 </p:sld>
 </file>
 
+<file path=ppt/slides/slide10.xml><?xml version="1.0" encoding="utf-8"?>
+<p:sld xmlns:a="http://schemas.openxmlformats.org/drawingml/2006/main" xmlns:r="http://schemas.openxmlformats.org/officeDocument/2006/relationships" xmlns:p="http://schemas.openxmlformats.org/presentationml/2006/main">
+  <p:cSld>
+    <p:spTree>
+      <p:nvGrpSpPr>
+        <p:cNvPr id="1" name=""/>
+        <p:cNvGrpSpPr/>
+        <p:nvPr/>
+      </p:nvGrpSpPr>
+      <p:grpSpPr>
+        <a:xfrm>
+          <a:off x="0" y="0"/>
+          <a:ext cx="0" cy="0"/>
+          <a:chOff x="0" y="0"/>
+          <a:chExt cx="0" cy="0"/>
+        </a:xfrm>
+      </p:grpSpPr>
+      <p:grpSp>
+        <p:nvGrpSpPr>
+          <p:cNvPr id="43" name="Group 42">
+            <a:extLst>
+              <a:ext uri="{FF2B5EF4-FFF2-40B4-BE49-F238E27FC236}">
+                <a16:creationId xmlns:a16="http://schemas.microsoft.com/office/drawing/2014/main" id="{DFB60A35-25A4-1D46-8F5C-DBF20064F81E}"/>
+              </a:ext>
+            </a:extLst>
+          </p:cNvPr>
+          <p:cNvGrpSpPr/>
+          <p:nvPr/>
+        </p:nvGrpSpPr>
+        <p:grpSpPr>
+          <a:xfrm>
+            <a:off x="6168008" y="906924"/>
+            <a:ext cx="5256584" cy="5042355"/>
+            <a:chOff x="6168008" y="906924"/>
+            <a:chExt cx="5256584" cy="5042355"/>
+          </a:xfrm>
+        </p:grpSpPr>
+        <p:sp>
+          <p:nvSpPr>
+            <p:cNvPr id="40" name="Rounded Rectangle 39">
+              <a:extLst>
+                <a:ext uri="{FF2B5EF4-FFF2-40B4-BE49-F238E27FC236}">
+                  <a16:creationId xmlns:a16="http://schemas.microsoft.com/office/drawing/2014/main" id="{546773A9-DA8A-4041-A5FE-62C5606A9A8C}"/>
+                </a:ext>
+              </a:extLst>
+            </p:cNvPr>
+            <p:cNvSpPr/>
+            <p:nvPr/>
+          </p:nvSpPr>
+          <p:spPr>
+            <a:xfrm>
+              <a:off x="6168009" y="908720"/>
+              <a:ext cx="5256583" cy="5040559"/>
+            </a:xfrm>
+            <a:prstGeom prst="roundRect">
+              <a:avLst/>
+            </a:prstGeom>
+            <a:solidFill>
+              <a:schemeClr val="accent1">
+                <a:alpha val="50000"/>
+              </a:schemeClr>
+            </a:solidFill>
+            <a:ln>
+              <a:noFill/>
+            </a:ln>
+          </p:spPr>
+          <p:style>
+            <a:lnRef idx="0">
+              <a:scrgbClr r="0" g="0" b="0"/>
+            </a:lnRef>
+            <a:fillRef idx="0">
+              <a:scrgbClr r="0" g="0" b="0"/>
+            </a:fillRef>
+            <a:effectRef idx="0">
+              <a:scrgbClr r="0" g="0" b="0"/>
+            </a:effectRef>
+            <a:fontRef idx="minor">
+              <a:schemeClr val="lt1"/>
+            </a:fontRef>
+          </p:style>
+          <p:txBody>
+            <a:bodyPr rtlCol="0" anchor="ctr"/>
+            <a:lstStyle/>
+            <a:p>
+              <a:pPr algn="ctr"/>
+              <a:endParaRPr lang="en-US"/>
+            </a:p>
+          </p:txBody>
+        </p:sp>
+        <p:sp>
+          <p:nvSpPr>
+            <p:cNvPr id="41" name="Round Same Side Corner Rectangle 40">
+              <a:extLst>
+                <a:ext uri="{FF2B5EF4-FFF2-40B4-BE49-F238E27FC236}">
+                  <a16:creationId xmlns:a16="http://schemas.microsoft.com/office/drawing/2014/main" id="{A5B58694-C3E4-6C43-BECD-54A0B4D03AF8}"/>
+                </a:ext>
+              </a:extLst>
+            </p:cNvPr>
+            <p:cNvSpPr/>
+            <p:nvPr/>
+          </p:nvSpPr>
+          <p:spPr>
+            <a:xfrm>
+              <a:off x="6168008" y="906924"/>
+              <a:ext cx="5256584" cy="713403"/>
+            </a:xfrm>
+            <a:prstGeom prst="round2SameRect">
+              <a:avLst/>
+            </a:prstGeom>
+            <a:solidFill>
+              <a:schemeClr val="accent1"/>
+            </a:solidFill>
+            <a:ln>
+              <a:noFill/>
+            </a:ln>
+          </p:spPr>
+          <p:style>
+            <a:lnRef idx="0">
+              <a:scrgbClr r="0" g="0" b="0"/>
+            </a:lnRef>
+            <a:fillRef idx="0">
+              <a:scrgbClr r="0" g="0" b="0"/>
+            </a:fillRef>
+            <a:effectRef idx="0">
+              <a:scrgbClr r="0" g="0" b="0"/>
+            </a:effectRef>
+            <a:fontRef idx="minor">
+              <a:schemeClr val="lt1"/>
+            </a:fontRef>
+          </p:style>
+          <p:txBody>
+            <a:bodyPr rtlCol="0" anchor="ctr"/>
+            <a:lstStyle/>
+            <a:p>
+              <a:pPr algn="ctr"/>
+              <a:endParaRPr lang="en-US"/>
+            </a:p>
+          </p:txBody>
+        </p:sp>
+        <p:sp>
+          <p:nvSpPr>
+            <p:cNvPr id="42" name="TextBox 41">
+              <a:extLst>
+                <a:ext uri="{FF2B5EF4-FFF2-40B4-BE49-F238E27FC236}">
+                  <a16:creationId xmlns:a16="http://schemas.microsoft.com/office/drawing/2014/main" id="{06A074DE-7927-4748-8C8F-5B45D08BADD0}"/>
+                </a:ext>
+              </a:extLst>
+            </p:cNvPr>
+            <p:cNvSpPr txBox="1"/>
+            <p:nvPr/>
+          </p:nvSpPr>
+          <p:spPr>
+            <a:xfrm>
+              <a:off x="6237633" y="1124744"/>
+              <a:ext cx="5117794" cy="246221"/>
+            </a:xfrm>
+            <a:prstGeom prst="rect">
+              <a:avLst/>
+            </a:prstGeom>
+          </p:spPr>
+          <p:txBody>
+            <a:bodyPr vert="horz" wrap="square" lIns="0" tIns="0" rIns="0" bIns="0" rtlCol="0">
+              <a:spAutoFit/>
+            </a:bodyPr>
+            <a:lstStyle/>
+            <a:p>
+              <a:pPr algn="ctr"/>
+              <a:r>
+                <a:rPr lang="en-US" sz="1600" dirty="0">
+                  <a:solidFill>
+                    <a:srgbClr val="404040"/>
+                  </a:solidFill>
+                </a:rPr>
+                <a:t>Creates a reactive object</a:t>
+              </a:r>
+            </a:p>
+          </p:txBody>
+        </p:sp>
+      </p:grpSp>
+      <p:grpSp>
+        <p:nvGrpSpPr>
+          <p:cNvPr id="38" name="Group 37">
+            <a:extLst>
+              <a:ext uri="{FF2B5EF4-FFF2-40B4-BE49-F238E27FC236}">
+                <a16:creationId xmlns:a16="http://schemas.microsoft.com/office/drawing/2014/main" id="{74544DB8-2FE7-6443-AE8D-0E2E97C626A0}"/>
+              </a:ext>
+            </a:extLst>
+          </p:cNvPr>
+          <p:cNvGrpSpPr/>
+          <p:nvPr/>
+        </p:nvGrpSpPr>
+        <p:grpSpPr>
+          <a:xfrm>
+            <a:off x="551382" y="906924"/>
+            <a:ext cx="5472610" cy="5042355"/>
+            <a:chOff x="551382" y="906924"/>
+            <a:chExt cx="5472610" cy="5042355"/>
+          </a:xfrm>
+        </p:grpSpPr>
+        <p:sp>
+          <p:nvSpPr>
+            <p:cNvPr id="35" name="Rounded Rectangle 34">
+              <a:extLst>
+                <a:ext uri="{FF2B5EF4-FFF2-40B4-BE49-F238E27FC236}">
+                  <a16:creationId xmlns:a16="http://schemas.microsoft.com/office/drawing/2014/main" id="{F856EB1F-8E85-6841-B9C7-8644B12B4426}"/>
+                </a:ext>
+              </a:extLst>
+            </p:cNvPr>
+            <p:cNvSpPr/>
+            <p:nvPr/>
+          </p:nvSpPr>
+          <p:spPr>
+            <a:xfrm>
+              <a:off x="551383" y="908720"/>
+              <a:ext cx="5472609" cy="5040559"/>
+            </a:xfrm>
+            <a:prstGeom prst="roundRect">
+              <a:avLst/>
+            </a:prstGeom>
+            <a:solidFill>
+              <a:schemeClr val="accent4">
+                <a:alpha val="50000"/>
+              </a:schemeClr>
+            </a:solidFill>
+            <a:ln>
+              <a:noFill/>
+            </a:ln>
+          </p:spPr>
+          <p:style>
+            <a:lnRef idx="0">
+              <a:scrgbClr r="0" g="0" b="0"/>
+            </a:lnRef>
+            <a:fillRef idx="0">
+              <a:scrgbClr r="0" g="0" b="0"/>
+            </a:fillRef>
+            <a:effectRef idx="0">
+              <a:scrgbClr r="0" g="0" b="0"/>
+            </a:effectRef>
+            <a:fontRef idx="minor">
+              <a:schemeClr val="lt1"/>
+            </a:fontRef>
+          </p:style>
+          <p:txBody>
+            <a:bodyPr rtlCol="0" anchor="ctr"/>
+            <a:lstStyle/>
+            <a:p>
+              <a:pPr algn="ctr"/>
+              <a:endParaRPr lang="en-US"/>
+            </a:p>
+          </p:txBody>
+        </p:sp>
+        <p:sp>
+          <p:nvSpPr>
+            <p:cNvPr id="36" name="Round Same Side Corner Rectangle 35">
+              <a:extLst>
+                <a:ext uri="{FF2B5EF4-FFF2-40B4-BE49-F238E27FC236}">
+                  <a16:creationId xmlns:a16="http://schemas.microsoft.com/office/drawing/2014/main" id="{1220ACFE-4A4A-6544-BF88-1BB42525E55C}"/>
+                </a:ext>
+              </a:extLst>
+            </p:cNvPr>
+            <p:cNvSpPr/>
+            <p:nvPr/>
+          </p:nvSpPr>
+          <p:spPr>
+            <a:xfrm>
+              <a:off x="551382" y="906924"/>
+              <a:ext cx="5472610" cy="713403"/>
+            </a:xfrm>
+            <a:prstGeom prst="round2SameRect">
+              <a:avLst/>
+            </a:prstGeom>
+            <a:solidFill>
+              <a:schemeClr val="accent4"/>
+            </a:solidFill>
+            <a:ln>
+              <a:noFill/>
+            </a:ln>
+          </p:spPr>
+          <p:style>
+            <a:lnRef idx="0">
+              <a:scrgbClr r="0" g="0" b="0"/>
+            </a:lnRef>
+            <a:fillRef idx="0">
+              <a:scrgbClr r="0" g="0" b="0"/>
+            </a:fillRef>
+            <a:effectRef idx="0">
+              <a:scrgbClr r="0" g="0" b="0"/>
+            </a:effectRef>
+            <a:fontRef idx="minor">
+              <a:schemeClr val="lt1"/>
+            </a:fontRef>
+          </p:style>
+          <p:txBody>
+            <a:bodyPr rtlCol="0" anchor="ctr"/>
+            <a:lstStyle/>
+            <a:p>
+              <a:pPr algn="ctr"/>
+              <a:endParaRPr lang="en-US"/>
+            </a:p>
+          </p:txBody>
+        </p:sp>
+        <p:sp>
+          <p:nvSpPr>
+            <p:cNvPr id="37" name="TextBox 36">
+              <a:extLst>
+                <a:ext uri="{FF2B5EF4-FFF2-40B4-BE49-F238E27FC236}">
+                  <a16:creationId xmlns:a16="http://schemas.microsoft.com/office/drawing/2014/main" id="{060D8D9F-7945-1341-9218-ED8B67CE1436}"/>
+                </a:ext>
+              </a:extLst>
+            </p:cNvPr>
+            <p:cNvSpPr txBox="1"/>
+            <p:nvPr/>
+          </p:nvSpPr>
+          <p:spPr>
+            <a:xfrm>
+              <a:off x="623868" y="1124744"/>
+              <a:ext cx="5328116" cy="246221"/>
+            </a:xfrm>
+            <a:prstGeom prst="rect">
+              <a:avLst/>
+            </a:prstGeom>
+          </p:spPr>
+          <p:txBody>
+            <a:bodyPr vert="horz" wrap="square" lIns="0" tIns="0" rIns="0" bIns="0" rtlCol="0">
+              <a:spAutoFit/>
+            </a:bodyPr>
+            <a:lstStyle/>
+            <a:p>
+              <a:pPr algn="ctr"/>
+              <a:r>
+                <a:rPr lang="en-US" sz="1600" dirty="0">
+                  <a:solidFill>
+                    <a:srgbClr val="404040"/>
+                  </a:solidFill>
+                </a:rPr>
+                <a:t>Reactive environment, evaluates code</a:t>
+              </a:r>
+            </a:p>
+          </p:txBody>
+        </p:sp>
+      </p:grpSp>
+      <p:grpSp>
+        <p:nvGrpSpPr>
+          <p:cNvPr id="24" name="Group 23">
+            <a:extLst>
+              <a:ext uri="{FF2B5EF4-FFF2-40B4-BE49-F238E27FC236}">
+                <a16:creationId xmlns:a16="http://schemas.microsoft.com/office/drawing/2014/main" id="{19CBF240-B030-E942-A880-AE058C0CC8B7}"/>
+              </a:ext>
+            </a:extLst>
+          </p:cNvPr>
+          <p:cNvGrpSpPr/>
+          <p:nvPr/>
+        </p:nvGrpSpPr>
+        <p:grpSpPr>
+          <a:xfrm>
+            <a:off x="551384" y="3501008"/>
+            <a:ext cx="10873208" cy="2448272"/>
+            <a:chOff x="551384" y="3501008"/>
+            <a:chExt cx="10873208" cy="2448272"/>
+          </a:xfrm>
+        </p:grpSpPr>
+        <p:sp>
+          <p:nvSpPr>
+            <p:cNvPr id="29" name="Rounded Rectangle 28">
+              <a:extLst>
+                <a:ext uri="{FF2B5EF4-FFF2-40B4-BE49-F238E27FC236}">
+                  <a16:creationId xmlns:a16="http://schemas.microsoft.com/office/drawing/2014/main" id="{0859EEA1-BD96-AC44-A616-8CEF1BB0E24F}"/>
+                </a:ext>
+              </a:extLst>
+            </p:cNvPr>
+            <p:cNvSpPr/>
+            <p:nvPr/>
+          </p:nvSpPr>
+          <p:spPr>
+            <a:xfrm>
+              <a:off x="551384" y="3501008"/>
+              <a:ext cx="10873208" cy="2448272"/>
+            </a:xfrm>
+            <a:prstGeom prst="roundRect">
+              <a:avLst/>
+            </a:prstGeom>
+            <a:solidFill>
+              <a:schemeClr val="accent2">
+                <a:alpha val="50000"/>
+              </a:schemeClr>
+            </a:solidFill>
+            <a:ln>
+              <a:noFill/>
+            </a:ln>
+          </p:spPr>
+          <p:style>
+            <a:lnRef idx="0">
+              <a:scrgbClr r="0" g="0" b="0"/>
+            </a:lnRef>
+            <a:fillRef idx="0">
+              <a:scrgbClr r="0" g="0" b="0"/>
+            </a:fillRef>
+            <a:effectRef idx="0">
+              <a:scrgbClr r="0" g="0" b="0"/>
+            </a:effectRef>
+            <a:fontRef idx="minor">
+              <a:schemeClr val="lt1"/>
+            </a:fontRef>
+          </p:style>
+          <p:txBody>
+            <a:bodyPr rtlCol="0" anchor="ctr"/>
+            <a:lstStyle/>
+            <a:p>
+              <a:pPr algn="ctr"/>
+              <a:endParaRPr lang="en-US"/>
+            </a:p>
+          </p:txBody>
+        </p:sp>
+        <p:sp>
+          <p:nvSpPr>
+            <p:cNvPr id="30" name="Round Same Side Corner Rectangle 29">
+              <a:extLst>
+                <a:ext uri="{FF2B5EF4-FFF2-40B4-BE49-F238E27FC236}">
+                  <a16:creationId xmlns:a16="http://schemas.microsoft.com/office/drawing/2014/main" id="{AB4B25AB-0429-1045-AA0A-3B3AECA37696}"/>
+                </a:ext>
+              </a:extLst>
+            </p:cNvPr>
+            <p:cNvSpPr/>
+            <p:nvPr/>
+          </p:nvSpPr>
+          <p:spPr>
+            <a:xfrm rot="16200000">
+              <a:off x="-312712" y="4365104"/>
+              <a:ext cx="2448272" cy="720080"/>
+            </a:xfrm>
+            <a:prstGeom prst="round2SameRect">
+              <a:avLst/>
+            </a:prstGeom>
+            <a:solidFill>
+              <a:schemeClr val="accent2"/>
+            </a:solidFill>
+            <a:ln>
+              <a:noFill/>
+            </a:ln>
+          </p:spPr>
+          <p:style>
+            <a:lnRef idx="0">
+              <a:scrgbClr r="0" g="0" b="0"/>
+            </a:lnRef>
+            <a:fillRef idx="0">
+              <a:scrgbClr r="0" g="0" b="0"/>
+            </a:fillRef>
+            <a:effectRef idx="0">
+              <a:scrgbClr r="0" g="0" b="0"/>
+            </a:effectRef>
+            <a:fontRef idx="minor">
+              <a:schemeClr val="lt1"/>
+            </a:fontRef>
+          </p:style>
+          <p:txBody>
+            <a:bodyPr rtlCol="0" anchor="ctr"/>
+            <a:lstStyle/>
+            <a:p>
+              <a:pPr algn="ctr"/>
+              <a:endParaRPr lang="en-US"/>
+            </a:p>
+          </p:txBody>
+        </p:sp>
+        <p:sp>
+          <p:nvSpPr>
+            <p:cNvPr id="31" name="TextBox 30">
+              <a:extLst>
+                <a:ext uri="{FF2B5EF4-FFF2-40B4-BE49-F238E27FC236}">
+                  <a16:creationId xmlns:a16="http://schemas.microsoft.com/office/drawing/2014/main" id="{2E57FD92-8F04-1541-8164-80647FDBCF5A}"/>
+                </a:ext>
+              </a:extLst>
+            </p:cNvPr>
+            <p:cNvSpPr txBox="1"/>
+            <p:nvPr/>
+          </p:nvSpPr>
+          <p:spPr>
+            <a:xfrm>
+              <a:off x="695400" y="3645024"/>
+              <a:ext cx="492443" cy="2160240"/>
+            </a:xfrm>
+            <a:prstGeom prst="rect">
+              <a:avLst/>
+            </a:prstGeom>
+          </p:spPr>
+          <p:txBody>
+            <a:bodyPr vert="vert270" wrap="square" lIns="0" tIns="0" rIns="0" bIns="0" rtlCol="0">
+              <a:spAutoFit/>
+            </a:bodyPr>
+            <a:lstStyle/>
+            <a:p>
+              <a:pPr algn="ctr"/>
+              <a:r>
+                <a:rPr lang="en-US" sz="1600" dirty="0">
+                  <a:solidFill>
+                    <a:srgbClr val="404040"/>
+                  </a:solidFill>
+                </a:rPr>
+                <a:t>Responds only to a certain event (e.g. button click)</a:t>
+              </a:r>
+            </a:p>
+          </p:txBody>
+        </p:sp>
+      </p:grpSp>
+      <p:grpSp>
+        <p:nvGrpSpPr>
+          <p:cNvPr id="17" name="Group 16">
+            <a:extLst>
+              <a:ext uri="{FF2B5EF4-FFF2-40B4-BE49-F238E27FC236}">
+                <a16:creationId xmlns:a16="http://schemas.microsoft.com/office/drawing/2014/main" id="{E5D2E70E-2F85-B643-B0DA-BF8E6A0AAF79}"/>
+              </a:ext>
+            </a:extLst>
+          </p:cNvPr>
+          <p:cNvGrpSpPr/>
+          <p:nvPr/>
+        </p:nvGrpSpPr>
+        <p:grpSpPr>
+          <a:xfrm>
+            <a:off x="551384" y="908720"/>
+            <a:ext cx="10873208" cy="2448272"/>
+            <a:chOff x="551384" y="908720"/>
+            <a:chExt cx="10873208" cy="2448272"/>
+          </a:xfrm>
+        </p:grpSpPr>
+        <p:sp>
+          <p:nvSpPr>
+            <p:cNvPr id="12" name="Rounded Rectangle 11">
+              <a:extLst>
+                <a:ext uri="{FF2B5EF4-FFF2-40B4-BE49-F238E27FC236}">
+                  <a16:creationId xmlns:a16="http://schemas.microsoft.com/office/drawing/2014/main" id="{E6217C3B-1A4C-7540-A0E0-53BF66356C11}"/>
+                </a:ext>
+              </a:extLst>
+            </p:cNvPr>
+            <p:cNvSpPr/>
+            <p:nvPr/>
+          </p:nvSpPr>
+          <p:spPr>
+            <a:xfrm>
+              <a:off x="551384" y="908720"/>
+              <a:ext cx="10873208" cy="2448272"/>
+            </a:xfrm>
+            <a:prstGeom prst="roundRect">
+              <a:avLst/>
+            </a:prstGeom>
+            <a:solidFill>
+              <a:schemeClr val="accent3">
+                <a:alpha val="50000"/>
+              </a:schemeClr>
+            </a:solidFill>
+            <a:ln>
+              <a:noFill/>
+            </a:ln>
+          </p:spPr>
+          <p:style>
+            <a:lnRef idx="0">
+              <a:scrgbClr r="0" g="0" b="0"/>
+            </a:lnRef>
+            <a:fillRef idx="0">
+              <a:scrgbClr r="0" g="0" b="0"/>
+            </a:fillRef>
+            <a:effectRef idx="0">
+              <a:scrgbClr r="0" g="0" b="0"/>
+            </a:effectRef>
+            <a:fontRef idx="minor">
+              <a:schemeClr val="lt1"/>
+            </a:fontRef>
+          </p:style>
+          <p:txBody>
+            <a:bodyPr rtlCol="0" anchor="ctr"/>
+            <a:lstStyle/>
+            <a:p>
+              <a:pPr algn="ctr"/>
+              <a:endParaRPr lang="en-US"/>
+            </a:p>
+          </p:txBody>
+        </p:sp>
+        <p:sp>
+          <p:nvSpPr>
+            <p:cNvPr id="16" name="Round Same Side Corner Rectangle 15">
+              <a:extLst>
+                <a:ext uri="{FF2B5EF4-FFF2-40B4-BE49-F238E27FC236}">
+                  <a16:creationId xmlns:a16="http://schemas.microsoft.com/office/drawing/2014/main" id="{DE5805B5-938A-9947-A5E6-C83AC8CC54A4}"/>
+                </a:ext>
+              </a:extLst>
+            </p:cNvPr>
+            <p:cNvSpPr/>
+            <p:nvPr/>
+          </p:nvSpPr>
+          <p:spPr>
+            <a:xfrm rot="16200000">
+              <a:off x="-312712" y="1772816"/>
+              <a:ext cx="2448272" cy="720080"/>
+            </a:xfrm>
+            <a:prstGeom prst="round2SameRect">
+              <a:avLst/>
+            </a:prstGeom>
+            <a:solidFill>
+              <a:schemeClr val="accent3"/>
+            </a:solidFill>
+            <a:ln>
+              <a:noFill/>
+            </a:ln>
+          </p:spPr>
+          <p:style>
+            <a:lnRef idx="0">
+              <a:scrgbClr r="0" g="0" b="0"/>
+            </a:lnRef>
+            <a:fillRef idx="0">
+              <a:scrgbClr r="0" g="0" b="0"/>
+            </a:fillRef>
+            <a:effectRef idx="0">
+              <a:scrgbClr r="0" g="0" b="0"/>
+            </a:effectRef>
+            <a:fontRef idx="minor">
+              <a:schemeClr val="lt1"/>
+            </a:fontRef>
+          </p:style>
+          <p:txBody>
+            <a:bodyPr rtlCol="0" anchor="ctr"/>
+            <a:lstStyle/>
+            <a:p>
+              <a:pPr algn="ctr"/>
+              <a:endParaRPr lang="en-US"/>
+            </a:p>
+          </p:txBody>
+        </p:sp>
+        <p:sp>
+          <p:nvSpPr>
+            <p:cNvPr id="15" name="TextBox 14">
+              <a:extLst>
+                <a:ext uri="{FF2B5EF4-FFF2-40B4-BE49-F238E27FC236}">
+                  <a16:creationId xmlns:a16="http://schemas.microsoft.com/office/drawing/2014/main" id="{B5C1654D-222A-F548-AAB4-D236876D27F3}"/>
+                </a:ext>
+              </a:extLst>
+            </p:cNvPr>
+            <p:cNvSpPr txBox="1"/>
+            <p:nvPr/>
+          </p:nvSpPr>
+          <p:spPr>
+            <a:xfrm>
+              <a:off x="695400" y="1052736"/>
+              <a:ext cx="492443" cy="2160240"/>
+            </a:xfrm>
+            <a:prstGeom prst="rect">
+              <a:avLst/>
+            </a:prstGeom>
+          </p:spPr>
+          <p:txBody>
+            <a:bodyPr vert="vert270" wrap="square" lIns="0" tIns="0" rIns="0" bIns="0" rtlCol="0">
+              <a:spAutoFit/>
+            </a:bodyPr>
+            <a:lstStyle/>
+            <a:p>
+              <a:pPr algn="ctr"/>
+              <a:r>
+                <a:rPr lang="en-US" sz="1600" dirty="0">
+                  <a:solidFill>
+                    <a:srgbClr val="404040"/>
+                  </a:solidFill>
+                </a:rPr>
+                <a:t>Responds directly to a change in input objects</a:t>
+              </a:r>
+            </a:p>
+          </p:txBody>
+        </p:sp>
+      </p:grpSp>
+      <p:sp>
+        <p:nvSpPr>
+          <p:cNvPr id="19" name="Text Placeholder 18"/>
+          <p:cNvSpPr>
+            <a:spLocks noGrp="1"/>
+          </p:cNvSpPr>
+          <p:nvPr>
+            <p:ph type="body" sz="quarter" idx="14"/>
+          </p:nvPr>
+        </p:nvSpPr>
+        <p:spPr/>
+        <p:txBody>
+          <a:bodyPr/>
+          <a:lstStyle/>
+          <a:p>
+            <a:r>
+              <a:rPr lang="en-GB" dirty="0"/>
+              <a:t>For a more detailed overview of reactivity in Shiny, visit this website: </a:t>
+            </a:r>
+            <a:r>
+              <a:rPr lang="en-GB" dirty="0">
+                <a:hlinkClick r:id="rId3"/>
+              </a:rPr>
+              <a:t>https://shiny.rstudio.com/articles/reactivity-overview.html</a:t>
+            </a:r>
+            <a:r>
+              <a:rPr lang="en-GB" dirty="0"/>
+              <a:t> </a:t>
+            </a:r>
+          </a:p>
+        </p:txBody>
+      </p:sp>
+      <p:sp>
+        <p:nvSpPr>
+          <p:cNvPr id="18" name="Slide Number Placeholder 17"/>
+          <p:cNvSpPr>
+            <a:spLocks noGrp="1"/>
+          </p:cNvSpPr>
+          <p:nvPr>
+            <p:ph type="sldNum" sz="quarter" idx="16"/>
+          </p:nvPr>
+        </p:nvSpPr>
+        <p:spPr/>
+        <p:txBody>
+          <a:bodyPr/>
+          <a:lstStyle/>
+          <a:p>
+            <a:r>
+              <a:rPr lang="en-GB" dirty="0"/>
+              <a:t>Page </a:t>
+            </a:r>
+            <a:fld id="{D0A7EFCE-C288-4C08-82BF-A166ED293115}" type="slidenum">
+              <a:rPr lang="en-GB" smtClean="0"/>
+              <a:pPr/>
+              <a:t>10</a:t>
+            </a:fld>
+            <a:endParaRPr lang="en-GB" dirty="0"/>
+          </a:p>
+        </p:txBody>
+      </p:sp>
+      <p:sp>
+        <p:nvSpPr>
+          <p:cNvPr id="7" name="Title 6"/>
+          <p:cNvSpPr>
+            <a:spLocks noGrp="1"/>
+          </p:cNvSpPr>
+          <p:nvPr>
+            <p:ph type="title"/>
+          </p:nvPr>
+        </p:nvSpPr>
+        <p:spPr>
+          <a:xfrm>
+            <a:off x="474056" y="214421"/>
+            <a:ext cx="11268000" cy="396000"/>
+          </a:xfrm>
+        </p:spPr>
+        <p:txBody>
+          <a:bodyPr>
+            <a:noAutofit/>
+          </a:bodyPr>
+          <a:lstStyle/>
+          <a:p>
+            <a:r>
+              <a:rPr lang="en-GB" sz="3600" dirty="0"/>
+              <a:t>Reactivity</a:t>
+            </a:r>
+          </a:p>
+        </p:txBody>
+      </p:sp>
+      <p:cxnSp>
+        <p:nvCxnSpPr>
+          <p:cNvPr id="5" name="Straight Connector 4">
+            <a:extLst>
+              <a:ext uri="{FF2B5EF4-FFF2-40B4-BE49-F238E27FC236}">
+                <a16:creationId xmlns:a16="http://schemas.microsoft.com/office/drawing/2014/main" id="{8B0C99B2-863C-B441-B997-B9BF3FB58568}"/>
+              </a:ext>
+            </a:extLst>
+          </p:cNvPr>
+          <p:cNvCxnSpPr/>
+          <p:nvPr/>
+        </p:nvCxnSpPr>
+        <p:spPr>
+          <a:xfrm>
+            <a:off x="551384" y="3429000"/>
+            <a:ext cx="10873208" cy="0"/>
+          </a:xfrm>
+          <a:prstGeom prst="line">
+            <a:avLst/>
+          </a:prstGeom>
+          <a:ln>
+            <a:solidFill>
+              <a:schemeClr val="accent5"/>
+            </a:solidFill>
+            <a:prstDash val="dash"/>
+          </a:ln>
+        </p:spPr>
+        <p:style>
+          <a:lnRef idx="1">
+            <a:schemeClr val="accent1"/>
+          </a:lnRef>
+          <a:fillRef idx="0">
+            <a:schemeClr val="accent1"/>
+          </a:fillRef>
+          <a:effectRef idx="0">
+            <a:schemeClr val="accent1"/>
+          </a:effectRef>
+          <a:fontRef idx="minor">
+            <a:schemeClr val="tx1"/>
+          </a:fontRef>
+        </p:style>
+      </p:cxnSp>
+      <p:cxnSp>
+        <p:nvCxnSpPr>
+          <p:cNvPr id="14" name="Straight Connector 13">
+            <a:extLst>
+              <a:ext uri="{FF2B5EF4-FFF2-40B4-BE49-F238E27FC236}">
+                <a16:creationId xmlns:a16="http://schemas.microsoft.com/office/drawing/2014/main" id="{828E88A4-0957-3B47-A9A3-0FD8FE6EEE54}"/>
+              </a:ext>
+            </a:extLst>
+          </p:cNvPr>
+          <p:cNvCxnSpPr>
+            <a:cxnSpLocks/>
+          </p:cNvCxnSpPr>
+          <p:nvPr/>
+        </p:nvCxnSpPr>
+        <p:spPr>
+          <a:xfrm>
+            <a:off x="6096000" y="836712"/>
+            <a:ext cx="0" cy="5256584"/>
+          </a:xfrm>
+          <a:prstGeom prst="line">
+            <a:avLst/>
+          </a:prstGeom>
+          <a:ln>
+            <a:solidFill>
+              <a:schemeClr val="accent5"/>
+            </a:solidFill>
+            <a:prstDash val="dash"/>
+          </a:ln>
+        </p:spPr>
+        <p:style>
+          <a:lnRef idx="1">
+            <a:schemeClr val="accent1"/>
+          </a:lnRef>
+          <a:fillRef idx="0">
+            <a:schemeClr val="accent1"/>
+          </a:fillRef>
+          <a:effectRef idx="0">
+            <a:schemeClr val="accent1"/>
+          </a:effectRef>
+          <a:fontRef idx="minor">
+            <a:schemeClr val="tx1"/>
+          </a:fontRef>
+        </p:style>
+      </p:cxnSp>
+      <p:sp>
+        <p:nvSpPr>
+          <p:cNvPr id="10" name="TextBox 9">
+            <a:extLst>
+              <a:ext uri="{FF2B5EF4-FFF2-40B4-BE49-F238E27FC236}">
+                <a16:creationId xmlns:a16="http://schemas.microsoft.com/office/drawing/2014/main" id="{FF82B433-CF92-504E-8770-EE6C6B45B48A}"/>
+              </a:ext>
+            </a:extLst>
+          </p:cNvPr>
+          <p:cNvSpPr txBox="1"/>
+          <p:nvPr/>
+        </p:nvSpPr>
+        <p:spPr>
+          <a:xfrm>
+            <a:off x="1415480" y="1772816"/>
+            <a:ext cx="4032448" cy="430887"/>
+          </a:xfrm>
+          <a:prstGeom prst="rect">
+            <a:avLst/>
+          </a:prstGeom>
+        </p:spPr>
+        <p:txBody>
+          <a:bodyPr wrap="square" lIns="0" tIns="0" rIns="0" bIns="0" rtlCol="0">
+            <a:spAutoFit/>
+          </a:bodyPr>
+          <a:lstStyle/>
+          <a:p>
+            <a:pPr algn="ctr"/>
+            <a:r>
+              <a:rPr lang="en-US" sz="2800" dirty="0">
+                <a:solidFill>
+                  <a:srgbClr val="404040"/>
+                </a:solidFill>
+              </a:rPr>
+              <a:t>observe({expr})</a:t>
+            </a:r>
+          </a:p>
+        </p:txBody>
+      </p:sp>
+      <p:sp>
+        <p:nvSpPr>
+          <p:cNvPr id="21" name="TextBox 20">
+            <a:extLst>
+              <a:ext uri="{FF2B5EF4-FFF2-40B4-BE49-F238E27FC236}">
+                <a16:creationId xmlns:a16="http://schemas.microsoft.com/office/drawing/2014/main" id="{D9FDE073-16EE-6A47-937A-7263C30D49C6}"/>
+              </a:ext>
+            </a:extLst>
+          </p:cNvPr>
+          <p:cNvSpPr txBox="1"/>
+          <p:nvPr/>
+        </p:nvSpPr>
+        <p:spPr>
+          <a:xfrm>
+            <a:off x="6782529" y="1772816"/>
+            <a:ext cx="4032448" cy="430887"/>
+          </a:xfrm>
+          <a:prstGeom prst="rect">
+            <a:avLst/>
+          </a:prstGeom>
+        </p:spPr>
+        <p:txBody>
+          <a:bodyPr wrap="square" lIns="0" tIns="0" rIns="0" bIns="0" rtlCol="0">
+            <a:spAutoFit/>
+          </a:bodyPr>
+          <a:lstStyle/>
+          <a:p>
+            <a:pPr algn="ctr"/>
+            <a:r>
+              <a:rPr lang="en-US" sz="2800" dirty="0">
+                <a:solidFill>
+                  <a:srgbClr val="404040"/>
+                </a:solidFill>
+              </a:rPr>
+              <a:t>reactive({expr})</a:t>
+            </a:r>
+          </a:p>
+        </p:txBody>
+      </p:sp>
+      <p:sp>
+        <p:nvSpPr>
+          <p:cNvPr id="22" name="TextBox 21">
+            <a:extLst>
+              <a:ext uri="{FF2B5EF4-FFF2-40B4-BE49-F238E27FC236}">
+                <a16:creationId xmlns:a16="http://schemas.microsoft.com/office/drawing/2014/main" id="{7C0F88CA-3650-FC4D-A150-9AA1D7614436}"/>
+              </a:ext>
+            </a:extLst>
+          </p:cNvPr>
+          <p:cNvSpPr txBox="1"/>
+          <p:nvPr/>
+        </p:nvSpPr>
+        <p:spPr>
+          <a:xfrm>
+            <a:off x="1415480" y="4541639"/>
+            <a:ext cx="4032448" cy="430887"/>
+          </a:xfrm>
+          <a:prstGeom prst="rect">
+            <a:avLst/>
+          </a:prstGeom>
+        </p:spPr>
+        <p:txBody>
+          <a:bodyPr wrap="square" lIns="0" tIns="0" rIns="0" bIns="0" rtlCol="0">
+            <a:spAutoFit/>
+          </a:bodyPr>
+          <a:lstStyle/>
+          <a:p>
+            <a:pPr algn="ctr"/>
+            <a:r>
+              <a:rPr lang="en-US" sz="2800" dirty="0" err="1">
+                <a:solidFill>
+                  <a:srgbClr val="404040"/>
+                </a:solidFill>
+              </a:rPr>
+              <a:t>observeEvent</a:t>
+            </a:r>
+            <a:r>
+              <a:rPr lang="en-US" sz="2800" dirty="0">
+                <a:solidFill>
+                  <a:srgbClr val="404040"/>
+                </a:solidFill>
+              </a:rPr>
+              <a:t>(event,{expr})</a:t>
+            </a:r>
+          </a:p>
+        </p:txBody>
+      </p:sp>
+      <p:sp>
+        <p:nvSpPr>
+          <p:cNvPr id="23" name="TextBox 22">
+            <a:extLst>
+              <a:ext uri="{FF2B5EF4-FFF2-40B4-BE49-F238E27FC236}">
+                <a16:creationId xmlns:a16="http://schemas.microsoft.com/office/drawing/2014/main" id="{480DCEDE-D3B2-D146-B88A-9B1DAAC2B661}"/>
+              </a:ext>
+            </a:extLst>
+          </p:cNvPr>
+          <p:cNvSpPr txBox="1"/>
+          <p:nvPr/>
+        </p:nvSpPr>
+        <p:spPr>
+          <a:xfrm>
+            <a:off x="6782529" y="4541639"/>
+            <a:ext cx="4032448" cy="430887"/>
+          </a:xfrm>
+          <a:prstGeom prst="rect">
+            <a:avLst/>
+          </a:prstGeom>
+        </p:spPr>
+        <p:txBody>
+          <a:bodyPr wrap="square" lIns="0" tIns="0" rIns="0" bIns="0" rtlCol="0">
+            <a:spAutoFit/>
+          </a:bodyPr>
+          <a:lstStyle/>
+          <a:p>
+            <a:pPr algn="ctr"/>
+            <a:r>
+              <a:rPr lang="en-US" sz="2800" dirty="0" err="1">
+                <a:solidFill>
+                  <a:srgbClr val="404040"/>
+                </a:solidFill>
+              </a:rPr>
+              <a:t>eventReactive</a:t>
+            </a:r>
+            <a:r>
+              <a:rPr lang="en-US" sz="2800" dirty="0">
+                <a:solidFill>
+                  <a:srgbClr val="404040"/>
+                </a:solidFill>
+              </a:rPr>
+              <a:t>(event,{expr})</a:t>
+            </a:r>
+          </a:p>
+        </p:txBody>
+      </p:sp>
+      <p:pic>
+        <p:nvPicPr>
+          <p:cNvPr id="32" name="Picture 31">
+            <a:extLst>
+              <a:ext uri="{FF2B5EF4-FFF2-40B4-BE49-F238E27FC236}">
+                <a16:creationId xmlns:a16="http://schemas.microsoft.com/office/drawing/2014/main" id="{F36FE3AA-D65B-934E-9032-3E8E58BA60B1}"/>
+              </a:ext>
+            </a:extLst>
+          </p:cNvPr>
+          <p:cNvPicPr>
+            <a:picLocks noChangeAspect="1"/>
+          </p:cNvPicPr>
+          <p:nvPr/>
+        </p:nvPicPr>
+        <p:blipFill>
+          <a:blip r:embed="rId4"/>
+          <a:stretch>
+            <a:fillRect/>
+          </a:stretch>
+        </p:blipFill>
+        <p:spPr>
+          <a:xfrm>
+            <a:off x="3632200" y="1115667"/>
+            <a:ext cx="4927600" cy="508000"/>
+          </a:xfrm>
+          <a:prstGeom prst="rect">
+            <a:avLst/>
+          </a:prstGeom>
+          <a:ln>
+            <a:solidFill>
+              <a:schemeClr val="accent3"/>
+            </a:solidFill>
+          </a:ln>
+        </p:spPr>
+      </p:pic>
+      <p:pic>
+        <p:nvPicPr>
+          <p:cNvPr id="33" name="Picture 32">
+            <a:extLst>
+              <a:ext uri="{FF2B5EF4-FFF2-40B4-BE49-F238E27FC236}">
+                <a16:creationId xmlns:a16="http://schemas.microsoft.com/office/drawing/2014/main" id="{D041F559-F6B8-6B4F-8EFE-820DB7CA8A7D}"/>
+              </a:ext>
+            </a:extLst>
+          </p:cNvPr>
+          <p:cNvPicPr>
+            <a:picLocks noChangeAspect="1"/>
+          </p:cNvPicPr>
+          <p:nvPr/>
+        </p:nvPicPr>
+        <p:blipFill>
+          <a:blip r:embed="rId5"/>
+          <a:stretch>
+            <a:fillRect/>
+          </a:stretch>
+        </p:blipFill>
+        <p:spPr>
+          <a:xfrm>
+            <a:off x="4940300" y="3723644"/>
+            <a:ext cx="2311400" cy="469900"/>
+          </a:xfrm>
+          <a:prstGeom prst="rect">
+            <a:avLst/>
+          </a:prstGeom>
+          <a:ln>
+            <a:solidFill>
+              <a:schemeClr val="accent2"/>
+            </a:solidFill>
+          </a:ln>
+        </p:spPr>
+      </p:pic>
+      <p:pic>
+        <p:nvPicPr>
+          <p:cNvPr id="44" name="Picture 43">
+            <a:extLst>
+              <a:ext uri="{FF2B5EF4-FFF2-40B4-BE49-F238E27FC236}">
+                <a16:creationId xmlns:a16="http://schemas.microsoft.com/office/drawing/2014/main" id="{B62747A4-F5B4-004C-9F0E-533646909573}"/>
+              </a:ext>
+            </a:extLst>
+          </p:cNvPr>
+          <p:cNvPicPr>
+            <a:picLocks noChangeAspect="1"/>
+          </p:cNvPicPr>
+          <p:nvPr/>
+        </p:nvPicPr>
+        <p:blipFill>
+          <a:blip r:embed="rId4"/>
+          <a:stretch>
+            <a:fillRect/>
+          </a:stretch>
+        </p:blipFill>
+        <p:spPr>
+          <a:xfrm>
+            <a:off x="6332500" y="2875312"/>
+            <a:ext cx="4927600" cy="508000"/>
+          </a:xfrm>
+          <a:prstGeom prst="rect">
+            <a:avLst/>
+          </a:prstGeom>
+          <a:ln>
+            <a:solidFill>
+              <a:schemeClr val="accent1"/>
+            </a:solidFill>
+          </a:ln>
+        </p:spPr>
+      </p:pic>
+      <p:pic>
+        <p:nvPicPr>
+          <p:cNvPr id="45" name="Picture 44">
+            <a:extLst>
+              <a:ext uri="{FF2B5EF4-FFF2-40B4-BE49-F238E27FC236}">
+                <a16:creationId xmlns:a16="http://schemas.microsoft.com/office/drawing/2014/main" id="{30A2FF1D-6C8B-3147-97F8-85DDE8EB6CD3}"/>
+              </a:ext>
+            </a:extLst>
+          </p:cNvPr>
+          <p:cNvPicPr>
+            <a:picLocks noChangeAspect="1"/>
+          </p:cNvPicPr>
+          <p:nvPr/>
+        </p:nvPicPr>
+        <p:blipFill>
+          <a:blip r:embed="rId6"/>
+          <a:stretch>
+            <a:fillRect/>
+          </a:stretch>
+        </p:blipFill>
+        <p:spPr>
+          <a:xfrm>
+            <a:off x="7285000" y="3475398"/>
+            <a:ext cx="3022600" cy="482600"/>
+          </a:xfrm>
+          <a:prstGeom prst="rect">
+            <a:avLst/>
+          </a:prstGeom>
+          <a:ln>
+            <a:solidFill>
+              <a:schemeClr val="accent1"/>
+            </a:solidFill>
+          </a:ln>
+        </p:spPr>
+      </p:pic>
+    </p:spTree>
+    <p:extLst>
+      <p:ext uri="{BB962C8B-B14F-4D97-AF65-F5344CB8AC3E}">
+        <p14:creationId xmlns:p14="http://schemas.microsoft.com/office/powerpoint/2010/main" val="4041666938"/>
+      </p:ext>
+    </p:extLst>
+  </p:cSld>
+  <p:clrMapOvr>
+    <a:masterClrMapping/>
+  </p:clrMapOvr>
+  <p:timing>
+    <p:tnLst>
+      <p:par>
+        <p:cTn id="1" dur="indefinite" restart="never" nodeType="tmRoot">
+          <p:childTnLst>
+            <p:seq concurrent="1" nextAc="seek">
+              <p:cTn id="2" dur="indefinite" nodeType="mainSeq">
+                <p:childTnLst>
+                  <p:par>
+                    <p:cTn id="3" fill="hold">
+                      <p:stCondLst>
+                        <p:cond delay="indefinite"/>
+                      </p:stCondLst>
+                      <p:childTnLst>
+                        <p:par>
+                          <p:cTn id="4" fill="hold">
+                            <p:stCondLst>
+                              <p:cond delay="0"/>
+                            </p:stCondLst>
+                            <p:childTnLst>
+                              <p:par>
+                                <p:cTn id="5" presetID="1" presetClass="entr" presetSubtype="0" fill="hold" grpId="0" nodeType="clickEffect">
+                                  <p:stCondLst>
+                                    <p:cond delay="0"/>
+                                  </p:stCondLst>
+                                  <p:childTnLst>
+                                    <p:set>
+                                      <p:cBhvr>
+                                        <p:cTn id="6" dur="1" fill="hold">
+                                          <p:stCondLst>
+                                            <p:cond delay="0"/>
+                                          </p:stCondLst>
+                                        </p:cTn>
+                                        <p:tgtEl>
+                                          <p:spTgt spid="10"/>
+                                        </p:tgtEl>
+                                        <p:attrNameLst>
+                                          <p:attrName>style.visibility</p:attrName>
+                                        </p:attrNameLst>
+                                      </p:cBhvr>
+                                      <p:to>
+                                        <p:strVal val="visible"/>
+                                      </p:to>
+                                    </p:set>
+                                  </p:childTnLst>
+                                </p:cTn>
+                              </p:par>
+                            </p:childTnLst>
+                          </p:cTn>
+                        </p:par>
+                      </p:childTnLst>
+                    </p:cTn>
+                  </p:par>
+                  <p:par>
+                    <p:cTn id="7" fill="hold">
+                      <p:stCondLst>
+                        <p:cond delay="indefinite"/>
+                      </p:stCondLst>
+                      <p:childTnLst>
+                        <p:par>
+                          <p:cTn id="8" fill="hold">
+                            <p:stCondLst>
+                              <p:cond delay="0"/>
+                            </p:stCondLst>
+                            <p:childTnLst>
+                              <p:par>
+                                <p:cTn id="9" presetID="1" presetClass="entr" presetSubtype="0" fill="hold" grpId="0" nodeType="clickEffect">
+                                  <p:stCondLst>
+                                    <p:cond delay="0"/>
+                                  </p:stCondLst>
+                                  <p:childTnLst>
+                                    <p:set>
+                                      <p:cBhvr>
+                                        <p:cTn id="10" dur="1" fill="hold">
+                                          <p:stCondLst>
+                                            <p:cond delay="0"/>
+                                          </p:stCondLst>
+                                        </p:cTn>
+                                        <p:tgtEl>
+                                          <p:spTgt spid="21"/>
+                                        </p:tgtEl>
+                                        <p:attrNameLst>
+                                          <p:attrName>style.visibility</p:attrName>
+                                        </p:attrNameLst>
+                                      </p:cBhvr>
+                                      <p:to>
+                                        <p:strVal val="visible"/>
+                                      </p:to>
+                                    </p:set>
+                                  </p:childTnLst>
+                                </p:cTn>
+                              </p:par>
+                            </p:childTnLst>
+                          </p:cTn>
+                        </p:par>
+                      </p:childTnLst>
+                    </p:cTn>
+                  </p:par>
+                  <p:par>
+                    <p:cTn id="11" fill="hold">
+                      <p:stCondLst>
+                        <p:cond delay="indefinite"/>
+                      </p:stCondLst>
+                      <p:childTnLst>
+                        <p:par>
+                          <p:cTn id="12" fill="hold">
+                            <p:stCondLst>
+                              <p:cond delay="0"/>
+                            </p:stCondLst>
+                            <p:childTnLst>
+                              <p:par>
+                                <p:cTn id="13" presetID="1" presetClass="entr" presetSubtype="0" fill="hold" grpId="0" nodeType="clickEffect">
+                                  <p:stCondLst>
+                                    <p:cond delay="0"/>
+                                  </p:stCondLst>
+                                  <p:childTnLst>
+                                    <p:set>
+                                      <p:cBhvr>
+                                        <p:cTn id="14" dur="1" fill="hold">
+                                          <p:stCondLst>
+                                            <p:cond delay="0"/>
+                                          </p:stCondLst>
+                                        </p:cTn>
+                                        <p:tgtEl>
+                                          <p:spTgt spid="22"/>
+                                        </p:tgtEl>
+                                        <p:attrNameLst>
+                                          <p:attrName>style.visibility</p:attrName>
+                                        </p:attrNameLst>
+                                      </p:cBhvr>
+                                      <p:to>
+                                        <p:strVal val="visible"/>
+                                      </p:to>
+                                    </p:set>
+                                  </p:childTnLst>
+                                </p:cTn>
+                              </p:par>
+                            </p:childTnLst>
+                          </p:cTn>
+                        </p:par>
+                      </p:childTnLst>
+                    </p:cTn>
+                  </p:par>
+                  <p:par>
+                    <p:cTn id="15" fill="hold">
+                      <p:stCondLst>
+                        <p:cond delay="indefinite"/>
+                      </p:stCondLst>
+                      <p:childTnLst>
+                        <p:par>
+                          <p:cTn id="16" fill="hold">
+                            <p:stCondLst>
+                              <p:cond delay="0"/>
+                            </p:stCondLst>
+                            <p:childTnLst>
+                              <p:par>
+                                <p:cTn id="17" presetID="1" presetClass="entr" presetSubtype="0" fill="hold" grpId="0" nodeType="clickEffect">
+                                  <p:stCondLst>
+                                    <p:cond delay="0"/>
+                                  </p:stCondLst>
+                                  <p:childTnLst>
+                                    <p:set>
+                                      <p:cBhvr>
+                                        <p:cTn id="18" dur="1" fill="hold">
+                                          <p:stCondLst>
+                                            <p:cond delay="0"/>
+                                          </p:stCondLst>
+                                        </p:cTn>
+                                        <p:tgtEl>
+                                          <p:spTgt spid="23"/>
+                                        </p:tgtEl>
+                                        <p:attrNameLst>
+                                          <p:attrName>style.visibility</p:attrName>
+                                        </p:attrNameLst>
+                                      </p:cBhvr>
+                                      <p:to>
+                                        <p:strVal val="visible"/>
+                                      </p:to>
+                                    </p:set>
+                                  </p:childTnLst>
+                                </p:cTn>
+                              </p:par>
+                            </p:childTnLst>
+                          </p:cTn>
+                        </p:par>
+                      </p:childTnLst>
+                    </p:cTn>
+                  </p:par>
+                  <p:par>
+                    <p:cTn id="19" fill="hold">
+                      <p:stCondLst>
+                        <p:cond delay="indefinite"/>
+                      </p:stCondLst>
+                      <p:childTnLst>
+                        <p:par>
+                          <p:cTn id="20" fill="hold">
+                            <p:stCondLst>
+                              <p:cond delay="0"/>
+                            </p:stCondLst>
+                            <p:childTnLst>
+                              <p:par>
+                                <p:cTn id="21" presetID="1" presetClass="entr" presetSubtype="0" fill="hold" nodeType="clickEffect">
+                                  <p:stCondLst>
+                                    <p:cond delay="0"/>
+                                  </p:stCondLst>
+                                  <p:childTnLst>
+                                    <p:set>
+                                      <p:cBhvr>
+                                        <p:cTn id="22" dur="1" fill="hold">
+                                          <p:stCondLst>
+                                            <p:cond delay="0"/>
+                                          </p:stCondLst>
+                                        </p:cTn>
+                                        <p:tgtEl>
+                                          <p:spTgt spid="17"/>
+                                        </p:tgtEl>
+                                        <p:attrNameLst>
+                                          <p:attrName>style.visibility</p:attrName>
+                                        </p:attrNameLst>
+                                      </p:cBhvr>
+                                      <p:to>
+                                        <p:strVal val="visible"/>
+                                      </p:to>
+                                    </p:set>
+                                  </p:childTnLst>
+                                </p:cTn>
+                              </p:par>
+                            </p:childTnLst>
+                          </p:cTn>
+                        </p:par>
+                      </p:childTnLst>
+                    </p:cTn>
+                  </p:par>
+                  <p:par>
+                    <p:cTn id="23" fill="hold">
+                      <p:stCondLst>
+                        <p:cond delay="indefinite"/>
+                      </p:stCondLst>
+                      <p:childTnLst>
+                        <p:par>
+                          <p:cTn id="24" fill="hold">
+                            <p:stCondLst>
+                              <p:cond delay="0"/>
+                            </p:stCondLst>
+                            <p:childTnLst>
+                              <p:par>
+                                <p:cTn id="25" presetID="1" presetClass="entr" presetSubtype="0" fill="hold" nodeType="clickEffect">
+                                  <p:stCondLst>
+                                    <p:cond delay="0"/>
+                                  </p:stCondLst>
+                                  <p:childTnLst>
+                                    <p:set>
+                                      <p:cBhvr>
+                                        <p:cTn id="26" dur="1" fill="hold">
+                                          <p:stCondLst>
+                                            <p:cond delay="0"/>
+                                          </p:stCondLst>
+                                        </p:cTn>
+                                        <p:tgtEl>
+                                          <p:spTgt spid="32"/>
+                                        </p:tgtEl>
+                                        <p:attrNameLst>
+                                          <p:attrName>style.visibility</p:attrName>
+                                        </p:attrNameLst>
+                                      </p:cBhvr>
+                                      <p:to>
+                                        <p:strVal val="visible"/>
+                                      </p:to>
+                                    </p:set>
+                                  </p:childTnLst>
+                                </p:cTn>
+                              </p:par>
+                            </p:childTnLst>
+                          </p:cTn>
+                        </p:par>
+                      </p:childTnLst>
+                    </p:cTn>
+                  </p:par>
+                  <p:par>
+                    <p:cTn id="27" fill="hold">
+                      <p:stCondLst>
+                        <p:cond delay="indefinite"/>
+                      </p:stCondLst>
+                      <p:childTnLst>
+                        <p:par>
+                          <p:cTn id="28" fill="hold">
+                            <p:stCondLst>
+                              <p:cond delay="0"/>
+                            </p:stCondLst>
+                            <p:childTnLst>
+                              <p:par>
+                                <p:cTn id="29" presetID="1" presetClass="entr" presetSubtype="0" fill="hold" nodeType="clickEffect">
+                                  <p:stCondLst>
+                                    <p:cond delay="0"/>
+                                  </p:stCondLst>
+                                  <p:childTnLst>
+                                    <p:set>
+                                      <p:cBhvr>
+                                        <p:cTn id="30" dur="1" fill="hold">
+                                          <p:stCondLst>
+                                            <p:cond delay="0"/>
+                                          </p:stCondLst>
+                                        </p:cTn>
+                                        <p:tgtEl>
+                                          <p:spTgt spid="24"/>
+                                        </p:tgtEl>
+                                        <p:attrNameLst>
+                                          <p:attrName>style.visibility</p:attrName>
+                                        </p:attrNameLst>
+                                      </p:cBhvr>
+                                      <p:to>
+                                        <p:strVal val="visible"/>
+                                      </p:to>
+                                    </p:set>
+                                  </p:childTnLst>
+                                </p:cTn>
+                              </p:par>
+                              <p:par>
+                                <p:cTn id="31" presetID="1" presetClass="exit" presetSubtype="0" fill="hold" nodeType="withEffect">
+                                  <p:stCondLst>
+                                    <p:cond delay="0"/>
+                                  </p:stCondLst>
+                                  <p:childTnLst>
+                                    <p:set>
+                                      <p:cBhvr>
+                                        <p:cTn id="32" dur="1" fill="hold">
+                                          <p:stCondLst>
+                                            <p:cond delay="0"/>
+                                          </p:stCondLst>
+                                        </p:cTn>
+                                        <p:tgtEl>
+                                          <p:spTgt spid="17"/>
+                                        </p:tgtEl>
+                                        <p:attrNameLst>
+                                          <p:attrName>style.visibility</p:attrName>
+                                        </p:attrNameLst>
+                                      </p:cBhvr>
+                                      <p:to>
+                                        <p:strVal val="hidden"/>
+                                      </p:to>
+                                    </p:set>
+                                  </p:childTnLst>
+                                </p:cTn>
+                              </p:par>
+                              <p:par>
+                                <p:cTn id="33" presetID="1" presetClass="exit" presetSubtype="0" fill="hold" nodeType="withEffect">
+                                  <p:stCondLst>
+                                    <p:cond delay="0"/>
+                                  </p:stCondLst>
+                                  <p:childTnLst>
+                                    <p:set>
+                                      <p:cBhvr>
+                                        <p:cTn id="34" dur="1" fill="hold">
+                                          <p:stCondLst>
+                                            <p:cond delay="0"/>
+                                          </p:stCondLst>
+                                        </p:cTn>
+                                        <p:tgtEl>
+                                          <p:spTgt spid="32"/>
+                                        </p:tgtEl>
+                                        <p:attrNameLst>
+                                          <p:attrName>style.visibility</p:attrName>
+                                        </p:attrNameLst>
+                                      </p:cBhvr>
+                                      <p:to>
+                                        <p:strVal val="hidden"/>
+                                      </p:to>
+                                    </p:set>
+                                  </p:childTnLst>
+                                </p:cTn>
+                              </p:par>
+                            </p:childTnLst>
+                          </p:cTn>
+                        </p:par>
+                      </p:childTnLst>
+                    </p:cTn>
+                  </p:par>
+                  <p:par>
+                    <p:cTn id="35" fill="hold">
+                      <p:stCondLst>
+                        <p:cond delay="indefinite"/>
+                      </p:stCondLst>
+                      <p:childTnLst>
+                        <p:par>
+                          <p:cTn id="36" fill="hold">
+                            <p:stCondLst>
+                              <p:cond delay="0"/>
+                            </p:stCondLst>
+                            <p:childTnLst>
+                              <p:par>
+                                <p:cTn id="37" presetID="1" presetClass="entr" presetSubtype="0" fill="hold" nodeType="clickEffect">
+                                  <p:stCondLst>
+                                    <p:cond delay="0"/>
+                                  </p:stCondLst>
+                                  <p:childTnLst>
+                                    <p:set>
+                                      <p:cBhvr>
+                                        <p:cTn id="38" dur="1" fill="hold">
+                                          <p:stCondLst>
+                                            <p:cond delay="0"/>
+                                          </p:stCondLst>
+                                        </p:cTn>
+                                        <p:tgtEl>
+                                          <p:spTgt spid="33"/>
+                                        </p:tgtEl>
+                                        <p:attrNameLst>
+                                          <p:attrName>style.visibility</p:attrName>
+                                        </p:attrNameLst>
+                                      </p:cBhvr>
+                                      <p:to>
+                                        <p:strVal val="visible"/>
+                                      </p:to>
+                                    </p:set>
+                                  </p:childTnLst>
+                                </p:cTn>
+                              </p:par>
+                            </p:childTnLst>
+                          </p:cTn>
+                        </p:par>
+                      </p:childTnLst>
+                    </p:cTn>
+                  </p:par>
+                  <p:par>
+                    <p:cTn id="39" fill="hold">
+                      <p:stCondLst>
+                        <p:cond delay="indefinite"/>
+                      </p:stCondLst>
+                      <p:childTnLst>
+                        <p:par>
+                          <p:cTn id="40" fill="hold">
+                            <p:stCondLst>
+                              <p:cond delay="0"/>
+                            </p:stCondLst>
+                            <p:childTnLst>
+                              <p:par>
+                                <p:cTn id="41" presetID="1" presetClass="entr" presetSubtype="0" fill="hold" nodeType="clickEffect">
+                                  <p:stCondLst>
+                                    <p:cond delay="0"/>
+                                  </p:stCondLst>
+                                  <p:childTnLst>
+                                    <p:set>
+                                      <p:cBhvr>
+                                        <p:cTn id="42" dur="1" fill="hold">
+                                          <p:stCondLst>
+                                            <p:cond delay="0"/>
+                                          </p:stCondLst>
+                                        </p:cTn>
+                                        <p:tgtEl>
+                                          <p:spTgt spid="38"/>
+                                        </p:tgtEl>
+                                        <p:attrNameLst>
+                                          <p:attrName>style.visibility</p:attrName>
+                                        </p:attrNameLst>
+                                      </p:cBhvr>
+                                      <p:to>
+                                        <p:strVal val="visible"/>
+                                      </p:to>
+                                    </p:set>
+                                  </p:childTnLst>
+                                </p:cTn>
+                              </p:par>
+                              <p:par>
+                                <p:cTn id="43" presetID="1" presetClass="exit" presetSubtype="0" fill="hold" nodeType="withEffect">
+                                  <p:stCondLst>
+                                    <p:cond delay="0"/>
+                                  </p:stCondLst>
+                                  <p:childTnLst>
+                                    <p:set>
+                                      <p:cBhvr>
+                                        <p:cTn id="44" dur="1" fill="hold">
+                                          <p:stCondLst>
+                                            <p:cond delay="0"/>
+                                          </p:stCondLst>
+                                        </p:cTn>
+                                        <p:tgtEl>
+                                          <p:spTgt spid="24"/>
+                                        </p:tgtEl>
+                                        <p:attrNameLst>
+                                          <p:attrName>style.visibility</p:attrName>
+                                        </p:attrNameLst>
+                                      </p:cBhvr>
+                                      <p:to>
+                                        <p:strVal val="hidden"/>
+                                      </p:to>
+                                    </p:set>
+                                  </p:childTnLst>
+                                </p:cTn>
+                              </p:par>
+                              <p:par>
+                                <p:cTn id="45" presetID="1" presetClass="exit" presetSubtype="0" fill="hold" nodeType="withEffect">
+                                  <p:stCondLst>
+                                    <p:cond delay="0"/>
+                                  </p:stCondLst>
+                                  <p:childTnLst>
+                                    <p:set>
+                                      <p:cBhvr>
+                                        <p:cTn id="46" dur="1" fill="hold">
+                                          <p:stCondLst>
+                                            <p:cond delay="0"/>
+                                          </p:stCondLst>
+                                        </p:cTn>
+                                        <p:tgtEl>
+                                          <p:spTgt spid="33"/>
+                                        </p:tgtEl>
+                                        <p:attrNameLst>
+                                          <p:attrName>style.visibility</p:attrName>
+                                        </p:attrNameLst>
+                                      </p:cBhvr>
+                                      <p:to>
+                                        <p:strVal val="hidden"/>
+                                      </p:to>
+                                    </p:set>
+                                  </p:childTnLst>
+                                </p:cTn>
+                              </p:par>
+                            </p:childTnLst>
+                          </p:cTn>
+                        </p:par>
+                      </p:childTnLst>
+                    </p:cTn>
+                  </p:par>
+                  <p:par>
+                    <p:cTn id="47" fill="hold">
+                      <p:stCondLst>
+                        <p:cond delay="indefinite"/>
+                      </p:stCondLst>
+                      <p:childTnLst>
+                        <p:par>
+                          <p:cTn id="48" fill="hold">
+                            <p:stCondLst>
+                              <p:cond delay="0"/>
+                            </p:stCondLst>
+                            <p:childTnLst>
+                              <p:par>
+                                <p:cTn id="49" presetID="1" presetClass="entr" presetSubtype="0" fill="hold" nodeType="clickEffect">
+                                  <p:stCondLst>
+                                    <p:cond delay="0"/>
+                                  </p:stCondLst>
+                                  <p:childTnLst>
+                                    <p:set>
+                                      <p:cBhvr>
+                                        <p:cTn id="50" dur="1" fill="hold">
+                                          <p:stCondLst>
+                                            <p:cond delay="0"/>
+                                          </p:stCondLst>
+                                        </p:cTn>
+                                        <p:tgtEl>
+                                          <p:spTgt spid="43"/>
+                                        </p:tgtEl>
+                                        <p:attrNameLst>
+                                          <p:attrName>style.visibility</p:attrName>
+                                        </p:attrNameLst>
+                                      </p:cBhvr>
+                                      <p:to>
+                                        <p:strVal val="visible"/>
+                                      </p:to>
+                                    </p:set>
+                                  </p:childTnLst>
+                                </p:cTn>
+                              </p:par>
+                              <p:par>
+                                <p:cTn id="51" presetID="1" presetClass="exit" presetSubtype="0" fill="hold" nodeType="withEffect">
+                                  <p:stCondLst>
+                                    <p:cond delay="0"/>
+                                  </p:stCondLst>
+                                  <p:childTnLst>
+                                    <p:set>
+                                      <p:cBhvr>
+                                        <p:cTn id="52" dur="1" fill="hold">
+                                          <p:stCondLst>
+                                            <p:cond delay="0"/>
+                                          </p:stCondLst>
+                                        </p:cTn>
+                                        <p:tgtEl>
+                                          <p:spTgt spid="38"/>
+                                        </p:tgtEl>
+                                        <p:attrNameLst>
+                                          <p:attrName>style.visibility</p:attrName>
+                                        </p:attrNameLst>
+                                      </p:cBhvr>
+                                      <p:to>
+                                        <p:strVal val="hidden"/>
+                                      </p:to>
+                                    </p:set>
+                                  </p:childTnLst>
+                                </p:cTn>
+                              </p:par>
+                            </p:childTnLst>
+                          </p:cTn>
+                        </p:par>
+                      </p:childTnLst>
+                    </p:cTn>
+                  </p:par>
+                  <p:par>
+                    <p:cTn id="53" fill="hold">
+                      <p:stCondLst>
+                        <p:cond delay="indefinite"/>
+                      </p:stCondLst>
+                      <p:childTnLst>
+                        <p:par>
+                          <p:cTn id="54" fill="hold">
+                            <p:stCondLst>
+                              <p:cond delay="0"/>
+                            </p:stCondLst>
+                            <p:childTnLst>
+                              <p:par>
+                                <p:cTn id="55" presetID="1" presetClass="entr" presetSubtype="0" fill="hold" nodeType="clickEffect">
+                                  <p:stCondLst>
+                                    <p:cond delay="0"/>
+                                  </p:stCondLst>
+                                  <p:childTnLst>
+                                    <p:set>
+                                      <p:cBhvr>
+                                        <p:cTn id="56" dur="1" fill="hold">
+                                          <p:stCondLst>
+                                            <p:cond delay="0"/>
+                                          </p:stCondLst>
+                                        </p:cTn>
+                                        <p:tgtEl>
+                                          <p:spTgt spid="44"/>
+                                        </p:tgtEl>
+                                        <p:attrNameLst>
+                                          <p:attrName>style.visibility</p:attrName>
+                                        </p:attrNameLst>
+                                      </p:cBhvr>
+                                      <p:to>
+                                        <p:strVal val="visible"/>
+                                      </p:to>
+                                    </p:set>
+                                  </p:childTnLst>
+                                </p:cTn>
+                              </p:par>
+                            </p:childTnLst>
+                          </p:cTn>
+                        </p:par>
+                      </p:childTnLst>
+                    </p:cTn>
+                  </p:par>
+                  <p:par>
+                    <p:cTn id="57" fill="hold">
+                      <p:stCondLst>
+                        <p:cond delay="indefinite"/>
+                      </p:stCondLst>
+                      <p:childTnLst>
+                        <p:par>
+                          <p:cTn id="58" fill="hold">
+                            <p:stCondLst>
+                              <p:cond delay="0"/>
+                            </p:stCondLst>
+                            <p:childTnLst>
+                              <p:par>
+                                <p:cTn id="59" presetID="1" presetClass="entr" presetSubtype="0" fill="hold" nodeType="clickEffect">
+                                  <p:stCondLst>
+                                    <p:cond delay="0"/>
+                                  </p:stCondLst>
+                                  <p:childTnLst>
+                                    <p:set>
+                                      <p:cBhvr>
+                                        <p:cTn id="60" dur="1" fill="hold">
+                                          <p:stCondLst>
+                                            <p:cond delay="0"/>
+                                          </p:stCondLst>
+                                        </p:cTn>
+                                        <p:tgtEl>
+                                          <p:spTgt spid="45"/>
+                                        </p:tgtEl>
+                                        <p:attrNameLst>
+                                          <p:attrName>style.visibility</p:attrName>
+                                        </p:attrNameLst>
+                                      </p:cBhvr>
+                                      <p:to>
+                                        <p:strVal val="visible"/>
+                                      </p:to>
+                                    </p:set>
+                                  </p:childTnLst>
+                                </p:cTn>
+                              </p:par>
+                            </p:childTnLst>
+                          </p:cTn>
+                        </p:par>
+                      </p:childTnLst>
+                    </p:cTn>
+                  </p:par>
+                </p:childTnLst>
+              </p:cTn>
+              <p:prevCondLst>
+                <p:cond evt="onPrev" delay="0">
+                  <p:tgtEl>
+                    <p:sldTgt/>
+                  </p:tgtEl>
+                </p:cond>
+              </p:prevCondLst>
+              <p:nextCondLst>
+                <p:cond evt="onNext" delay="0">
+                  <p:tgtEl>
+                    <p:sldTgt/>
+                  </p:tgtEl>
+                </p:cond>
+              </p:nextCondLst>
+            </p:seq>
+          </p:childTnLst>
+        </p:cTn>
+      </p:par>
+    </p:tnLst>
+    <p:bldLst>
+      <p:bldP spid="10" grpId="0"/>
+      <p:bldP spid="21" grpId="0"/>
+      <p:bldP spid="22" grpId="0"/>
+      <p:bldP spid="23" grpId="0"/>
+    </p:bldLst>
+  </p:timing>
+</p:sld>
+</file>
+
+<file path=ppt/slides/slide11.xml><?xml version="1.0" encoding="utf-8"?>
+<p:sld xmlns:a="http://schemas.openxmlformats.org/drawingml/2006/main" xmlns:r="http://schemas.openxmlformats.org/officeDocument/2006/relationships" xmlns:p="http://schemas.openxmlformats.org/presentationml/2006/main">
+  <p:cSld>
+    <p:spTree>
+      <p:nvGrpSpPr>
+        <p:cNvPr id="1" name=""/>
+        <p:cNvGrpSpPr/>
+        <p:nvPr/>
+      </p:nvGrpSpPr>
+      <p:grpSpPr>
+        <a:xfrm>
+          <a:off x="0" y="0"/>
+          <a:ext cx="0" cy="0"/>
+          <a:chOff x="0" y="0"/>
+          <a:chExt cx="0" cy="0"/>
+        </a:xfrm>
+      </p:grpSpPr>
+      <p:sp>
+        <p:nvSpPr>
+          <p:cNvPr id="5" name="Footer Placeholder 4">
+            <a:extLst>
+              <a:ext uri="{FF2B5EF4-FFF2-40B4-BE49-F238E27FC236}">
+                <a16:creationId xmlns:a16="http://schemas.microsoft.com/office/drawing/2014/main" id="{820343B7-3F29-514F-BEE3-C0FEBC05EA19}"/>
+              </a:ext>
+            </a:extLst>
+          </p:cNvPr>
+          <p:cNvSpPr>
+            <a:spLocks noGrp="1"/>
+          </p:cNvSpPr>
+          <p:nvPr>
+            <p:ph type="ftr" sz="quarter" idx="14"/>
+          </p:nvPr>
+        </p:nvSpPr>
+        <p:spPr/>
+        <p:txBody>
+          <a:bodyPr/>
+          <a:lstStyle/>
+          <a:p>
+            <a:endParaRPr lang="en-GB" dirty="0"/>
+          </a:p>
+        </p:txBody>
+      </p:sp>
+      <p:sp>
+        <p:nvSpPr>
+          <p:cNvPr id="6" name="Slide Number Placeholder 5">
+            <a:extLst>
+              <a:ext uri="{FF2B5EF4-FFF2-40B4-BE49-F238E27FC236}">
+                <a16:creationId xmlns:a16="http://schemas.microsoft.com/office/drawing/2014/main" id="{1FACD8A8-B173-E340-94D7-A428FD60AB60}"/>
+              </a:ext>
+            </a:extLst>
+          </p:cNvPr>
+          <p:cNvSpPr>
+            <a:spLocks noGrp="1"/>
+          </p:cNvSpPr>
+          <p:nvPr>
+            <p:ph type="sldNum" sz="quarter" idx="15"/>
+          </p:nvPr>
+        </p:nvSpPr>
+        <p:spPr/>
+        <p:txBody>
+          <a:bodyPr/>
+          <a:lstStyle/>
+          <a:p>
+            <a:r>
+              <a:rPr lang="en-GB"/>
+              <a:t>Page </a:t>
+            </a:r>
+            <a:fld id="{D0A7EFCE-C288-4C08-82BF-A166ED293115}" type="slidenum">
+              <a:rPr lang="en-GB" smtClean="0"/>
+              <a:pPr/>
+              <a:t>11</a:t>
+            </a:fld>
+            <a:endParaRPr lang="en-GB" dirty="0"/>
+          </a:p>
+        </p:txBody>
+      </p:sp>
+      <p:sp>
+        <p:nvSpPr>
+          <p:cNvPr id="8" name="Rectangle 7">
+            <a:extLst>
+              <a:ext uri="{FF2B5EF4-FFF2-40B4-BE49-F238E27FC236}">
+                <a16:creationId xmlns:a16="http://schemas.microsoft.com/office/drawing/2014/main" id="{F4765C0D-B420-074D-98D5-82FB82688C8C}"/>
+              </a:ext>
+            </a:extLst>
+          </p:cNvPr>
+          <p:cNvSpPr/>
+          <p:nvPr/>
+        </p:nvSpPr>
+        <p:spPr>
+          <a:xfrm>
+            <a:off x="509279" y="404664"/>
+            <a:ext cx="9941521" cy="3662541"/>
+          </a:xfrm>
+          <a:prstGeom prst="rect">
+            <a:avLst/>
+          </a:prstGeom>
+        </p:spPr>
+        <p:txBody>
+          <a:bodyPr wrap="square">
+            <a:spAutoFit/>
+          </a:bodyPr>
+          <a:lstStyle/>
+          <a:p>
+            <a:r>
+              <a:rPr lang="en-US" sz="3600" b="1" dirty="0">
+                <a:solidFill>
+                  <a:schemeClr val="accent1"/>
+                </a:solidFill>
+              </a:rPr>
+              <a:t>Agenda:</a:t>
+            </a:r>
+          </a:p>
+          <a:p>
+            <a:pPr marL="457200" indent="-457200">
+              <a:buFont typeface="+mj-lt"/>
+              <a:buAutoNum type="arabicPeriod"/>
+            </a:pPr>
+            <a:r>
+              <a:rPr lang="en-US" sz="2800" b="1" dirty="0">
+                <a:solidFill>
+                  <a:schemeClr val="accent1">
+                    <a:lumMod val="40000"/>
+                    <a:lumOff val="60000"/>
+                  </a:schemeClr>
+                </a:solidFill>
+              </a:rPr>
+              <a:t>Structure of Shiny apps</a:t>
+            </a:r>
+          </a:p>
+          <a:p>
+            <a:pPr marL="457200" indent="-457200">
+              <a:buFont typeface="+mj-lt"/>
+              <a:buAutoNum type="arabicPeriod"/>
+            </a:pPr>
+            <a:r>
+              <a:rPr lang="en-US" sz="2800" b="1" dirty="0">
+                <a:solidFill>
+                  <a:schemeClr val="accent1">
+                    <a:lumMod val="40000"/>
+                    <a:lumOff val="60000"/>
+                  </a:schemeClr>
+                </a:solidFill>
+              </a:rPr>
+              <a:t>Example 1: Basic app, UI elements management, Widgets  </a:t>
+            </a:r>
+          </a:p>
+          <a:p>
+            <a:pPr marL="457200" indent="-457200">
+              <a:buFont typeface="+mj-lt"/>
+              <a:buAutoNum type="arabicPeriod"/>
+            </a:pPr>
+            <a:r>
+              <a:rPr lang="en-US" sz="2800" b="1" dirty="0">
+                <a:solidFill>
+                  <a:schemeClr val="accent1">
+                    <a:lumMod val="40000"/>
+                    <a:lumOff val="60000"/>
+                  </a:schemeClr>
+                </a:solidFill>
+              </a:rPr>
+              <a:t>Hands-on experience</a:t>
+            </a:r>
+          </a:p>
+          <a:p>
+            <a:pPr marL="457200" indent="-457200">
+              <a:buFont typeface="+mj-lt"/>
+              <a:buAutoNum type="arabicPeriod"/>
+            </a:pPr>
+            <a:r>
+              <a:rPr lang="en-US" sz="2800" b="1" dirty="0">
+                <a:solidFill>
+                  <a:schemeClr val="accent1">
+                    <a:lumMod val="40000"/>
+                    <a:lumOff val="60000"/>
+                  </a:schemeClr>
+                </a:solidFill>
+              </a:rPr>
+              <a:t>Example 2: Server function</a:t>
+            </a:r>
+          </a:p>
+          <a:p>
+            <a:pPr marL="457200" indent="-457200">
+              <a:buFont typeface="+mj-lt"/>
+              <a:buAutoNum type="arabicPeriod"/>
+            </a:pPr>
+            <a:r>
+              <a:rPr lang="en-US" sz="2800" b="1" dirty="0">
+                <a:solidFill>
+                  <a:schemeClr val="accent1">
+                    <a:lumMod val="40000"/>
+                    <a:lumOff val="60000"/>
+                  </a:schemeClr>
+                </a:solidFill>
+              </a:rPr>
+              <a:t>Hands-on experience </a:t>
+            </a:r>
+          </a:p>
+          <a:p>
+            <a:pPr marL="457200" indent="-457200">
+              <a:buFont typeface="+mj-lt"/>
+              <a:buAutoNum type="arabicPeriod"/>
+            </a:pPr>
+            <a:r>
+              <a:rPr lang="en-US" sz="2800" b="1" dirty="0">
+                <a:solidFill>
+                  <a:schemeClr val="accent1">
+                    <a:lumMod val="40000"/>
+                    <a:lumOff val="60000"/>
+                  </a:schemeClr>
+                </a:solidFill>
+              </a:rPr>
+              <a:t>Example 3: Reactivity</a:t>
+            </a:r>
+          </a:p>
+          <a:p>
+            <a:pPr marL="457200" indent="-457200">
+              <a:buFont typeface="+mj-lt"/>
+              <a:buAutoNum type="arabicPeriod"/>
+            </a:pPr>
+            <a:r>
+              <a:rPr lang="en-US" sz="2800" b="1" dirty="0">
+                <a:solidFill>
+                  <a:schemeClr val="accent1"/>
+                </a:solidFill>
+              </a:rPr>
+              <a:t>Hands-on experience</a:t>
+            </a:r>
+          </a:p>
+        </p:txBody>
+      </p:sp>
+    </p:spTree>
+    <p:extLst>
+      <p:ext uri="{BB962C8B-B14F-4D97-AF65-F5344CB8AC3E}">
+        <p14:creationId xmlns:p14="http://schemas.microsoft.com/office/powerpoint/2010/main" val="3410926192"/>
+      </p:ext>
+    </p:extLst>
+  </p:cSld>
+  <p:clrMapOvr>
+    <a:masterClrMapping/>
+  </p:clrMapOvr>
+</p:sld>
+</file>
+
+<file path=ppt/slides/slide12.xml><?xml version="1.0" encoding="utf-8"?>
+<p:sld xmlns:a="http://schemas.openxmlformats.org/drawingml/2006/main" xmlns:r="http://schemas.openxmlformats.org/officeDocument/2006/relationships" xmlns:p="http://schemas.openxmlformats.org/presentationml/2006/main">
+  <p:cSld>
+    <p:spTree>
+      <p:nvGrpSpPr>
+        <p:cNvPr id="1" name=""/>
+        <p:cNvGrpSpPr/>
+        <p:nvPr/>
+      </p:nvGrpSpPr>
+      <p:grpSpPr>
+        <a:xfrm>
+          <a:off x="0" y="0"/>
+          <a:ext cx="0" cy="0"/>
+          <a:chOff x="0" y="0"/>
+          <a:chExt cx="0" cy="0"/>
+        </a:xfrm>
+      </p:grpSpPr>
+      <p:sp>
+        <p:nvSpPr>
+          <p:cNvPr id="19" name="Text Placeholder 18"/>
+          <p:cNvSpPr>
+            <a:spLocks noGrp="1"/>
+          </p:cNvSpPr>
+          <p:nvPr>
+            <p:ph type="body" sz="quarter" idx="14"/>
+          </p:nvPr>
+        </p:nvSpPr>
+        <p:spPr/>
+        <p:txBody>
+          <a:bodyPr/>
+          <a:lstStyle/>
+          <a:p>
+            <a:r>
+              <a:rPr lang="en-GB" dirty="0"/>
+              <a:t>For a more detailed overview of reactivity in Shiny, visit this website: </a:t>
+            </a:r>
+            <a:r>
+              <a:rPr lang="en-GB" dirty="0">
+                <a:hlinkClick r:id="rId3"/>
+              </a:rPr>
+              <a:t>https://shiny.rstudio.com/articles/reactivity-overview.html</a:t>
+            </a:r>
+            <a:r>
+              <a:rPr lang="en-GB" dirty="0"/>
+              <a:t> </a:t>
+            </a:r>
+          </a:p>
+        </p:txBody>
+      </p:sp>
+      <p:sp>
+        <p:nvSpPr>
+          <p:cNvPr id="18" name="Slide Number Placeholder 17"/>
+          <p:cNvSpPr>
+            <a:spLocks noGrp="1"/>
+          </p:cNvSpPr>
+          <p:nvPr>
+            <p:ph type="sldNum" sz="quarter" idx="16"/>
+          </p:nvPr>
+        </p:nvSpPr>
+        <p:spPr/>
+        <p:txBody>
+          <a:bodyPr/>
+          <a:lstStyle/>
+          <a:p>
+            <a:r>
+              <a:rPr lang="en-GB" dirty="0"/>
+              <a:t>Page </a:t>
+            </a:r>
+            <a:fld id="{D0A7EFCE-C288-4C08-82BF-A166ED293115}" type="slidenum">
+              <a:rPr lang="en-GB" smtClean="0"/>
+              <a:pPr/>
+              <a:t>12</a:t>
+            </a:fld>
+            <a:endParaRPr lang="en-GB" dirty="0"/>
+          </a:p>
+        </p:txBody>
+      </p:sp>
+      <p:sp>
+        <p:nvSpPr>
+          <p:cNvPr id="7" name="Title 6"/>
+          <p:cNvSpPr>
+            <a:spLocks noGrp="1"/>
+          </p:cNvSpPr>
+          <p:nvPr>
+            <p:ph type="title"/>
+          </p:nvPr>
+        </p:nvSpPr>
+        <p:spPr>
+          <a:xfrm>
+            <a:off x="474056" y="214421"/>
+            <a:ext cx="11268000" cy="396000"/>
+          </a:xfrm>
+        </p:spPr>
+        <p:txBody>
+          <a:bodyPr>
+            <a:noAutofit/>
+          </a:bodyPr>
+          <a:lstStyle/>
+          <a:p>
+            <a:r>
+              <a:rPr lang="en-GB" sz="3600" dirty="0"/>
+              <a:t>Reactivity</a:t>
+            </a:r>
+          </a:p>
+        </p:txBody>
+      </p:sp>
+      <p:sp>
+        <p:nvSpPr>
+          <p:cNvPr id="8" name="TextBox 7">
+            <a:extLst>
+              <a:ext uri="{FF2B5EF4-FFF2-40B4-BE49-F238E27FC236}">
+                <a16:creationId xmlns:a16="http://schemas.microsoft.com/office/drawing/2014/main" id="{0473A729-0C3E-B742-BCF9-08C3E68352EF}"/>
+              </a:ext>
+            </a:extLst>
+          </p:cNvPr>
+          <p:cNvSpPr txBox="1"/>
+          <p:nvPr/>
+        </p:nvSpPr>
+        <p:spPr>
+          <a:xfrm>
+            <a:off x="515380" y="908720"/>
+            <a:ext cx="10657184" cy="369332"/>
+          </a:xfrm>
+          <a:prstGeom prst="rect">
+            <a:avLst/>
+          </a:prstGeom>
+        </p:spPr>
+        <p:txBody>
+          <a:bodyPr wrap="square" lIns="0" tIns="0" rIns="0" bIns="0" rtlCol="0">
+            <a:spAutoFit/>
+          </a:bodyPr>
+          <a:lstStyle/>
+          <a:p>
+            <a:r>
+              <a:rPr lang="en-US" sz="2400" dirty="0">
+                <a:solidFill>
+                  <a:srgbClr val="404040"/>
+                </a:solidFill>
+              </a:rPr>
+              <a:t>Exercise 1: Use the action button</a:t>
+            </a:r>
+          </a:p>
+        </p:txBody>
+      </p:sp>
+      <p:pic>
+        <p:nvPicPr>
+          <p:cNvPr id="6" name="Picture 5">
+            <a:extLst>
+              <a:ext uri="{FF2B5EF4-FFF2-40B4-BE49-F238E27FC236}">
+                <a16:creationId xmlns:a16="http://schemas.microsoft.com/office/drawing/2014/main" id="{35F601BE-EB28-2645-A58C-1704C49FCA17}"/>
+              </a:ext>
+            </a:extLst>
+          </p:cNvPr>
+          <p:cNvPicPr>
+            <a:picLocks noChangeAspect="1"/>
+          </p:cNvPicPr>
+          <p:nvPr/>
+        </p:nvPicPr>
+        <p:blipFill>
+          <a:blip r:embed="rId4"/>
+          <a:stretch>
+            <a:fillRect/>
+          </a:stretch>
+        </p:blipFill>
+        <p:spPr>
+          <a:xfrm>
+            <a:off x="4291384" y="1948532"/>
+            <a:ext cx="7061200" cy="3568700"/>
+          </a:xfrm>
+          <a:prstGeom prst="rect">
+            <a:avLst/>
+          </a:prstGeom>
+          <a:ln>
+            <a:solidFill>
+              <a:schemeClr val="tx1"/>
+            </a:solidFill>
+          </a:ln>
+        </p:spPr>
+      </p:pic>
+      <p:sp>
+        <p:nvSpPr>
+          <p:cNvPr id="2" name="Oval 1">
+            <a:extLst>
+              <a:ext uri="{FF2B5EF4-FFF2-40B4-BE49-F238E27FC236}">
+                <a16:creationId xmlns:a16="http://schemas.microsoft.com/office/drawing/2014/main" id="{504149AB-A2BE-0744-9D95-B31A58B50222}"/>
+              </a:ext>
+            </a:extLst>
+          </p:cNvPr>
+          <p:cNvSpPr/>
+          <p:nvPr/>
+        </p:nvSpPr>
+        <p:spPr>
+          <a:xfrm>
+            <a:off x="4114676" y="3714328"/>
+            <a:ext cx="1008112" cy="720080"/>
+          </a:xfrm>
+          <a:prstGeom prst="ellipse">
+            <a:avLst/>
+          </a:prstGeom>
+          <a:noFill/>
+          <a:ln w="38100">
+            <a:solidFill>
+              <a:schemeClr val="accent3"/>
+            </a:solidFill>
+          </a:ln>
+        </p:spPr>
+        <p:style>
+          <a:lnRef idx="2">
+            <a:schemeClr val="accent1">
+              <a:shade val="50000"/>
+            </a:schemeClr>
+          </a:lnRef>
+          <a:fillRef idx="1">
+            <a:schemeClr val="accent1"/>
+          </a:fillRef>
+          <a:effectRef idx="0">
+            <a:schemeClr val="accent1"/>
+          </a:effectRef>
+          <a:fontRef idx="minor">
+            <a:schemeClr val="lt1"/>
+          </a:fontRef>
+        </p:style>
+        <p:txBody>
+          <a:bodyPr rtlCol="0" anchor="ctr"/>
+          <a:lstStyle/>
+          <a:p>
+            <a:pPr algn="ctr"/>
+            <a:endParaRPr lang="en-US"/>
+          </a:p>
+        </p:txBody>
+      </p:sp>
+      <p:sp>
+        <p:nvSpPr>
+          <p:cNvPr id="3" name="Cloud Callout 2">
+            <a:extLst>
+              <a:ext uri="{FF2B5EF4-FFF2-40B4-BE49-F238E27FC236}">
+                <a16:creationId xmlns:a16="http://schemas.microsoft.com/office/drawing/2014/main" id="{855E8403-5E5C-B54A-885D-92059E59568B}"/>
+              </a:ext>
+            </a:extLst>
+          </p:cNvPr>
+          <p:cNvSpPr/>
+          <p:nvPr/>
+        </p:nvSpPr>
+        <p:spPr>
+          <a:xfrm>
+            <a:off x="538176" y="1772816"/>
+            <a:ext cx="3240360" cy="1775380"/>
+          </a:xfrm>
+          <a:prstGeom prst="cloudCallout">
+            <a:avLst>
+              <a:gd name="adj1" fmla="val 52262"/>
+              <a:gd name="adj2" fmla="val 70726"/>
+            </a:avLst>
+          </a:prstGeom>
+          <a:noFill/>
+          <a:ln w="9525" cap="flat" cmpd="sng" algn="ctr">
+            <a:solidFill>
+              <a:schemeClr val="accent3"/>
+            </a:solidFill>
+            <a:prstDash val="solid"/>
+            <a:round/>
+            <a:headEnd type="none" w="med" len="med"/>
+            <a:tailEnd type="none" w="med" len="med"/>
+          </a:ln>
+        </p:spPr>
+        <p:style>
+          <a:lnRef idx="0">
+            <a:scrgbClr r="0" g="0" b="0"/>
+          </a:lnRef>
+          <a:fillRef idx="0">
+            <a:scrgbClr r="0" g="0" b="0"/>
+          </a:fillRef>
+          <a:effectRef idx="0">
+            <a:scrgbClr r="0" g="0" b="0"/>
+          </a:effectRef>
+          <a:fontRef idx="minor">
+            <a:schemeClr val="accent3"/>
+          </a:fontRef>
+        </p:style>
+        <p:txBody>
+          <a:bodyPr rtlCol="0" anchor="ctr"/>
+          <a:lstStyle/>
+          <a:p>
+            <a:pPr algn="ctr"/>
+            <a:r>
+              <a:rPr lang="en-US" dirty="0"/>
+              <a:t>Change outputs (text and graph) only when button is clicked</a:t>
+            </a:r>
+          </a:p>
+        </p:txBody>
+      </p:sp>
+    </p:spTree>
+    <p:extLst>
+      <p:ext uri="{BB962C8B-B14F-4D97-AF65-F5344CB8AC3E}">
+        <p14:creationId xmlns:p14="http://schemas.microsoft.com/office/powerpoint/2010/main" val="3951181406"/>
+      </p:ext>
+    </p:extLst>
+  </p:cSld>
+  <p:clrMapOvr>
+    <a:masterClrMapping/>
+  </p:clrMapOvr>
+</p:sld>
+</file>
+
+<file path=ppt/slides/slide13.xml><?xml version="1.0" encoding="utf-8"?>
+<p:sld xmlns:a="http://schemas.openxmlformats.org/drawingml/2006/main" xmlns:r="http://schemas.openxmlformats.org/officeDocument/2006/relationships" xmlns:p="http://schemas.openxmlformats.org/presentationml/2006/main">
+  <p:cSld>
+    <p:spTree>
+      <p:nvGrpSpPr>
+        <p:cNvPr id="1" name=""/>
+        <p:cNvGrpSpPr/>
+        <p:nvPr/>
+      </p:nvGrpSpPr>
+      <p:grpSpPr>
+        <a:xfrm>
+          <a:off x="0" y="0"/>
+          <a:ext cx="0" cy="0"/>
+          <a:chOff x="0" y="0"/>
+          <a:chExt cx="0" cy="0"/>
+        </a:xfrm>
+      </p:grpSpPr>
+      <p:sp>
+        <p:nvSpPr>
+          <p:cNvPr id="19" name="Text Placeholder 18"/>
+          <p:cNvSpPr>
+            <a:spLocks noGrp="1"/>
+          </p:cNvSpPr>
+          <p:nvPr>
+            <p:ph type="body" sz="quarter" idx="14"/>
+          </p:nvPr>
+        </p:nvSpPr>
+        <p:spPr/>
+        <p:txBody>
+          <a:bodyPr/>
+          <a:lstStyle/>
+          <a:p>
+            <a:r>
+              <a:rPr lang="en-GB" dirty="0"/>
+              <a:t>For a more detailed overview of reactivity in Shiny, visit this website: </a:t>
+            </a:r>
+            <a:r>
+              <a:rPr lang="en-GB" dirty="0">
+                <a:hlinkClick r:id="rId3"/>
+              </a:rPr>
+              <a:t>https://shiny.rstudio.com/articles/reactivity-overview.html</a:t>
+            </a:r>
+            <a:r>
+              <a:rPr lang="en-GB" dirty="0"/>
+              <a:t> </a:t>
+            </a:r>
+          </a:p>
+        </p:txBody>
+      </p:sp>
+      <p:sp>
+        <p:nvSpPr>
+          <p:cNvPr id="18" name="Slide Number Placeholder 17"/>
+          <p:cNvSpPr>
+            <a:spLocks noGrp="1"/>
+          </p:cNvSpPr>
+          <p:nvPr>
+            <p:ph type="sldNum" sz="quarter" idx="16"/>
+          </p:nvPr>
+        </p:nvSpPr>
+        <p:spPr/>
+        <p:txBody>
+          <a:bodyPr/>
+          <a:lstStyle/>
+          <a:p>
+            <a:r>
+              <a:rPr lang="en-GB" dirty="0"/>
+              <a:t>Page </a:t>
+            </a:r>
+            <a:fld id="{D0A7EFCE-C288-4C08-82BF-A166ED293115}" type="slidenum">
+              <a:rPr lang="en-GB" smtClean="0"/>
+              <a:pPr/>
+              <a:t>13</a:t>
+            </a:fld>
+            <a:endParaRPr lang="en-GB" dirty="0"/>
+          </a:p>
+        </p:txBody>
+      </p:sp>
+      <p:sp>
+        <p:nvSpPr>
+          <p:cNvPr id="7" name="Title 6"/>
+          <p:cNvSpPr>
+            <a:spLocks noGrp="1"/>
+          </p:cNvSpPr>
+          <p:nvPr>
+            <p:ph type="title"/>
+          </p:nvPr>
+        </p:nvSpPr>
+        <p:spPr>
+          <a:xfrm>
+            <a:off x="474056" y="214421"/>
+            <a:ext cx="11268000" cy="396000"/>
+          </a:xfrm>
+        </p:spPr>
+        <p:txBody>
+          <a:bodyPr>
+            <a:noAutofit/>
+          </a:bodyPr>
+          <a:lstStyle/>
+          <a:p>
+            <a:r>
+              <a:rPr lang="en-GB" sz="3600" dirty="0"/>
+              <a:t>Reactivity</a:t>
+            </a:r>
+          </a:p>
+        </p:txBody>
+      </p:sp>
+      <p:sp>
+        <p:nvSpPr>
+          <p:cNvPr id="8" name="TextBox 7">
+            <a:extLst>
+              <a:ext uri="{FF2B5EF4-FFF2-40B4-BE49-F238E27FC236}">
+                <a16:creationId xmlns:a16="http://schemas.microsoft.com/office/drawing/2014/main" id="{0473A729-0C3E-B742-BCF9-08C3E68352EF}"/>
+              </a:ext>
+            </a:extLst>
+          </p:cNvPr>
+          <p:cNvSpPr txBox="1"/>
+          <p:nvPr/>
+        </p:nvSpPr>
+        <p:spPr>
+          <a:xfrm>
+            <a:off x="515380" y="908720"/>
+            <a:ext cx="10657184" cy="369332"/>
+          </a:xfrm>
+          <a:prstGeom prst="rect">
+            <a:avLst/>
+          </a:prstGeom>
+        </p:spPr>
+        <p:txBody>
+          <a:bodyPr wrap="square" lIns="0" tIns="0" rIns="0" bIns="0" rtlCol="0">
+            <a:spAutoFit/>
+          </a:bodyPr>
+          <a:lstStyle/>
+          <a:p>
+            <a:r>
+              <a:rPr lang="en-US" sz="2400" dirty="0">
+                <a:solidFill>
+                  <a:srgbClr val="404040"/>
+                </a:solidFill>
+              </a:rPr>
+              <a:t>Exercise 2: Create a third input field</a:t>
+            </a:r>
+          </a:p>
+        </p:txBody>
+      </p:sp>
+      <p:pic>
+        <p:nvPicPr>
+          <p:cNvPr id="6" name="Picture 5">
+            <a:extLst>
+              <a:ext uri="{FF2B5EF4-FFF2-40B4-BE49-F238E27FC236}">
+                <a16:creationId xmlns:a16="http://schemas.microsoft.com/office/drawing/2014/main" id="{4E4A43BE-E9AA-EA4B-B65F-DD393C28D2F0}"/>
+              </a:ext>
+            </a:extLst>
+          </p:cNvPr>
+          <p:cNvPicPr>
+            <a:picLocks noChangeAspect="1"/>
+          </p:cNvPicPr>
+          <p:nvPr/>
+        </p:nvPicPr>
+        <p:blipFill>
+          <a:blip r:embed="rId4"/>
+          <a:stretch>
+            <a:fillRect/>
+          </a:stretch>
+        </p:blipFill>
+        <p:spPr>
+          <a:xfrm>
+            <a:off x="4291384" y="1948532"/>
+            <a:ext cx="7061200" cy="3568700"/>
+          </a:xfrm>
+          <a:prstGeom prst="rect">
+            <a:avLst/>
+          </a:prstGeom>
+          <a:ln>
+            <a:solidFill>
+              <a:schemeClr val="tx1"/>
+            </a:solidFill>
+          </a:ln>
+        </p:spPr>
+      </p:pic>
+      <p:sp>
+        <p:nvSpPr>
+          <p:cNvPr id="9" name="Oval 8">
+            <a:extLst>
+              <a:ext uri="{FF2B5EF4-FFF2-40B4-BE49-F238E27FC236}">
+                <a16:creationId xmlns:a16="http://schemas.microsoft.com/office/drawing/2014/main" id="{7E4072AB-9BA1-034E-9745-51D29E7A2824}"/>
+              </a:ext>
+            </a:extLst>
+          </p:cNvPr>
+          <p:cNvSpPr/>
+          <p:nvPr/>
+        </p:nvSpPr>
+        <p:spPr>
+          <a:xfrm>
+            <a:off x="6744072" y="2348880"/>
+            <a:ext cx="792088" cy="360040"/>
+          </a:xfrm>
+          <a:prstGeom prst="ellipse">
+            <a:avLst/>
+          </a:prstGeom>
+          <a:noFill/>
+          <a:ln w="38100">
+            <a:solidFill>
+              <a:schemeClr val="accent3"/>
+            </a:solidFill>
+          </a:ln>
+        </p:spPr>
+        <p:style>
+          <a:lnRef idx="2">
+            <a:schemeClr val="accent1">
+              <a:shade val="50000"/>
+            </a:schemeClr>
+          </a:lnRef>
+          <a:fillRef idx="1">
+            <a:schemeClr val="accent1"/>
+          </a:fillRef>
+          <a:effectRef idx="0">
+            <a:schemeClr val="accent1"/>
+          </a:effectRef>
+          <a:fontRef idx="minor">
+            <a:schemeClr val="lt1"/>
+          </a:fontRef>
+        </p:style>
+        <p:txBody>
+          <a:bodyPr rtlCol="0" anchor="ctr"/>
+          <a:lstStyle/>
+          <a:p>
+            <a:pPr algn="ctr"/>
+            <a:endParaRPr lang="en-US"/>
+          </a:p>
+        </p:txBody>
+      </p:sp>
+      <p:sp>
+        <p:nvSpPr>
+          <p:cNvPr id="10" name="Oval 9">
+            <a:extLst>
+              <a:ext uri="{FF2B5EF4-FFF2-40B4-BE49-F238E27FC236}">
+                <a16:creationId xmlns:a16="http://schemas.microsoft.com/office/drawing/2014/main" id="{C6223AE8-DD29-9B4B-B00A-CA44800C747A}"/>
+              </a:ext>
+            </a:extLst>
+          </p:cNvPr>
+          <p:cNvSpPr/>
+          <p:nvPr/>
+        </p:nvSpPr>
+        <p:spPr>
+          <a:xfrm>
+            <a:off x="10200456" y="2996952"/>
+            <a:ext cx="972108" cy="2520280"/>
+          </a:xfrm>
+          <a:prstGeom prst="ellipse">
+            <a:avLst/>
+          </a:prstGeom>
+          <a:noFill/>
+          <a:ln w="38100">
+            <a:solidFill>
+              <a:schemeClr val="accent3"/>
+            </a:solidFill>
+          </a:ln>
+        </p:spPr>
+        <p:style>
+          <a:lnRef idx="2">
+            <a:schemeClr val="accent1">
+              <a:shade val="50000"/>
+            </a:schemeClr>
+          </a:lnRef>
+          <a:fillRef idx="1">
+            <a:schemeClr val="accent1"/>
+          </a:fillRef>
+          <a:effectRef idx="0">
+            <a:schemeClr val="accent1"/>
+          </a:effectRef>
+          <a:fontRef idx="minor">
+            <a:schemeClr val="lt1"/>
+          </a:fontRef>
+        </p:style>
+        <p:txBody>
+          <a:bodyPr rtlCol="0" anchor="ctr"/>
+          <a:lstStyle/>
+          <a:p>
+            <a:pPr algn="ctr"/>
+            <a:endParaRPr lang="en-US"/>
+          </a:p>
+        </p:txBody>
+      </p:sp>
+      <p:sp>
+        <p:nvSpPr>
+          <p:cNvPr id="11" name="Cloud Callout 10">
+            <a:extLst>
+              <a:ext uri="{FF2B5EF4-FFF2-40B4-BE49-F238E27FC236}">
+                <a16:creationId xmlns:a16="http://schemas.microsoft.com/office/drawing/2014/main" id="{1CCF1A6F-5561-C640-82A3-9E9776A68AF9}"/>
+              </a:ext>
+            </a:extLst>
+          </p:cNvPr>
+          <p:cNvSpPr/>
+          <p:nvPr/>
+        </p:nvSpPr>
+        <p:spPr>
+          <a:xfrm>
+            <a:off x="538176" y="1772816"/>
+            <a:ext cx="3240360" cy="1775380"/>
+          </a:xfrm>
+          <a:prstGeom prst="cloudCallout">
+            <a:avLst>
+              <a:gd name="adj1" fmla="val 52262"/>
+              <a:gd name="adj2" fmla="val 70726"/>
+            </a:avLst>
+          </a:prstGeom>
+          <a:noFill/>
+          <a:ln w="9525" cap="flat" cmpd="sng" algn="ctr">
+            <a:solidFill>
+              <a:schemeClr val="accent3"/>
+            </a:solidFill>
+            <a:prstDash val="solid"/>
+            <a:round/>
+            <a:headEnd type="none" w="med" len="med"/>
+            <a:tailEnd type="none" w="med" len="med"/>
+          </a:ln>
+        </p:spPr>
+        <p:style>
+          <a:lnRef idx="0">
+            <a:scrgbClr r="0" g="0" b="0"/>
+          </a:lnRef>
+          <a:fillRef idx="0">
+            <a:scrgbClr r="0" g="0" b="0"/>
+          </a:fillRef>
+          <a:effectRef idx="0">
+            <a:scrgbClr r="0" g="0" b="0"/>
+          </a:effectRef>
+          <a:fontRef idx="minor">
+            <a:schemeClr val="accent3"/>
+          </a:fontRef>
+        </p:style>
+        <p:txBody>
+          <a:bodyPr rtlCol="0" anchor="ctr"/>
+          <a:lstStyle/>
+          <a:p>
+            <a:pPr algn="ctr"/>
+            <a:r>
+              <a:rPr lang="en-US" dirty="0"/>
+              <a:t>Create an input field in which you can set the year you want to focus on</a:t>
+            </a:r>
+          </a:p>
+        </p:txBody>
+      </p:sp>
+    </p:spTree>
+    <p:extLst>
+      <p:ext uri="{BB962C8B-B14F-4D97-AF65-F5344CB8AC3E}">
+        <p14:creationId xmlns:p14="http://schemas.microsoft.com/office/powerpoint/2010/main" val="2500965179"/>
+      </p:ext>
+    </p:extLst>
+  </p:cSld>
+  <p:clrMapOvr>
+    <a:masterClrMapping/>
+  </p:clrMapOvr>
+</p:sld>
+</file>
+
+<file path=ppt/slides/slide14.xml><?xml version="1.0" encoding="utf-8"?>
+<p:sld xmlns:a="http://schemas.openxmlformats.org/drawingml/2006/main" xmlns:r="http://schemas.openxmlformats.org/officeDocument/2006/relationships" xmlns:p="http://schemas.openxmlformats.org/presentationml/2006/main">
+  <p:cSld>
+    <p:spTree>
+      <p:nvGrpSpPr>
+        <p:cNvPr id="1" name=""/>
+        <p:cNvGrpSpPr/>
+        <p:nvPr/>
+      </p:nvGrpSpPr>
+      <p:grpSpPr>
+        <a:xfrm>
+          <a:off x="0" y="0"/>
+          <a:ext cx="0" cy="0"/>
+          <a:chOff x="0" y="0"/>
+          <a:chExt cx="0" cy="0"/>
+        </a:xfrm>
+      </p:grpSpPr>
+      <p:sp>
+        <p:nvSpPr>
+          <p:cNvPr id="19" name="Text Placeholder 18"/>
+          <p:cNvSpPr>
+            <a:spLocks noGrp="1"/>
+          </p:cNvSpPr>
+          <p:nvPr>
+            <p:ph type="body" sz="quarter" idx="14"/>
+          </p:nvPr>
+        </p:nvSpPr>
+        <p:spPr/>
+        <p:txBody>
+          <a:bodyPr/>
+          <a:lstStyle/>
+          <a:p>
+            <a:r>
+              <a:rPr lang="en-GB" dirty="0"/>
+              <a:t>For a more detailed overview of reactivity in Shiny, visit this website: </a:t>
+            </a:r>
+            <a:r>
+              <a:rPr lang="en-GB" dirty="0">
+                <a:hlinkClick r:id="rId3"/>
+              </a:rPr>
+              <a:t>https://shiny.rstudio.com/articles/reactivity-overview.html</a:t>
+            </a:r>
+            <a:r>
+              <a:rPr lang="en-GB" dirty="0"/>
+              <a:t> </a:t>
+            </a:r>
+          </a:p>
+        </p:txBody>
+      </p:sp>
+      <p:sp>
+        <p:nvSpPr>
+          <p:cNvPr id="18" name="Slide Number Placeholder 17"/>
+          <p:cNvSpPr>
+            <a:spLocks noGrp="1"/>
+          </p:cNvSpPr>
+          <p:nvPr>
+            <p:ph type="sldNum" sz="quarter" idx="16"/>
+          </p:nvPr>
+        </p:nvSpPr>
+        <p:spPr/>
+        <p:txBody>
+          <a:bodyPr/>
+          <a:lstStyle/>
+          <a:p>
+            <a:r>
+              <a:rPr lang="en-GB" dirty="0"/>
+              <a:t>Page </a:t>
+            </a:r>
+            <a:fld id="{D0A7EFCE-C288-4C08-82BF-A166ED293115}" type="slidenum">
+              <a:rPr lang="en-GB" smtClean="0"/>
+              <a:pPr/>
+              <a:t>14</a:t>
+            </a:fld>
+            <a:endParaRPr lang="en-GB" dirty="0"/>
+          </a:p>
+        </p:txBody>
+      </p:sp>
+      <p:sp>
+        <p:nvSpPr>
+          <p:cNvPr id="7" name="Title 6"/>
+          <p:cNvSpPr>
+            <a:spLocks noGrp="1"/>
+          </p:cNvSpPr>
+          <p:nvPr>
+            <p:ph type="title"/>
+          </p:nvPr>
+        </p:nvSpPr>
+        <p:spPr>
+          <a:xfrm>
+            <a:off x="474056" y="214421"/>
+            <a:ext cx="11268000" cy="396000"/>
+          </a:xfrm>
+        </p:spPr>
+        <p:txBody>
+          <a:bodyPr>
+            <a:noAutofit/>
+          </a:bodyPr>
+          <a:lstStyle/>
+          <a:p>
+            <a:r>
+              <a:rPr lang="en-GB" sz="3600" dirty="0"/>
+              <a:t>Reactivity</a:t>
+            </a:r>
+          </a:p>
+        </p:txBody>
+      </p:sp>
+      <p:sp>
+        <p:nvSpPr>
+          <p:cNvPr id="8" name="TextBox 7">
+            <a:extLst>
+              <a:ext uri="{FF2B5EF4-FFF2-40B4-BE49-F238E27FC236}">
+                <a16:creationId xmlns:a16="http://schemas.microsoft.com/office/drawing/2014/main" id="{0473A729-0C3E-B742-BCF9-08C3E68352EF}"/>
+              </a:ext>
+            </a:extLst>
+          </p:cNvPr>
+          <p:cNvSpPr txBox="1"/>
+          <p:nvPr/>
+        </p:nvSpPr>
+        <p:spPr>
+          <a:xfrm>
+            <a:off x="515380" y="908720"/>
+            <a:ext cx="10657184" cy="369332"/>
+          </a:xfrm>
+          <a:prstGeom prst="rect">
+            <a:avLst/>
+          </a:prstGeom>
+        </p:spPr>
+        <p:txBody>
+          <a:bodyPr wrap="square" lIns="0" tIns="0" rIns="0" bIns="0" rtlCol="0">
+            <a:spAutoFit/>
+          </a:bodyPr>
+          <a:lstStyle/>
+          <a:p>
+            <a:r>
+              <a:rPr lang="en-US" sz="2400" dirty="0">
+                <a:solidFill>
+                  <a:srgbClr val="404040"/>
+                </a:solidFill>
+              </a:rPr>
+              <a:t>Exercise 1 - solved: Use the action button</a:t>
+            </a:r>
+          </a:p>
+        </p:txBody>
+      </p:sp>
+      <p:pic>
+        <p:nvPicPr>
+          <p:cNvPr id="4" name="Picture 3">
+            <a:extLst>
+              <a:ext uri="{FF2B5EF4-FFF2-40B4-BE49-F238E27FC236}">
+                <a16:creationId xmlns:a16="http://schemas.microsoft.com/office/drawing/2014/main" id="{48C814A7-44B9-D24B-87CE-8C2E86343330}"/>
+              </a:ext>
+            </a:extLst>
+          </p:cNvPr>
+          <p:cNvPicPr>
+            <a:picLocks noChangeAspect="1"/>
+          </p:cNvPicPr>
+          <p:nvPr/>
+        </p:nvPicPr>
+        <p:blipFill>
+          <a:blip r:embed="rId4"/>
+          <a:stretch>
+            <a:fillRect/>
+          </a:stretch>
+        </p:blipFill>
+        <p:spPr>
+          <a:xfrm>
+            <a:off x="3359696" y="1484784"/>
+            <a:ext cx="5156200" cy="4432300"/>
+          </a:xfrm>
+          <a:prstGeom prst="rect">
+            <a:avLst/>
+          </a:prstGeom>
+          <a:ln>
+            <a:solidFill>
+              <a:schemeClr val="tx1"/>
+            </a:solidFill>
+          </a:ln>
+        </p:spPr>
+      </p:pic>
+      <p:sp>
+        <p:nvSpPr>
+          <p:cNvPr id="5" name="Rectangle 4">
+            <a:extLst>
+              <a:ext uri="{FF2B5EF4-FFF2-40B4-BE49-F238E27FC236}">
+                <a16:creationId xmlns:a16="http://schemas.microsoft.com/office/drawing/2014/main" id="{8175ABAF-289F-0047-8AAB-A13E0711FD42}"/>
+              </a:ext>
+            </a:extLst>
+          </p:cNvPr>
+          <p:cNvSpPr/>
+          <p:nvPr/>
+        </p:nvSpPr>
+        <p:spPr>
+          <a:xfrm>
+            <a:off x="3647728" y="2420888"/>
+            <a:ext cx="2376264" cy="288032"/>
+          </a:xfrm>
+          <a:prstGeom prst="rect">
+            <a:avLst/>
+          </a:prstGeom>
+          <a:noFill/>
+          <a:ln>
+            <a:solidFill>
+              <a:schemeClr val="accent3"/>
+            </a:solidFill>
+          </a:ln>
+        </p:spPr>
+        <p:style>
+          <a:lnRef idx="2">
+            <a:schemeClr val="accent1">
+              <a:shade val="50000"/>
+            </a:schemeClr>
+          </a:lnRef>
+          <a:fillRef idx="1">
+            <a:schemeClr val="accent1"/>
+          </a:fillRef>
+          <a:effectRef idx="0">
+            <a:schemeClr val="accent1"/>
+          </a:effectRef>
+          <a:fontRef idx="minor">
+            <a:schemeClr val="lt1"/>
+          </a:fontRef>
+        </p:style>
+        <p:txBody>
+          <a:bodyPr rtlCol="0" anchor="ctr"/>
+          <a:lstStyle/>
+          <a:p>
+            <a:pPr algn="ctr"/>
+            <a:endParaRPr lang="en-US"/>
+          </a:p>
+        </p:txBody>
+      </p:sp>
+      <p:sp>
+        <p:nvSpPr>
+          <p:cNvPr id="11" name="Rectangle 10">
+            <a:extLst>
+              <a:ext uri="{FF2B5EF4-FFF2-40B4-BE49-F238E27FC236}">
+                <a16:creationId xmlns:a16="http://schemas.microsoft.com/office/drawing/2014/main" id="{6DD3DF82-7439-9D4F-9556-10F566CCA07A}"/>
+              </a:ext>
+            </a:extLst>
+          </p:cNvPr>
+          <p:cNvSpPr/>
+          <p:nvPr/>
+        </p:nvSpPr>
+        <p:spPr>
+          <a:xfrm>
+            <a:off x="4295248" y="2938879"/>
+            <a:ext cx="1224688" cy="202089"/>
+          </a:xfrm>
+          <a:prstGeom prst="rect">
+            <a:avLst/>
+          </a:prstGeom>
+          <a:noFill/>
+          <a:ln>
+            <a:solidFill>
+              <a:schemeClr val="accent3"/>
+            </a:solidFill>
+          </a:ln>
+        </p:spPr>
+        <p:style>
+          <a:lnRef idx="2">
+            <a:schemeClr val="accent1">
+              <a:shade val="50000"/>
+            </a:schemeClr>
+          </a:lnRef>
+          <a:fillRef idx="1">
+            <a:schemeClr val="accent1"/>
+          </a:fillRef>
+          <a:effectRef idx="0">
+            <a:schemeClr val="accent1"/>
+          </a:effectRef>
+          <a:fontRef idx="minor">
+            <a:schemeClr val="lt1"/>
+          </a:fontRef>
+        </p:style>
+        <p:txBody>
+          <a:bodyPr rtlCol="0" anchor="ctr"/>
+          <a:lstStyle/>
+          <a:p>
+            <a:pPr algn="ctr"/>
+            <a:endParaRPr lang="en-US"/>
+          </a:p>
+        </p:txBody>
+      </p:sp>
+      <p:sp>
+        <p:nvSpPr>
+          <p:cNvPr id="12" name="Rectangle 11">
+            <a:extLst>
+              <a:ext uri="{FF2B5EF4-FFF2-40B4-BE49-F238E27FC236}">
+                <a16:creationId xmlns:a16="http://schemas.microsoft.com/office/drawing/2014/main" id="{F2DE398B-DAA1-504D-863E-D798B1CF1699}"/>
+              </a:ext>
+            </a:extLst>
+          </p:cNvPr>
+          <p:cNvSpPr/>
+          <p:nvPr/>
+        </p:nvSpPr>
+        <p:spPr>
+          <a:xfrm>
+            <a:off x="3632622" y="3952962"/>
+            <a:ext cx="2823418" cy="340134"/>
+          </a:xfrm>
+          <a:prstGeom prst="rect">
+            <a:avLst/>
+          </a:prstGeom>
+          <a:noFill/>
+          <a:ln>
+            <a:solidFill>
+              <a:schemeClr val="accent3"/>
+            </a:solidFill>
+          </a:ln>
+        </p:spPr>
+        <p:style>
+          <a:lnRef idx="2">
+            <a:schemeClr val="accent1">
+              <a:shade val="50000"/>
+            </a:schemeClr>
+          </a:lnRef>
+          <a:fillRef idx="1">
+            <a:schemeClr val="accent1"/>
+          </a:fillRef>
+          <a:effectRef idx="0">
+            <a:schemeClr val="accent1"/>
+          </a:effectRef>
+          <a:fontRef idx="minor">
+            <a:schemeClr val="lt1"/>
+          </a:fontRef>
+        </p:style>
+        <p:txBody>
+          <a:bodyPr rtlCol="0" anchor="ctr"/>
+          <a:lstStyle/>
+          <a:p>
+            <a:pPr algn="ctr"/>
+            <a:endParaRPr lang="en-US"/>
+          </a:p>
+        </p:txBody>
+      </p:sp>
+      <p:sp>
+        <p:nvSpPr>
+          <p:cNvPr id="9" name="TextBox 8">
+            <a:extLst>
+              <a:ext uri="{FF2B5EF4-FFF2-40B4-BE49-F238E27FC236}">
+                <a16:creationId xmlns:a16="http://schemas.microsoft.com/office/drawing/2014/main" id="{A009EE57-4611-6546-A849-4A69D8E49F28}"/>
+              </a:ext>
+            </a:extLst>
+          </p:cNvPr>
+          <p:cNvSpPr txBox="1"/>
+          <p:nvPr/>
+        </p:nvSpPr>
+        <p:spPr>
+          <a:xfrm>
+            <a:off x="815058" y="3945994"/>
+            <a:ext cx="2268252" cy="492443"/>
+          </a:xfrm>
+          <a:prstGeom prst="rect">
+            <a:avLst/>
+          </a:prstGeom>
+        </p:spPr>
+        <p:txBody>
+          <a:bodyPr wrap="square" lIns="0" tIns="0" rIns="0" bIns="0" rtlCol="0">
+            <a:spAutoFit/>
+          </a:bodyPr>
+          <a:lstStyle/>
+          <a:p>
+            <a:pPr algn="ctr"/>
+            <a:r>
+              <a:rPr lang="en-US" sz="1600" dirty="0">
+                <a:solidFill>
+                  <a:schemeClr val="accent3"/>
+                </a:solidFill>
+              </a:rPr>
+              <a:t>Replace reactive() function by </a:t>
+            </a:r>
+            <a:r>
+              <a:rPr lang="en-US" sz="1600" dirty="0" err="1">
+                <a:solidFill>
+                  <a:schemeClr val="accent3"/>
+                </a:solidFill>
+              </a:rPr>
+              <a:t>eventReactive</a:t>
+            </a:r>
+            <a:r>
+              <a:rPr lang="en-US" sz="1600" dirty="0">
+                <a:solidFill>
+                  <a:schemeClr val="accent3"/>
+                </a:solidFill>
+              </a:rPr>
+              <a:t>() function</a:t>
+            </a:r>
+          </a:p>
+        </p:txBody>
+      </p:sp>
+      <p:cxnSp>
+        <p:nvCxnSpPr>
+          <p:cNvPr id="13" name="Straight Arrow Connector 12">
+            <a:extLst>
+              <a:ext uri="{FF2B5EF4-FFF2-40B4-BE49-F238E27FC236}">
+                <a16:creationId xmlns:a16="http://schemas.microsoft.com/office/drawing/2014/main" id="{1B8B3328-6E44-6841-B743-EADDE4029BFA}"/>
+              </a:ext>
+            </a:extLst>
+          </p:cNvPr>
+          <p:cNvCxnSpPr>
+            <a:stCxn id="9" idx="3"/>
+            <a:endCxn id="11" idx="1"/>
+          </p:cNvCxnSpPr>
+          <p:nvPr/>
+        </p:nvCxnSpPr>
+        <p:spPr>
+          <a:xfrm flipV="1">
+            <a:off x="3083310" y="3039924"/>
+            <a:ext cx="1211938" cy="1152292"/>
+          </a:xfrm>
+          <a:prstGeom prst="straightConnector1">
+            <a:avLst/>
+          </a:prstGeom>
+          <a:ln>
+            <a:tailEnd type="triangle"/>
+          </a:ln>
+        </p:spPr>
+        <p:style>
+          <a:lnRef idx="1">
+            <a:schemeClr val="accent3"/>
+          </a:lnRef>
+          <a:fillRef idx="0">
+            <a:schemeClr val="accent3"/>
+          </a:fillRef>
+          <a:effectRef idx="0">
+            <a:schemeClr val="accent3"/>
+          </a:effectRef>
+          <a:fontRef idx="minor">
+            <a:schemeClr val="tx1"/>
+          </a:fontRef>
+        </p:style>
+      </p:cxnSp>
+      <p:sp>
+        <p:nvSpPr>
+          <p:cNvPr id="17" name="TextBox 16">
+            <a:extLst>
+              <a:ext uri="{FF2B5EF4-FFF2-40B4-BE49-F238E27FC236}">
+                <a16:creationId xmlns:a16="http://schemas.microsoft.com/office/drawing/2014/main" id="{0812D656-459E-994F-A627-AB579D7809C7}"/>
+              </a:ext>
+            </a:extLst>
+          </p:cNvPr>
+          <p:cNvSpPr txBox="1"/>
+          <p:nvPr/>
+        </p:nvSpPr>
+        <p:spPr>
+          <a:xfrm>
+            <a:off x="463316" y="2072461"/>
+            <a:ext cx="2268252" cy="492443"/>
+          </a:xfrm>
+          <a:prstGeom prst="rect">
+            <a:avLst/>
+          </a:prstGeom>
+        </p:spPr>
+        <p:txBody>
+          <a:bodyPr wrap="square" lIns="0" tIns="0" rIns="0" bIns="0" rtlCol="0">
+            <a:spAutoFit/>
+          </a:bodyPr>
+          <a:lstStyle/>
+          <a:p>
+            <a:pPr algn="ctr"/>
+            <a:r>
+              <a:rPr lang="en-US" sz="1600" dirty="0">
+                <a:solidFill>
+                  <a:schemeClr val="accent3"/>
+                </a:solidFill>
+              </a:rPr>
+              <a:t>Create reactive objects where necessary</a:t>
+            </a:r>
+          </a:p>
+        </p:txBody>
+      </p:sp>
+      <p:cxnSp>
+        <p:nvCxnSpPr>
+          <p:cNvPr id="20" name="Straight Arrow Connector 19">
+            <a:extLst>
+              <a:ext uri="{FF2B5EF4-FFF2-40B4-BE49-F238E27FC236}">
+                <a16:creationId xmlns:a16="http://schemas.microsoft.com/office/drawing/2014/main" id="{D637E1F5-F56B-FC44-8017-AB2E51C33AC3}"/>
+              </a:ext>
+            </a:extLst>
+          </p:cNvPr>
+          <p:cNvCxnSpPr>
+            <a:cxnSpLocks/>
+            <a:stCxn id="17" idx="3"/>
+            <a:endCxn id="5" idx="1"/>
+          </p:cNvCxnSpPr>
+          <p:nvPr/>
+        </p:nvCxnSpPr>
+        <p:spPr>
+          <a:xfrm>
+            <a:off x="2731568" y="2318683"/>
+            <a:ext cx="916160" cy="246221"/>
+          </a:xfrm>
+          <a:prstGeom prst="straightConnector1">
+            <a:avLst/>
+          </a:prstGeom>
+          <a:ln>
+            <a:tailEnd type="triangle"/>
+          </a:ln>
+        </p:spPr>
+        <p:style>
+          <a:lnRef idx="1">
+            <a:schemeClr val="accent3"/>
+          </a:lnRef>
+          <a:fillRef idx="0">
+            <a:schemeClr val="accent3"/>
+          </a:fillRef>
+          <a:effectRef idx="0">
+            <a:schemeClr val="accent3"/>
+          </a:effectRef>
+          <a:fontRef idx="minor">
+            <a:schemeClr val="tx1"/>
+          </a:fontRef>
+        </p:style>
+      </p:cxnSp>
+      <p:cxnSp>
+        <p:nvCxnSpPr>
+          <p:cNvPr id="22" name="Straight Arrow Connector 21">
+            <a:extLst>
+              <a:ext uri="{FF2B5EF4-FFF2-40B4-BE49-F238E27FC236}">
+                <a16:creationId xmlns:a16="http://schemas.microsoft.com/office/drawing/2014/main" id="{38BB17CF-5AE6-6B43-9250-32E62A213FEA}"/>
+              </a:ext>
+            </a:extLst>
+          </p:cNvPr>
+          <p:cNvCxnSpPr>
+            <a:cxnSpLocks/>
+            <a:stCxn id="17" idx="3"/>
+            <a:endCxn id="12" idx="1"/>
+          </p:cNvCxnSpPr>
+          <p:nvPr/>
+        </p:nvCxnSpPr>
+        <p:spPr>
+          <a:xfrm>
+            <a:off x="2731568" y="2318683"/>
+            <a:ext cx="901054" cy="1804346"/>
+          </a:xfrm>
+          <a:prstGeom prst="straightConnector1">
+            <a:avLst/>
+          </a:prstGeom>
+          <a:ln>
+            <a:tailEnd type="triangle"/>
+          </a:ln>
+        </p:spPr>
+        <p:style>
+          <a:lnRef idx="1">
+            <a:schemeClr val="accent3"/>
+          </a:lnRef>
+          <a:fillRef idx="0">
+            <a:schemeClr val="accent3"/>
+          </a:fillRef>
+          <a:effectRef idx="0">
+            <a:schemeClr val="accent3"/>
+          </a:effectRef>
+          <a:fontRef idx="minor">
+            <a:schemeClr val="tx1"/>
+          </a:fontRef>
+        </p:style>
+      </p:cxnSp>
+      <p:sp>
+        <p:nvSpPr>
+          <p:cNvPr id="25" name="Oval 24">
+            <a:extLst>
+              <a:ext uri="{FF2B5EF4-FFF2-40B4-BE49-F238E27FC236}">
+                <a16:creationId xmlns:a16="http://schemas.microsoft.com/office/drawing/2014/main" id="{C35B6F48-E1E0-074B-BF6E-2362C0B638EA}"/>
+              </a:ext>
+            </a:extLst>
+          </p:cNvPr>
+          <p:cNvSpPr/>
+          <p:nvPr/>
+        </p:nvSpPr>
+        <p:spPr>
+          <a:xfrm>
+            <a:off x="5843972" y="2636912"/>
+            <a:ext cx="612068" cy="216024"/>
+          </a:xfrm>
+          <a:prstGeom prst="ellipse">
+            <a:avLst/>
+          </a:prstGeom>
+          <a:noFill/>
+          <a:ln>
+            <a:solidFill>
+              <a:schemeClr val="accent3"/>
+            </a:solidFill>
+          </a:ln>
+        </p:spPr>
+        <p:style>
+          <a:lnRef idx="2">
+            <a:schemeClr val="accent1">
+              <a:shade val="50000"/>
+            </a:schemeClr>
+          </a:lnRef>
+          <a:fillRef idx="1">
+            <a:schemeClr val="accent1"/>
+          </a:fillRef>
+          <a:effectRef idx="0">
+            <a:schemeClr val="accent1"/>
+          </a:effectRef>
+          <a:fontRef idx="minor">
+            <a:schemeClr val="lt1"/>
+          </a:fontRef>
+        </p:style>
+        <p:txBody>
+          <a:bodyPr rtlCol="0" anchor="ctr"/>
+          <a:lstStyle/>
+          <a:p>
+            <a:pPr algn="ctr"/>
+            <a:endParaRPr lang="en-US"/>
+          </a:p>
+        </p:txBody>
+      </p:sp>
+      <p:sp>
+        <p:nvSpPr>
+          <p:cNvPr id="26" name="Oval 25">
+            <a:extLst>
+              <a:ext uri="{FF2B5EF4-FFF2-40B4-BE49-F238E27FC236}">
+                <a16:creationId xmlns:a16="http://schemas.microsoft.com/office/drawing/2014/main" id="{AB1CF7B1-1A98-8C47-83DF-2A35157D77E0}"/>
+              </a:ext>
+            </a:extLst>
+          </p:cNvPr>
+          <p:cNvSpPr/>
+          <p:nvPr/>
+        </p:nvSpPr>
+        <p:spPr>
+          <a:xfrm>
+            <a:off x="5717958" y="3481643"/>
+            <a:ext cx="612068" cy="216024"/>
+          </a:xfrm>
+          <a:prstGeom prst="ellipse">
+            <a:avLst/>
+          </a:prstGeom>
+          <a:noFill/>
+          <a:ln>
+            <a:solidFill>
+              <a:schemeClr val="accent3"/>
+            </a:solidFill>
+          </a:ln>
+        </p:spPr>
+        <p:style>
+          <a:lnRef idx="2">
+            <a:schemeClr val="accent1">
+              <a:shade val="50000"/>
+            </a:schemeClr>
+          </a:lnRef>
+          <a:fillRef idx="1">
+            <a:schemeClr val="accent1"/>
+          </a:fillRef>
+          <a:effectRef idx="0">
+            <a:schemeClr val="accent1"/>
+          </a:effectRef>
+          <a:fontRef idx="minor">
+            <a:schemeClr val="lt1"/>
+          </a:fontRef>
+        </p:style>
+        <p:txBody>
+          <a:bodyPr rtlCol="0" anchor="ctr"/>
+          <a:lstStyle/>
+          <a:p>
+            <a:pPr algn="ctr"/>
+            <a:endParaRPr lang="en-US"/>
+          </a:p>
+        </p:txBody>
+      </p:sp>
+      <p:sp>
+        <p:nvSpPr>
+          <p:cNvPr id="27" name="Oval 26">
+            <a:extLst>
+              <a:ext uri="{FF2B5EF4-FFF2-40B4-BE49-F238E27FC236}">
+                <a16:creationId xmlns:a16="http://schemas.microsoft.com/office/drawing/2014/main" id="{B8DC9121-A7E2-9B46-A82F-713ACB6147E8}"/>
+              </a:ext>
+            </a:extLst>
+          </p:cNvPr>
+          <p:cNvSpPr/>
+          <p:nvPr/>
+        </p:nvSpPr>
+        <p:spPr>
+          <a:xfrm>
+            <a:off x="4007768" y="4339499"/>
+            <a:ext cx="612068" cy="216024"/>
+          </a:xfrm>
+          <a:prstGeom prst="ellipse">
+            <a:avLst/>
+          </a:prstGeom>
+          <a:noFill/>
+          <a:ln>
+            <a:solidFill>
+              <a:schemeClr val="accent3"/>
+            </a:solidFill>
+          </a:ln>
+        </p:spPr>
+        <p:style>
+          <a:lnRef idx="2">
+            <a:schemeClr val="accent1">
+              <a:shade val="50000"/>
+            </a:schemeClr>
+          </a:lnRef>
+          <a:fillRef idx="1">
+            <a:schemeClr val="accent1"/>
+          </a:fillRef>
+          <a:effectRef idx="0">
+            <a:schemeClr val="accent1"/>
+          </a:effectRef>
+          <a:fontRef idx="minor">
+            <a:schemeClr val="lt1"/>
+          </a:fontRef>
+        </p:style>
+        <p:txBody>
+          <a:bodyPr rtlCol="0" anchor="ctr"/>
+          <a:lstStyle/>
+          <a:p>
+            <a:pPr algn="ctr"/>
+            <a:endParaRPr lang="en-US"/>
+          </a:p>
+        </p:txBody>
+      </p:sp>
+      <p:sp>
+        <p:nvSpPr>
+          <p:cNvPr id="28" name="Oval 27">
+            <a:extLst>
+              <a:ext uri="{FF2B5EF4-FFF2-40B4-BE49-F238E27FC236}">
+                <a16:creationId xmlns:a16="http://schemas.microsoft.com/office/drawing/2014/main" id="{3721F0EA-F2C2-1349-A3E1-DDE431AC7C97}"/>
+              </a:ext>
+            </a:extLst>
+          </p:cNvPr>
+          <p:cNvSpPr/>
+          <p:nvPr/>
+        </p:nvSpPr>
+        <p:spPr>
+          <a:xfrm>
+            <a:off x="5717958" y="5099596"/>
+            <a:ext cx="612068" cy="216024"/>
+          </a:xfrm>
+          <a:prstGeom prst="ellipse">
+            <a:avLst/>
+          </a:prstGeom>
+          <a:noFill/>
+          <a:ln>
+            <a:solidFill>
+              <a:schemeClr val="accent3"/>
+            </a:solidFill>
+          </a:ln>
+        </p:spPr>
+        <p:style>
+          <a:lnRef idx="2">
+            <a:schemeClr val="accent1">
+              <a:shade val="50000"/>
+            </a:schemeClr>
+          </a:lnRef>
+          <a:fillRef idx="1">
+            <a:schemeClr val="accent1"/>
+          </a:fillRef>
+          <a:effectRef idx="0">
+            <a:schemeClr val="accent1"/>
+          </a:effectRef>
+          <a:fontRef idx="minor">
+            <a:schemeClr val="lt1"/>
+          </a:fontRef>
+        </p:style>
+        <p:txBody>
+          <a:bodyPr rtlCol="0" anchor="ctr"/>
+          <a:lstStyle/>
+          <a:p>
+            <a:pPr algn="ctr"/>
+            <a:endParaRPr lang="en-US"/>
+          </a:p>
+        </p:txBody>
+      </p:sp>
+      <p:sp>
+        <p:nvSpPr>
+          <p:cNvPr id="29" name="Oval 28">
+            <a:extLst>
+              <a:ext uri="{FF2B5EF4-FFF2-40B4-BE49-F238E27FC236}">
+                <a16:creationId xmlns:a16="http://schemas.microsoft.com/office/drawing/2014/main" id="{5C1EE722-DAE0-DB42-B10A-CA0CBE3D712E}"/>
+              </a:ext>
+            </a:extLst>
+          </p:cNvPr>
+          <p:cNvSpPr/>
+          <p:nvPr/>
+        </p:nvSpPr>
+        <p:spPr>
+          <a:xfrm>
+            <a:off x="6744072" y="5207608"/>
+            <a:ext cx="612068" cy="216024"/>
+          </a:xfrm>
+          <a:prstGeom prst="ellipse">
+            <a:avLst/>
+          </a:prstGeom>
+          <a:noFill/>
+          <a:ln>
+            <a:solidFill>
+              <a:schemeClr val="accent3"/>
+            </a:solidFill>
+          </a:ln>
+        </p:spPr>
+        <p:style>
+          <a:lnRef idx="2">
+            <a:schemeClr val="accent1">
+              <a:shade val="50000"/>
+            </a:schemeClr>
+          </a:lnRef>
+          <a:fillRef idx="1">
+            <a:schemeClr val="accent1"/>
+          </a:fillRef>
+          <a:effectRef idx="0">
+            <a:schemeClr val="accent1"/>
+          </a:effectRef>
+          <a:fontRef idx="minor">
+            <a:schemeClr val="lt1"/>
+          </a:fontRef>
+        </p:style>
+        <p:txBody>
+          <a:bodyPr rtlCol="0" anchor="ctr"/>
+          <a:lstStyle/>
+          <a:p>
+            <a:pPr algn="ctr"/>
+            <a:endParaRPr lang="en-US"/>
+          </a:p>
+        </p:txBody>
+      </p:sp>
+      <p:sp>
+        <p:nvSpPr>
+          <p:cNvPr id="30" name="TextBox 29">
+            <a:extLst>
+              <a:ext uri="{FF2B5EF4-FFF2-40B4-BE49-F238E27FC236}">
+                <a16:creationId xmlns:a16="http://schemas.microsoft.com/office/drawing/2014/main" id="{2440BD74-5FC5-814D-A083-16CBD00A1008}"/>
+              </a:ext>
+            </a:extLst>
+          </p:cNvPr>
+          <p:cNvSpPr txBox="1"/>
+          <p:nvPr/>
+        </p:nvSpPr>
+        <p:spPr>
+          <a:xfrm>
+            <a:off x="9336360" y="2816393"/>
+            <a:ext cx="2268252" cy="492443"/>
+          </a:xfrm>
+          <a:prstGeom prst="rect">
+            <a:avLst/>
+          </a:prstGeom>
+        </p:spPr>
+        <p:txBody>
+          <a:bodyPr wrap="square" lIns="0" tIns="0" rIns="0" bIns="0" rtlCol="0">
+            <a:spAutoFit/>
+          </a:bodyPr>
+          <a:lstStyle/>
+          <a:p>
+            <a:pPr algn="ctr"/>
+            <a:r>
+              <a:rPr lang="en-US" sz="1600" dirty="0">
+                <a:solidFill>
+                  <a:schemeClr val="accent3"/>
+                </a:solidFill>
+              </a:rPr>
+              <a:t>Call reactive objects like you would functions</a:t>
+            </a:r>
+          </a:p>
+        </p:txBody>
+      </p:sp>
+      <p:cxnSp>
+        <p:nvCxnSpPr>
+          <p:cNvPr id="31" name="Straight Arrow Connector 30">
+            <a:extLst>
+              <a:ext uri="{FF2B5EF4-FFF2-40B4-BE49-F238E27FC236}">
+                <a16:creationId xmlns:a16="http://schemas.microsoft.com/office/drawing/2014/main" id="{BD1AE002-8E76-8A4D-AC62-9C856E23B951}"/>
+              </a:ext>
+            </a:extLst>
+          </p:cNvPr>
+          <p:cNvCxnSpPr>
+            <a:cxnSpLocks/>
+            <a:stCxn id="30" idx="1"/>
+            <a:endCxn id="25" idx="6"/>
+          </p:cNvCxnSpPr>
+          <p:nvPr/>
+        </p:nvCxnSpPr>
+        <p:spPr>
+          <a:xfrm flipH="1" flipV="1">
+            <a:off x="6456040" y="2744924"/>
+            <a:ext cx="2880320" cy="317691"/>
+          </a:xfrm>
+          <a:prstGeom prst="straightConnector1">
+            <a:avLst/>
+          </a:prstGeom>
+          <a:ln>
+            <a:tailEnd type="triangle"/>
+          </a:ln>
+        </p:spPr>
+        <p:style>
+          <a:lnRef idx="1">
+            <a:schemeClr val="accent3"/>
+          </a:lnRef>
+          <a:fillRef idx="0">
+            <a:schemeClr val="accent3"/>
+          </a:fillRef>
+          <a:effectRef idx="0">
+            <a:schemeClr val="accent3"/>
+          </a:effectRef>
+          <a:fontRef idx="minor">
+            <a:schemeClr val="tx1"/>
+          </a:fontRef>
+        </p:style>
+      </p:cxnSp>
+      <p:cxnSp>
+        <p:nvCxnSpPr>
+          <p:cNvPr id="34" name="Straight Arrow Connector 33">
+            <a:extLst>
+              <a:ext uri="{FF2B5EF4-FFF2-40B4-BE49-F238E27FC236}">
+                <a16:creationId xmlns:a16="http://schemas.microsoft.com/office/drawing/2014/main" id="{0BFDBB53-AF89-E648-AFFC-A5F619515E71}"/>
+              </a:ext>
+            </a:extLst>
+          </p:cNvPr>
+          <p:cNvCxnSpPr>
+            <a:cxnSpLocks/>
+            <a:stCxn id="30" idx="1"/>
+            <a:endCxn id="26" idx="6"/>
+          </p:cNvCxnSpPr>
+          <p:nvPr/>
+        </p:nvCxnSpPr>
+        <p:spPr>
+          <a:xfrm flipH="1">
+            <a:off x="6330026" y="3062615"/>
+            <a:ext cx="3006334" cy="527040"/>
+          </a:xfrm>
+          <a:prstGeom prst="straightConnector1">
+            <a:avLst/>
+          </a:prstGeom>
+          <a:ln>
+            <a:tailEnd type="triangle"/>
+          </a:ln>
+        </p:spPr>
+        <p:style>
+          <a:lnRef idx="1">
+            <a:schemeClr val="accent3"/>
+          </a:lnRef>
+          <a:fillRef idx="0">
+            <a:schemeClr val="accent3"/>
+          </a:fillRef>
+          <a:effectRef idx="0">
+            <a:schemeClr val="accent3"/>
+          </a:effectRef>
+          <a:fontRef idx="minor">
+            <a:schemeClr val="tx1"/>
+          </a:fontRef>
+        </p:style>
+      </p:cxnSp>
+      <p:cxnSp>
+        <p:nvCxnSpPr>
+          <p:cNvPr id="37" name="Straight Arrow Connector 36">
+            <a:extLst>
+              <a:ext uri="{FF2B5EF4-FFF2-40B4-BE49-F238E27FC236}">
+                <a16:creationId xmlns:a16="http://schemas.microsoft.com/office/drawing/2014/main" id="{327A26A5-C10C-2742-8C1D-F634A794ECAF}"/>
+              </a:ext>
+            </a:extLst>
+          </p:cNvPr>
+          <p:cNvCxnSpPr>
+            <a:cxnSpLocks/>
+            <a:stCxn id="30" idx="1"/>
+            <a:endCxn id="27" idx="6"/>
+          </p:cNvCxnSpPr>
+          <p:nvPr/>
+        </p:nvCxnSpPr>
+        <p:spPr>
+          <a:xfrm flipH="1">
+            <a:off x="4619836" y="3062615"/>
+            <a:ext cx="4716524" cy="1384896"/>
+          </a:xfrm>
+          <a:prstGeom prst="straightConnector1">
+            <a:avLst/>
+          </a:prstGeom>
+          <a:ln>
+            <a:tailEnd type="triangle"/>
+          </a:ln>
+        </p:spPr>
+        <p:style>
+          <a:lnRef idx="1">
+            <a:schemeClr val="accent3"/>
+          </a:lnRef>
+          <a:fillRef idx="0">
+            <a:schemeClr val="accent3"/>
+          </a:fillRef>
+          <a:effectRef idx="0">
+            <a:schemeClr val="accent3"/>
+          </a:effectRef>
+          <a:fontRef idx="minor">
+            <a:schemeClr val="tx1"/>
+          </a:fontRef>
+        </p:style>
+      </p:cxnSp>
+      <p:cxnSp>
+        <p:nvCxnSpPr>
+          <p:cNvPr id="40" name="Straight Arrow Connector 39">
+            <a:extLst>
+              <a:ext uri="{FF2B5EF4-FFF2-40B4-BE49-F238E27FC236}">
+                <a16:creationId xmlns:a16="http://schemas.microsoft.com/office/drawing/2014/main" id="{6C6D0885-1C18-E342-AFCB-5FA50206DE16}"/>
+              </a:ext>
+            </a:extLst>
+          </p:cNvPr>
+          <p:cNvCxnSpPr>
+            <a:cxnSpLocks/>
+            <a:stCxn id="30" idx="1"/>
+            <a:endCxn id="28" idx="7"/>
+          </p:cNvCxnSpPr>
+          <p:nvPr/>
+        </p:nvCxnSpPr>
+        <p:spPr>
+          <a:xfrm flipH="1">
+            <a:off x="6240391" y="3062615"/>
+            <a:ext cx="3095969" cy="2068617"/>
+          </a:xfrm>
+          <a:prstGeom prst="straightConnector1">
+            <a:avLst/>
+          </a:prstGeom>
+          <a:ln>
+            <a:tailEnd type="triangle"/>
+          </a:ln>
+        </p:spPr>
+        <p:style>
+          <a:lnRef idx="1">
+            <a:schemeClr val="accent3"/>
+          </a:lnRef>
+          <a:fillRef idx="0">
+            <a:schemeClr val="accent3"/>
+          </a:fillRef>
+          <a:effectRef idx="0">
+            <a:schemeClr val="accent3"/>
+          </a:effectRef>
+          <a:fontRef idx="minor">
+            <a:schemeClr val="tx1"/>
+          </a:fontRef>
+        </p:style>
+      </p:cxnSp>
+      <p:cxnSp>
+        <p:nvCxnSpPr>
+          <p:cNvPr id="43" name="Straight Arrow Connector 42">
+            <a:extLst>
+              <a:ext uri="{FF2B5EF4-FFF2-40B4-BE49-F238E27FC236}">
+                <a16:creationId xmlns:a16="http://schemas.microsoft.com/office/drawing/2014/main" id="{64EAED17-1F24-B34C-A990-673841B44642}"/>
+              </a:ext>
+            </a:extLst>
+          </p:cNvPr>
+          <p:cNvCxnSpPr>
+            <a:cxnSpLocks/>
+            <a:stCxn id="30" idx="1"/>
+            <a:endCxn id="29" idx="7"/>
+          </p:cNvCxnSpPr>
+          <p:nvPr/>
+        </p:nvCxnSpPr>
+        <p:spPr>
+          <a:xfrm flipH="1">
+            <a:off x="7266505" y="3062615"/>
+            <a:ext cx="2069855" cy="2176629"/>
+          </a:xfrm>
+          <a:prstGeom prst="straightConnector1">
+            <a:avLst/>
+          </a:prstGeom>
+          <a:ln>
+            <a:tailEnd type="triangle"/>
+          </a:ln>
+        </p:spPr>
+        <p:style>
+          <a:lnRef idx="1">
+            <a:schemeClr val="accent3"/>
+          </a:lnRef>
+          <a:fillRef idx="0">
+            <a:schemeClr val="accent3"/>
+          </a:fillRef>
+          <a:effectRef idx="0">
+            <a:schemeClr val="accent3"/>
+          </a:effectRef>
+          <a:fontRef idx="minor">
+            <a:schemeClr val="tx1"/>
+          </a:fontRef>
+        </p:style>
+      </p:cxnSp>
+    </p:spTree>
+    <p:extLst>
+      <p:ext uri="{BB962C8B-B14F-4D97-AF65-F5344CB8AC3E}">
+        <p14:creationId xmlns:p14="http://schemas.microsoft.com/office/powerpoint/2010/main" val="3093533325"/>
+      </p:ext>
+    </p:extLst>
+  </p:cSld>
+  <p:clrMapOvr>
+    <a:masterClrMapping/>
+  </p:clrMapOvr>
+</p:sld>
+</file>
+
+<file path=ppt/slides/slide15.xml><?xml version="1.0" encoding="utf-8"?>
+<p:sld xmlns:a="http://schemas.openxmlformats.org/drawingml/2006/main" xmlns:r="http://schemas.openxmlformats.org/officeDocument/2006/relationships" xmlns:p="http://schemas.openxmlformats.org/presentationml/2006/main">
+  <p:cSld>
+    <p:spTree>
+      <p:nvGrpSpPr>
+        <p:cNvPr id="1" name=""/>
+        <p:cNvGrpSpPr/>
+        <p:nvPr/>
+      </p:nvGrpSpPr>
+      <p:grpSpPr>
+        <a:xfrm>
+          <a:off x="0" y="0"/>
+          <a:ext cx="0" cy="0"/>
+          <a:chOff x="0" y="0"/>
+          <a:chExt cx="0" cy="0"/>
+        </a:xfrm>
+      </p:grpSpPr>
+      <p:sp>
+        <p:nvSpPr>
+          <p:cNvPr id="19" name="Text Placeholder 18"/>
+          <p:cNvSpPr>
+            <a:spLocks noGrp="1"/>
+          </p:cNvSpPr>
+          <p:nvPr>
+            <p:ph type="body" sz="quarter" idx="14"/>
+          </p:nvPr>
+        </p:nvSpPr>
+        <p:spPr/>
+        <p:txBody>
+          <a:bodyPr/>
+          <a:lstStyle/>
+          <a:p>
+            <a:r>
+              <a:rPr lang="en-GB" dirty="0"/>
+              <a:t>For a more detailed overview of reactivity in Shiny, visit this website: </a:t>
+            </a:r>
+            <a:r>
+              <a:rPr lang="en-GB" dirty="0">
+                <a:hlinkClick r:id="rId3"/>
+              </a:rPr>
+              <a:t>https://shiny.rstudio.com/articles/reactivity-overview.html</a:t>
+            </a:r>
+            <a:r>
+              <a:rPr lang="en-GB" dirty="0"/>
+              <a:t> </a:t>
+            </a:r>
+          </a:p>
+        </p:txBody>
+      </p:sp>
+      <p:sp>
+        <p:nvSpPr>
+          <p:cNvPr id="18" name="Slide Number Placeholder 17"/>
+          <p:cNvSpPr>
+            <a:spLocks noGrp="1"/>
+          </p:cNvSpPr>
+          <p:nvPr>
+            <p:ph type="sldNum" sz="quarter" idx="16"/>
+          </p:nvPr>
+        </p:nvSpPr>
+        <p:spPr/>
+        <p:txBody>
+          <a:bodyPr/>
+          <a:lstStyle/>
+          <a:p>
+            <a:r>
+              <a:rPr lang="en-GB" dirty="0"/>
+              <a:t>Page </a:t>
+            </a:r>
+            <a:fld id="{D0A7EFCE-C288-4C08-82BF-A166ED293115}" type="slidenum">
+              <a:rPr lang="en-GB" smtClean="0"/>
+              <a:pPr/>
+              <a:t>15</a:t>
+            </a:fld>
+            <a:endParaRPr lang="en-GB" dirty="0"/>
+          </a:p>
+        </p:txBody>
+      </p:sp>
+      <p:sp>
+        <p:nvSpPr>
+          <p:cNvPr id="7" name="Title 6"/>
+          <p:cNvSpPr>
+            <a:spLocks noGrp="1"/>
+          </p:cNvSpPr>
+          <p:nvPr>
+            <p:ph type="title"/>
+          </p:nvPr>
+        </p:nvSpPr>
+        <p:spPr>
+          <a:xfrm>
+            <a:off x="474056" y="214421"/>
+            <a:ext cx="11268000" cy="396000"/>
+          </a:xfrm>
+        </p:spPr>
+        <p:txBody>
+          <a:bodyPr>
+            <a:noAutofit/>
+          </a:bodyPr>
+          <a:lstStyle/>
+          <a:p>
+            <a:r>
+              <a:rPr lang="en-GB" sz="3600" dirty="0"/>
+              <a:t>Reactivity</a:t>
+            </a:r>
+          </a:p>
+        </p:txBody>
+      </p:sp>
+      <p:sp>
+        <p:nvSpPr>
+          <p:cNvPr id="8" name="TextBox 7">
+            <a:extLst>
+              <a:ext uri="{FF2B5EF4-FFF2-40B4-BE49-F238E27FC236}">
+                <a16:creationId xmlns:a16="http://schemas.microsoft.com/office/drawing/2014/main" id="{0473A729-0C3E-B742-BCF9-08C3E68352EF}"/>
+              </a:ext>
+            </a:extLst>
+          </p:cNvPr>
+          <p:cNvSpPr txBox="1"/>
+          <p:nvPr/>
+        </p:nvSpPr>
+        <p:spPr>
+          <a:xfrm>
+            <a:off x="515380" y="908720"/>
+            <a:ext cx="10657184" cy="369332"/>
+          </a:xfrm>
+          <a:prstGeom prst="rect">
+            <a:avLst/>
+          </a:prstGeom>
+        </p:spPr>
+        <p:txBody>
+          <a:bodyPr wrap="square" lIns="0" tIns="0" rIns="0" bIns="0" rtlCol="0">
+            <a:spAutoFit/>
+          </a:bodyPr>
+          <a:lstStyle/>
+          <a:p>
+            <a:r>
+              <a:rPr lang="en-US" sz="2400">
+                <a:solidFill>
+                  <a:srgbClr val="404040"/>
+                </a:solidFill>
+              </a:rPr>
+              <a:t>Exercise 2 - solved: </a:t>
+            </a:r>
+            <a:r>
+              <a:rPr lang="en-US" sz="2400" dirty="0">
+                <a:solidFill>
+                  <a:srgbClr val="404040"/>
+                </a:solidFill>
+              </a:rPr>
+              <a:t>Create a third input field</a:t>
+            </a:r>
+          </a:p>
+        </p:txBody>
+      </p:sp>
+      <p:pic>
+        <p:nvPicPr>
+          <p:cNvPr id="2" name="Picture 1">
+            <a:extLst>
+              <a:ext uri="{FF2B5EF4-FFF2-40B4-BE49-F238E27FC236}">
+                <a16:creationId xmlns:a16="http://schemas.microsoft.com/office/drawing/2014/main" id="{6596825D-9979-D44E-8886-818317BDBB33}"/>
+              </a:ext>
+            </a:extLst>
+          </p:cNvPr>
+          <p:cNvPicPr>
+            <a:picLocks noChangeAspect="1"/>
+          </p:cNvPicPr>
+          <p:nvPr/>
+        </p:nvPicPr>
+        <p:blipFill>
+          <a:blip r:embed="rId4"/>
+          <a:stretch>
+            <a:fillRect/>
+          </a:stretch>
+        </p:blipFill>
+        <p:spPr>
+          <a:xfrm>
+            <a:off x="1127448" y="1780585"/>
+            <a:ext cx="3517900" cy="3454400"/>
+          </a:xfrm>
+          <a:prstGeom prst="rect">
+            <a:avLst/>
+          </a:prstGeom>
+          <a:ln>
+            <a:solidFill>
+              <a:schemeClr val="tx1"/>
+            </a:solidFill>
+          </a:ln>
+        </p:spPr>
+      </p:pic>
+      <p:sp>
+        <p:nvSpPr>
+          <p:cNvPr id="12" name="Rectangle 11">
+            <a:extLst>
+              <a:ext uri="{FF2B5EF4-FFF2-40B4-BE49-F238E27FC236}">
+                <a16:creationId xmlns:a16="http://schemas.microsoft.com/office/drawing/2014/main" id="{709D0FC8-8EEA-3A44-8D29-5C8893F61CDD}"/>
+              </a:ext>
+            </a:extLst>
+          </p:cNvPr>
+          <p:cNvSpPr/>
+          <p:nvPr/>
+        </p:nvSpPr>
+        <p:spPr>
+          <a:xfrm>
+            <a:off x="1631504" y="3367589"/>
+            <a:ext cx="2952328" cy="288032"/>
+          </a:xfrm>
+          <a:prstGeom prst="rect">
+            <a:avLst/>
+          </a:prstGeom>
+          <a:noFill/>
+          <a:ln>
+            <a:solidFill>
+              <a:schemeClr val="accent3"/>
+            </a:solidFill>
+          </a:ln>
+        </p:spPr>
+        <p:style>
+          <a:lnRef idx="2">
+            <a:schemeClr val="accent1">
+              <a:shade val="50000"/>
+            </a:schemeClr>
+          </a:lnRef>
+          <a:fillRef idx="1">
+            <a:schemeClr val="accent1"/>
+          </a:fillRef>
+          <a:effectRef idx="0">
+            <a:schemeClr val="accent1"/>
+          </a:effectRef>
+          <a:fontRef idx="minor">
+            <a:schemeClr val="lt1"/>
+          </a:fontRef>
+        </p:style>
+        <p:txBody>
+          <a:bodyPr rtlCol="0" anchor="ctr"/>
+          <a:lstStyle/>
+          <a:p>
+            <a:pPr algn="ctr"/>
+            <a:endParaRPr lang="en-US"/>
+          </a:p>
+        </p:txBody>
+      </p:sp>
+      <p:pic>
+        <p:nvPicPr>
+          <p:cNvPr id="3" name="Picture 2">
+            <a:extLst>
+              <a:ext uri="{FF2B5EF4-FFF2-40B4-BE49-F238E27FC236}">
+                <a16:creationId xmlns:a16="http://schemas.microsoft.com/office/drawing/2014/main" id="{3DD96ADC-0ED8-9F47-9798-8AA7E6F74AAE}"/>
+              </a:ext>
+            </a:extLst>
+          </p:cNvPr>
+          <p:cNvPicPr>
+            <a:picLocks noChangeAspect="1"/>
+          </p:cNvPicPr>
+          <p:nvPr/>
+        </p:nvPicPr>
+        <p:blipFill>
+          <a:blip r:embed="rId5"/>
+          <a:stretch>
+            <a:fillRect/>
+          </a:stretch>
+        </p:blipFill>
+        <p:spPr>
+          <a:xfrm>
+            <a:off x="5591944" y="1247185"/>
+            <a:ext cx="5473700" cy="4521200"/>
+          </a:xfrm>
+          <a:prstGeom prst="rect">
+            <a:avLst/>
+          </a:prstGeom>
+          <a:ln>
+            <a:solidFill>
+              <a:schemeClr val="tx1"/>
+            </a:solidFill>
+          </a:ln>
+        </p:spPr>
+      </p:pic>
+      <p:sp>
+        <p:nvSpPr>
+          <p:cNvPr id="13" name="Rectangle 12">
+            <a:extLst>
+              <a:ext uri="{FF2B5EF4-FFF2-40B4-BE49-F238E27FC236}">
+                <a16:creationId xmlns:a16="http://schemas.microsoft.com/office/drawing/2014/main" id="{7D030205-83B8-8D46-B611-4CA267CCCEF6}"/>
+              </a:ext>
+            </a:extLst>
+          </p:cNvPr>
+          <p:cNvSpPr/>
+          <p:nvPr/>
+        </p:nvSpPr>
+        <p:spPr>
+          <a:xfrm>
+            <a:off x="5879976" y="2423539"/>
+            <a:ext cx="2376264" cy="141365"/>
+          </a:xfrm>
+          <a:prstGeom prst="rect">
+            <a:avLst/>
+          </a:prstGeom>
+          <a:noFill/>
+          <a:ln>
+            <a:solidFill>
+              <a:schemeClr val="accent3"/>
+            </a:solidFill>
+          </a:ln>
+        </p:spPr>
+        <p:style>
+          <a:lnRef idx="2">
+            <a:schemeClr val="accent1">
+              <a:shade val="50000"/>
+            </a:schemeClr>
+          </a:lnRef>
+          <a:fillRef idx="1">
+            <a:schemeClr val="accent1"/>
+          </a:fillRef>
+          <a:effectRef idx="0">
+            <a:schemeClr val="accent1"/>
+          </a:effectRef>
+          <a:fontRef idx="minor">
+            <a:schemeClr val="lt1"/>
+          </a:fontRef>
+        </p:style>
+        <p:txBody>
+          <a:bodyPr rtlCol="0" anchor="ctr"/>
+          <a:lstStyle/>
+          <a:p>
+            <a:pPr algn="ctr"/>
+            <a:endParaRPr lang="en-US"/>
+          </a:p>
+        </p:txBody>
+      </p:sp>
+      <p:sp>
+        <p:nvSpPr>
+          <p:cNvPr id="15" name="Rectangle 14">
+            <a:extLst>
+              <a:ext uri="{FF2B5EF4-FFF2-40B4-BE49-F238E27FC236}">
+                <a16:creationId xmlns:a16="http://schemas.microsoft.com/office/drawing/2014/main" id="{67A2A67D-834D-FA48-9F19-EBA873589E80}"/>
+              </a:ext>
+            </a:extLst>
+          </p:cNvPr>
+          <p:cNvSpPr/>
+          <p:nvPr/>
+        </p:nvSpPr>
+        <p:spPr>
+          <a:xfrm>
+            <a:off x="7680176" y="3140968"/>
+            <a:ext cx="1512168" cy="180000"/>
+          </a:xfrm>
+          <a:prstGeom prst="rect">
+            <a:avLst/>
+          </a:prstGeom>
+          <a:noFill/>
+          <a:ln>
+            <a:solidFill>
+              <a:schemeClr val="accent3"/>
+            </a:solidFill>
+          </a:ln>
+        </p:spPr>
+        <p:style>
+          <a:lnRef idx="2">
+            <a:schemeClr val="accent1">
+              <a:shade val="50000"/>
+            </a:schemeClr>
+          </a:lnRef>
+          <a:fillRef idx="1">
+            <a:schemeClr val="accent1"/>
+          </a:fillRef>
+          <a:effectRef idx="0">
+            <a:schemeClr val="accent1"/>
+          </a:effectRef>
+          <a:fontRef idx="minor">
+            <a:schemeClr val="lt1"/>
+          </a:fontRef>
+        </p:style>
+        <p:txBody>
+          <a:bodyPr rtlCol="0" anchor="ctr"/>
+          <a:lstStyle/>
+          <a:p>
+            <a:pPr algn="ctr"/>
+            <a:endParaRPr lang="en-US"/>
+          </a:p>
+        </p:txBody>
+      </p:sp>
+      <p:sp>
+        <p:nvSpPr>
+          <p:cNvPr id="17" name="Rectangle 16">
+            <a:extLst>
+              <a:ext uri="{FF2B5EF4-FFF2-40B4-BE49-F238E27FC236}">
+                <a16:creationId xmlns:a16="http://schemas.microsoft.com/office/drawing/2014/main" id="{7F291D56-B1B9-E149-8227-BB018736B26A}"/>
+              </a:ext>
+            </a:extLst>
+          </p:cNvPr>
+          <p:cNvSpPr/>
+          <p:nvPr/>
+        </p:nvSpPr>
+        <p:spPr>
+          <a:xfrm>
+            <a:off x="6528048" y="4572000"/>
+            <a:ext cx="1224136" cy="144016"/>
+          </a:xfrm>
+          <a:prstGeom prst="rect">
+            <a:avLst/>
+          </a:prstGeom>
+          <a:noFill/>
+          <a:ln>
+            <a:solidFill>
+              <a:schemeClr val="accent3"/>
+            </a:solidFill>
+          </a:ln>
+        </p:spPr>
+        <p:style>
+          <a:lnRef idx="2">
+            <a:schemeClr val="accent1">
+              <a:shade val="50000"/>
+            </a:schemeClr>
+          </a:lnRef>
+          <a:fillRef idx="1">
+            <a:schemeClr val="accent1"/>
+          </a:fillRef>
+          <a:effectRef idx="0">
+            <a:schemeClr val="accent1"/>
+          </a:effectRef>
+          <a:fontRef idx="minor">
+            <a:schemeClr val="lt1"/>
+          </a:fontRef>
+        </p:style>
+        <p:txBody>
+          <a:bodyPr rtlCol="0" anchor="ctr"/>
+          <a:lstStyle/>
+          <a:p>
+            <a:pPr algn="ctr"/>
+            <a:endParaRPr lang="en-US"/>
+          </a:p>
+        </p:txBody>
+      </p:sp>
+    </p:spTree>
+    <p:extLst>
+      <p:ext uri="{BB962C8B-B14F-4D97-AF65-F5344CB8AC3E}">
+        <p14:creationId xmlns:p14="http://schemas.microsoft.com/office/powerpoint/2010/main" val="2311186214"/>
+      </p:ext>
+    </p:extLst>
+  </p:cSld>
+  <p:clrMapOvr>
+    <a:masterClrMapping/>
+  </p:clrMapOvr>
+</p:sld>
+</file>
+
+<file path=ppt/slides/slide16.xml><?xml version="1.0" encoding="utf-8"?>
+<p:sld xmlns:a="http://schemas.openxmlformats.org/drawingml/2006/main" xmlns:r="http://schemas.openxmlformats.org/officeDocument/2006/relationships" xmlns:p="http://schemas.openxmlformats.org/presentationml/2006/main">
+  <p:cSld>
+    <p:spTree>
+      <p:nvGrpSpPr>
+        <p:cNvPr id="1" name=""/>
+        <p:cNvGrpSpPr/>
+        <p:nvPr/>
+      </p:nvGrpSpPr>
+      <p:grpSpPr>
+        <a:xfrm>
+          <a:off x="0" y="0"/>
+          <a:ext cx="0" cy="0"/>
+          <a:chOff x="0" y="0"/>
+          <a:chExt cx="0" cy="0"/>
+        </a:xfrm>
+      </p:grpSpPr>
+    </p:spTree>
+    <p:extLst>
+      <p:ext uri="{BB962C8B-B14F-4D97-AF65-F5344CB8AC3E}">
+        <p14:creationId xmlns:p14="http://schemas.microsoft.com/office/powerpoint/2010/main" val="2779763976"/>
+      </p:ext>
+    </p:extLst>
+  </p:cSld>
+  <p:clrMapOvr>
+    <a:masterClrMapping/>
+  </p:clrMapOvr>
+</p:sld>
+</file>
+
 <file path=ppt/slides/slide2.xml><?xml version="1.0" encoding="utf-8"?>
 <p:sld xmlns:a="http://schemas.openxmlformats.org/drawingml/2006/main" xmlns:r="http://schemas.openxmlformats.org/officeDocument/2006/relationships" xmlns:p="http://schemas.openxmlformats.org/presentationml/2006/main">
   <p:cSld>
@@ -53582,12 +58724,255 @@
           <a:chExt cx="0" cy="0"/>
         </a:xfrm>
       </p:grpSpPr>
+      <p:sp>
+        <p:nvSpPr>
+          <p:cNvPr id="5" name="Footer Placeholder 4">
+            <a:extLst>
+              <a:ext uri="{FF2B5EF4-FFF2-40B4-BE49-F238E27FC236}">
+                <a16:creationId xmlns:a16="http://schemas.microsoft.com/office/drawing/2014/main" id="{820343B7-3F29-514F-BEE3-C0FEBC05EA19}"/>
+              </a:ext>
+            </a:extLst>
+          </p:cNvPr>
+          <p:cNvSpPr>
+            <a:spLocks noGrp="1"/>
+          </p:cNvSpPr>
+          <p:nvPr>
+            <p:ph type="ftr" sz="quarter" idx="14"/>
+          </p:nvPr>
+        </p:nvSpPr>
+        <p:spPr/>
+        <p:txBody>
+          <a:bodyPr/>
+          <a:lstStyle/>
+          <a:p>
+            <a:endParaRPr lang="en-GB" dirty="0"/>
+          </a:p>
+        </p:txBody>
+      </p:sp>
+      <p:sp>
+        <p:nvSpPr>
+          <p:cNvPr id="6" name="Slide Number Placeholder 5">
+            <a:extLst>
+              <a:ext uri="{FF2B5EF4-FFF2-40B4-BE49-F238E27FC236}">
+                <a16:creationId xmlns:a16="http://schemas.microsoft.com/office/drawing/2014/main" id="{1FACD8A8-B173-E340-94D7-A428FD60AB60}"/>
+              </a:ext>
+            </a:extLst>
+          </p:cNvPr>
+          <p:cNvSpPr>
+            <a:spLocks noGrp="1"/>
+          </p:cNvSpPr>
+          <p:nvPr>
+            <p:ph type="sldNum" sz="quarter" idx="15"/>
+          </p:nvPr>
+        </p:nvSpPr>
+        <p:spPr/>
+        <p:txBody>
+          <a:bodyPr/>
+          <a:lstStyle/>
+          <a:p>
+            <a:r>
+              <a:rPr lang="en-GB"/>
+              <a:t>Page </a:t>
+            </a:r>
+            <a:fld id="{D0A7EFCE-C288-4C08-82BF-A166ED293115}" type="slidenum">
+              <a:rPr lang="en-GB" smtClean="0"/>
+              <a:pPr/>
+              <a:t>6</a:t>
+            </a:fld>
+            <a:endParaRPr lang="en-GB" dirty="0"/>
+          </a:p>
+        </p:txBody>
+      </p:sp>
+      <p:sp>
+        <p:nvSpPr>
+          <p:cNvPr id="8" name="Rectangle 7">
+            <a:extLst>
+              <a:ext uri="{FF2B5EF4-FFF2-40B4-BE49-F238E27FC236}">
+                <a16:creationId xmlns:a16="http://schemas.microsoft.com/office/drawing/2014/main" id="{F4765C0D-B420-074D-98D5-82FB82688C8C}"/>
+              </a:ext>
+            </a:extLst>
+          </p:cNvPr>
+          <p:cNvSpPr/>
+          <p:nvPr/>
+        </p:nvSpPr>
+        <p:spPr>
+          <a:xfrm>
+            <a:off x="509279" y="404664"/>
+            <a:ext cx="9941521" cy="3662541"/>
+          </a:xfrm>
+          <a:prstGeom prst="rect">
+            <a:avLst/>
+          </a:prstGeom>
+        </p:spPr>
+        <p:txBody>
+          <a:bodyPr wrap="square">
+            <a:spAutoFit/>
+          </a:bodyPr>
+          <a:lstStyle/>
+          <a:p>
+            <a:r>
+              <a:rPr lang="en-US" sz="3600" b="1" dirty="0">
+                <a:solidFill>
+                  <a:schemeClr val="accent1"/>
+                </a:solidFill>
+              </a:rPr>
+              <a:t>Agenda:</a:t>
+            </a:r>
+          </a:p>
+          <a:p>
+            <a:pPr marL="457200" indent="-457200">
+              <a:buFont typeface="+mj-lt"/>
+              <a:buAutoNum type="arabicPeriod"/>
+            </a:pPr>
+            <a:r>
+              <a:rPr lang="en-US" sz="2800" b="1" dirty="0">
+                <a:solidFill>
+                  <a:schemeClr val="accent1">
+                    <a:lumMod val="40000"/>
+                    <a:lumOff val="60000"/>
+                  </a:schemeClr>
+                </a:solidFill>
+              </a:rPr>
+              <a:t>Structure of Shiny apps</a:t>
+            </a:r>
+          </a:p>
+          <a:p>
+            <a:pPr marL="457200" indent="-457200">
+              <a:buFont typeface="+mj-lt"/>
+              <a:buAutoNum type="arabicPeriod"/>
+            </a:pPr>
+            <a:r>
+              <a:rPr lang="en-US" sz="2800" b="1" dirty="0">
+                <a:solidFill>
+                  <a:schemeClr val="accent1">
+                    <a:lumMod val="40000"/>
+                    <a:lumOff val="60000"/>
+                  </a:schemeClr>
+                </a:solidFill>
+              </a:rPr>
+              <a:t>Example 1: Basic app, UI elements management, Widgets  </a:t>
+            </a:r>
+          </a:p>
+          <a:p>
+            <a:pPr marL="457200" indent="-457200">
+              <a:buFont typeface="+mj-lt"/>
+              <a:buAutoNum type="arabicPeriod"/>
+            </a:pPr>
+            <a:r>
+              <a:rPr lang="en-US" sz="2800" b="1" dirty="0">
+                <a:solidFill>
+                  <a:schemeClr val="accent1">
+                    <a:lumMod val="40000"/>
+                    <a:lumOff val="60000"/>
+                  </a:schemeClr>
+                </a:solidFill>
+              </a:rPr>
+              <a:t>Hands-on experience</a:t>
+            </a:r>
+          </a:p>
+          <a:p>
+            <a:pPr marL="457200" indent="-457200">
+              <a:buFont typeface="+mj-lt"/>
+              <a:buAutoNum type="arabicPeriod"/>
+            </a:pPr>
+            <a:r>
+              <a:rPr lang="en-US" sz="2800" b="1" dirty="0">
+                <a:solidFill>
+                  <a:schemeClr val="accent1">
+                    <a:lumMod val="40000"/>
+                    <a:lumOff val="60000"/>
+                  </a:schemeClr>
+                </a:solidFill>
+              </a:rPr>
+              <a:t>Example 2: Server function</a:t>
+            </a:r>
+          </a:p>
+          <a:p>
+            <a:pPr marL="457200" indent="-457200">
+              <a:buFont typeface="+mj-lt"/>
+              <a:buAutoNum type="arabicPeriod"/>
+            </a:pPr>
+            <a:r>
+              <a:rPr lang="en-US" sz="2800" b="1" dirty="0">
+                <a:solidFill>
+                  <a:schemeClr val="accent1">
+                    <a:lumMod val="40000"/>
+                    <a:lumOff val="60000"/>
+                  </a:schemeClr>
+                </a:solidFill>
+              </a:rPr>
+              <a:t>Hands-on experience </a:t>
+            </a:r>
+          </a:p>
+          <a:p>
+            <a:pPr marL="457200" indent="-457200">
+              <a:buFont typeface="+mj-lt"/>
+              <a:buAutoNum type="arabicPeriod"/>
+            </a:pPr>
+            <a:r>
+              <a:rPr lang="en-US" sz="2800" b="1" dirty="0">
+                <a:solidFill>
+                  <a:schemeClr val="accent1"/>
+                </a:solidFill>
+              </a:rPr>
+              <a:t>Example 3: Reactivity</a:t>
+            </a:r>
+          </a:p>
+          <a:p>
+            <a:pPr marL="457200" indent="-457200">
+              <a:buFont typeface="+mj-lt"/>
+              <a:buAutoNum type="arabicPeriod"/>
+            </a:pPr>
+            <a:r>
+              <a:rPr lang="en-US" sz="2800" b="1" dirty="0">
+                <a:solidFill>
+                  <a:schemeClr val="accent1">
+                    <a:lumMod val="40000"/>
+                    <a:lumOff val="60000"/>
+                  </a:schemeClr>
+                </a:solidFill>
+              </a:rPr>
+              <a:t>Hands-on experience</a:t>
+            </a:r>
+          </a:p>
+        </p:txBody>
+      </p:sp>
+    </p:spTree>
+    <p:extLst>
+      <p:ext uri="{BB962C8B-B14F-4D97-AF65-F5344CB8AC3E}">
+        <p14:creationId xmlns:p14="http://schemas.microsoft.com/office/powerpoint/2010/main" val="737937864"/>
+      </p:ext>
+    </p:extLst>
+  </p:cSld>
+  <p:clrMapOvr>
+    <a:masterClrMapping/>
+  </p:clrMapOvr>
+</p:sld>
+</file>
+
+<file path=ppt/slides/slide7.xml><?xml version="1.0" encoding="utf-8"?>
+<p:sld xmlns:a="http://schemas.openxmlformats.org/drawingml/2006/main" xmlns:r="http://schemas.openxmlformats.org/officeDocument/2006/relationships" xmlns:p="http://schemas.openxmlformats.org/presentationml/2006/main">
+  <p:cSld>
+    <p:spTree>
+      <p:nvGrpSpPr>
+        <p:cNvPr id="1" name=""/>
+        <p:cNvGrpSpPr/>
+        <p:nvPr/>
+      </p:nvGrpSpPr>
+      <p:grpSpPr>
+        <a:xfrm>
+          <a:off x="0" y="0"/>
+          <a:ext cx="0" cy="0"/>
+          <a:chOff x="0" y="0"/>
+          <a:chExt cx="0" cy="0"/>
+        </a:xfrm>
+      </p:grpSpPr>
       <p:pic>
         <p:nvPicPr>
-          <p:cNvPr id="32" name="Picture 31">
+          <p:cNvPr id="2" name="Picture 1">
             <a:extLst>
               <a:ext uri="{FF2B5EF4-FFF2-40B4-BE49-F238E27FC236}">
-                <a16:creationId xmlns:a16="http://schemas.microsoft.com/office/drawing/2014/main" id="{8212D69D-A387-1C4E-8E68-B72C9BD3A0A0}"/>
+                <a16:creationId xmlns:a16="http://schemas.microsoft.com/office/drawing/2014/main" id="{B0B231B8-8C80-C040-81C2-807A1B47F634}"/>
               </a:ext>
             </a:extLst>
           </p:cNvPr>
@@ -53604,13 +58989,13 @@
         </p:blipFill>
         <p:spPr>
           <a:xfrm>
-            <a:off x="3096000" y="2044800"/>
-            <a:ext cx="7048500" cy="3556000"/>
+            <a:off x="3104356" y="2016528"/>
+            <a:ext cx="7061200" cy="3568700"/>
           </a:xfrm>
           <a:prstGeom prst="rect">
             <a:avLst/>
           </a:prstGeom>
-          <a:ln w="12700">
+          <a:ln>
             <a:solidFill>
               <a:schemeClr val="tx1"/>
             </a:solidFill>
@@ -53671,7 +59056,7 @@
             <a:fld id="{D0A7EFCE-C288-4C08-82BF-A166ED293115}" type="slidenum">
               <a:rPr lang="en-GB" smtClean="0"/>
               <a:pPr/>
-              <a:t>6</a:t>
+              <a:t>7</a:t>
             </a:fld>
             <a:endParaRPr lang="en-GB" dirty="0"/>
           </a:p>
@@ -53739,7 +59124,39 @@
                   <a:srgbClr val="404040"/>
                 </a:solidFill>
               </a:rPr>
-              <a:t>In every Shiny app, we’re working with input and output objects</a:t>
+              <a:t>In every Shiny app, we’re working with </a:t>
+            </a:r>
+            <a:r>
+              <a:rPr lang="en-US" sz="2400" dirty="0">
+                <a:solidFill>
+                  <a:schemeClr val="accent1"/>
+                </a:solidFill>
+              </a:rPr>
+              <a:t>input</a:t>
+            </a:r>
+            <a:r>
+              <a:rPr lang="en-US" sz="2400" dirty="0">
+                <a:solidFill>
+                  <a:srgbClr val="404040"/>
+                </a:solidFill>
+              </a:rPr>
+              <a:t> and </a:t>
+            </a:r>
+            <a:r>
+              <a:rPr lang="en-US" sz="2400" dirty="0">
+                <a:solidFill>
+                  <a:schemeClr val="accent2"/>
+                </a:solidFill>
+              </a:rPr>
+              <a:t>output</a:t>
+            </a:r>
+            <a:r>
+              <a:rPr lang="en-US" sz="2400" dirty="0">
+                <a:solidFill>
+                  <a:srgbClr val="404040"/>
+                </a:solidFill>
+              </a:rPr>
+              <a:t> objects</a:t>
             </a:r>
           </a:p>
         </p:txBody>
@@ -53811,7 +59228,7 @@
         <p:spPr>
           <a:xfrm>
             <a:off x="3143672" y="3509887"/>
-            <a:ext cx="504056" cy="504056"/>
+            <a:ext cx="504056" cy="495177"/>
           </a:xfrm>
           <a:prstGeom prst="ellipse">
             <a:avLst/>
@@ -54198,6 +59615,99 @@
           </a:fontRef>
         </p:style>
       </p:cxnSp>
+      <p:sp>
+        <p:nvSpPr>
+          <p:cNvPr id="21" name="Oval 20">
+            <a:extLst>
+              <a:ext uri="{FF2B5EF4-FFF2-40B4-BE49-F238E27FC236}">
+                <a16:creationId xmlns:a16="http://schemas.microsoft.com/office/drawing/2014/main" id="{5B788BDF-7993-5649-8E22-3A5D6BA75DDA}"/>
+              </a:ext>
+            </a:extLst>
+          </p:cNvPr>
+          <p:cNvSpPr/>
+          <p:nvPr/>
+        </p:nvSpPr>
+        <p:spPr>
+          <a:xfrm>
+            <a:off x="3182988" y="3828773"/>
+            <a:ext cx="504056" cy="504056"/>
+          </a:xfrm>
+          <a:prstGeom prst="ellipse">
+            <a:avLst/>
+          </a:prstGeom>
+          <a:noFill/>
+          <a:ln>
+            <a:solidFill>
+              <a:schemeClr val="accent1"/>
+            </a:solidFill>
+          </a:ln>
+        </p:spPr>
+        <p:style>
+          <a:lnRef idx="2">
+            <a:schemeClr val="accent1">
+              <a:shade val="50000"/>
+            </a:schemeClr>
+          </a:lnRef>
+          <a:fillRef idx="1">
+            <a:schemeClr val="accent1"/>
+          </a:fillRef>
+          <a:effectRef idx="0">
+            <a:schemeClr val="accent1"/>
+          </a:effectRef>
+          <a:fontRef idx="minor">
+            <a:schemeClr val="lt1"/>
+          </a:fontRef>
+        </p:style>
+        <p:txBody>
+          <a:bodyPr rtlCol="0" anchor="ctr"/>
+          <a:lstStyle/>
+          <a:p>
+            <a:pPr algn="ctr"/>
+            <a:endParaRPr lang="en-US"/>
+          </a:p>
+        </p:txBody>
+      </p:sp>
+      <p:cxnSp>
+        <p:nvCxnSpPr>
+          <p:cNvPr id="22" name="Straight Arrow Connector 21">
+            <a:extLst>
+              <a:ext uri="{FF2B5EF4-FFF2-40B4-BE49-F238E27FC236}">
+                <a16:creationId xmlns:a16="http://schemas.microsoft.com/office/drawing/2014/main" id="{612B99F7-B9F9-5E40-A931-6A42F15053B7}"/>
+              </a:ext>
+            </a:extLst>
+          </p:cNvPr>
+          <p:cNvCxnSpPr>
+            <a:cxnSpLocks/>
+          </p:cNvCxnSpPr>
+          <p:nvPr/>
+        </p:nvCxnSpPr>
+        <p:spPr>
+          <a:xfrm>
+            <a:off x="2231904" y="3209231"/>
+            <a:ext cx="833136" cy="795833"/>
+          </a:xfrm>
+          <a:prstGeom prst="straightConnector1">
+            <a:avLst/>
+          </a:prstGeom>
+          <a:ln>
+            <a:tailEnd type="triangle"/>
+          </a:ln>
+        </p:spPr>
+        <p:style>
+          <a:lnRef idx="1">
+            <a:schemeClr val="accent1"/>
+          </a:lnRef>
+          <a:fillRef idx="0">
+            <a:schemeClr val="accent1"/>
+          </a:fillRef>
+          <a:effectRef idx="0">
+            <a:schemeClr val="accent1"/>
+          </a:effectRef>
+          <a:fontRef idx="minor">
+            <a:schemeClr val="tx1"/>
+          </a:fontRef>
+        </p:style>
+      </p:cxnSp>
     </p:spTree>
     <p:extLst>
       <p:ext uri="{BB962C8B-B14F-4D97-AF65-F5344CB8AC3E}">
@@ -54208,10 +59718,409 @@
   <p:clrMapOvr>
     <a:masterClrMapping/>
   </p:clrMapOvr>
+  <p:timing>
+    <p:tnLst>
+      <p:par>
+        <p:cTn id="1" dur="indefinite" restart="never" nodeType="tmRoot">
+          <p:childTnLst>
+            <p:seq concurrent="1" nextAc="seek">
+              <p:cTn id="2" dur="indefinite" nodeType="mainSeq">
+                <p:childTnLst>
+                  <p:par>
+                    <p:cTn id="3" fill="hold">
+                      <p:stCondLst>
+                        <p:cond delay="indefinite"/>
+                      </p:stCondLst>
+                      <p:childTnLst>
+                        <p:par>
+                          <p:cTn id="4" fill="hold">
+                            <p:stCondLst>
+                              <p:cond delay="0"/>
+                            </p:stCondLst>
+                            <p:childTnLst>
+                              <p:par>
+                                <p:cTn id="5" presetID="1" presetClass="entr" presetSubtype="0" fill="hold" grpId="0" nodeType="clickEffect">
+                                  <p:stCondLst>
+                                    <p:cond delay="0"/>
+                                  </p:stCondLst>
+                                  <p:childTnLst>
+                                    <p:set>
+                                      <p:cBhvr>
+                                        <p:cTn id="6" dur="1" fill="hold">
+                                          <p:stCondLst>
+                                            <p:cond delay="0"/>
+                                          </p:stCondLst>
+                                        </p:cTn>
+                                        <p:tgtEl>
+                                          <p:spTgt spid="9"/>
+                                        </p:tgtEl>
+                                        <p:attrNameLst>
+                                          <p:attrName>style.visibility</p:attrName>
+                                        </p:attrNameLst>
+                                      </p:cBhvr>
+                                      <p:to>
+                                        <p:strVal val="visible"/>
+                                      </p:to>
+                                    </p:set>
+                                  </p:childTnLst>
+                                </p:cTn>
+                              </p:par>
+                              <p:par>
+                                <p:cTn id="7" presetID="1" presetClass="entr" presetSubtype="0" fill="hold" nodeType="withEffect">
+                                  <p:stCondLst>
+                                    <p:cond delay="0"/>
+                                  </p:stCondLst>
+                                  <p:childTnLst>
+                                    <p:set>
+                                      <p:cBhvr>
+                                        <p:cTn id="8" dur="1" fill="hold">
+                                          <p:stCondLst>
+                                            <p:cond delay="0"/>
+                                          </p:stCondLst>
+                                        </p:cTn>
+                                        <p:tgtEl>
+                                          <p:spTgt spid="27"/>
+                                        </p:tgtEl>
+                                        <p:attrNameLst>
+                                          <p:attrName>style.visibility</p:attrName>
+                                        </p:attrNameLst>
+                                      </p:cBhvr>
+                                      <p:to>
+                                        <p:strVal val="visible"/>
+                                      </p:to>
+                                    </p:set>
+                                  </p:childTnLst>
+                                </p:cTn>
+                              </p:par>
+                              <p:par>
+                                <p:cTn id="9" presetID="1" presetClass="entr" presetSubtype="0" fill="hold" nodeType="withEffect">
+                                  <p:stCondLst>
+                                    <p:cond delay="0"/>
+                                  </p:stCondLst>
+                                  <p:childTnLst>
+                                    <p:set>
+                                      <p:cBhvr>
+                                        <p:cTn id="10" dur="1" fill="hold">
+                                          <p:stCondLst>
+                                            <p:cond delay="0"/>
+                                          </p:stCondLst>
+                                        </p:cTn>
+                                        <p:tgtEl>
+                                          <p:spTgt spid="11"/>
+                                        </p:tgtEl>
+                                        <p:attrNameLst>
+                                          <p:attrName>style.visibility</p:attrName>
+                                        </p:attrNameLst>
+                                      </p:cBhvr>
+                                      <p:to>
+                                        <p:strVal val="visible"/>
+                                      </p:to>
+                                    </p:set>
+                                  </p:childTnLst>
+                                </p:cTn>
+                              </p:par>
+                              <p:par>
+                                <p:cTn id="11" presetID="1" presetClass="entr" presetSubtype="0" fill="hold" nodeType="withEffect">
+                                  <p:stCondLst>
+                                    <p:cond delay="0"/>
+                                  </p:stCondLst>
+                                  <p:childTnLst>
+                                    <p:set>
+                                      <p:cBhvr>
+                                        <p:cTn id="12" dur="1" fill="hold">
+                                          <p:stCondLst>
+                                            <p:cond delay="0"/>
+                                          </p:stCondLst>
+                                        </p:cTn>
+                                        <p:tgtEl>
+                                          <p:spTgt spid="22"/>
+                                        </p:tgtEl>
+                                        <p:attrNameLst>
+                                          <p:attrName>style.visibility</p:attrName>
+                                        </p:attrNameLst>
+                                      </p:cBhvr>
+                                      <p:to>
+                                        <p:strVal val="visible"/>
+                                      </p:to>
+                                    </p:set>
+                                  </p:childTnLst>
+                                </p:cTn>
+                              </p:par>
+                              <p:par>
+                                <p:cTn id="13" presetID="1" presetClass="entr" presetSubtype="0" fill="hold" grpId="0" nodeType="withEffect">
+                                  <p:stCondLst>
+                                    <p:cond delay="0"/>
+                                  </p:stCondLst>
+                                  <p:childTnLst>
+                                    <p:set>
+                                      <p:cBhvr>
+                                        <p:cTn id="14" dur="1" fill="hold">
+                                          <p:stCondLst>
+                                            <p:cond delay="0"/>
+                                          </p:stCondLst>
+                                        </p:cTn>
+                                        <p:tgtEl>
+                                          <p:spTgt spid="6"/>
+                                        </p:tgtEl>
+                                        <p:attrNameLst>
+                                          <p:attrName>style.visibility</p:attrName>
+                                        </p:attrNameLst>
+                                      </p:cBhvr>
+                                      <p:to>
+                                        <p:strVal val="visible"/>
+                                      </p:to>
+                                    </p:set>
+                                  </p:childTnLst>
+                                </p:cTn>
+                              </p:par>
+                              <p:par>
+                                <p:cTn id="15" presetID="1" presetClass="entr" presetSubtype="0" fill="hold" grpId="0" nodeType="withEffect">
+                                  <p:stCondLst>
+                                    <p:cond delay="0"/>
+                                  </p:stCondLst>
+                                  <p:childTnLst>
+                                    <p:set>
+                                      <p:cBhvr>
+                                        <p:cTn id="16" dur="1" fill="hold">
+                                          <p:stCondLst>
+                                            <p:cond delay="0"/>
+                                          </p:stCondLst>
+                                        </p:cTn>
+                                        <p:tgtEl>
+                                          <p:spTgt spid="20"/>
+                                        </p:tgtEl>
+                                        <p:attrNameLst>
+                                          <p:attrName>style.visibility</p:attrName>
+                                        </p:attrNameLst>
+                                      </p:cBhvr>
+                                      <p:to>
+                                        <p:strVal val="visible"/>
+                                      </p:to>
+                                    </p:set>
+                                  </p:childTnLst>
+                                </p:cTn>
+                              </p:par>
+                              <p:par>
+                                <p:cTn id="17" presetID="1" presetClass="entr" presetSubtype="0" fill="hold" grpId="0" nodeType="withEffect">
+                                  <p:stCondLst>
+                                    <p:cond delay="0"/>
+                                  </p:stCondLst>
+                                  <p:childTnLst>
+                                    <p:set>
+                                      <p:cBhvr>
+                                        <p:cTn id="18" dur="1" fill="hold">
+                                          <p:stCondLst>
+                                            <p:cond delay="0"/>
+                                          </p:stCondLst>
+                                        </p:cTn>
+                                        <p:tgtEl>
+                                          <p:spTgt spid="21"/>
+                                        </p:tgtEl>
+                                        <p:attrNameLst>
+                                          <p:attrName>style.visibility</p:attrName>
+                                        </p:attrNameLst>
+                                      </p:cBhvr>
+                                      <p:to>
+                                        <p:strVal val="visible"/>
+                                      </p:to>
+                                    </p:set>
+                                  </p:childTnLst>
+                                </p:cTn>
+                              </p:par>
+                            </p:childTnLst>
+                          </p:cTn>
+                        </p:par>
+                      </p:childTnLst>
+                    </p:cTn>
+                  </p:par>
+                  <p:par>
+                    <p:cTn id="19" fill="hold">
+                      <p:stCondLst>
+                        <p:cond delay="indefinite"/>
+                      </p:stCondLst>
+                      <p:childTnLst>
+                        <p:par>
+                          <p:cTn id="20" fill="hold">
+                            <p:stCondLst>
+                              <p:cond delay="0"/>
+                            </p:stCondLst>
+                            <p:childTnLst>
+                              <p:par>
+                                <p:cTn id="21" presetID="1" presetClass="entr" presetSubtype="0" fill="hold" grpId="0" nodeType="clickEffect">
+                                  <p:stCondLst>
+                                    <p:cond delay="0"/>
+                                  </p:stCondLst>
+                                  <p:childTnLst>
+                                    <p:set>
+                                      <p:cBhvr>
+                                        <p:cTn id="22" dur="1" fill="hold">
+                                          <p:stCondLst>
+                                            <p:cond delay="0"/>
+                                          </p:stCondLst>
+                                        </p:cTn>
+                                        <p:tgtEl>
+                                          <p:spTgt spid="26"/>
+                                        </p:tgtEl>
+                                        <p:attrNameLst>
+                                          <p:attrName>style.visibility</p:attrName>
+                                        </p:attrNameLst>
+                                      </p:cBhvr>
+                                      <p:to>
+                                        <p:strVal val="visible"/>
+                                      </p:to>
+                                    </p:set>
+                                  </p:childTnLst>
+                                </p:cTn>
+                              </p:par>
+                              <p:par>
+                                <p:cTn id="23" presetID="1" presetClass="entr" presetSubtype="0" fill="hold" nodeType="withEffect">
+                                  <p:stCondLst>
+                                    <p:cond delay="0"/>
+                                  </p:stCondLst>
+                                  <p:childTnLst>
+                                    <p:set>
+                                      <p:cBhvr>
+                                        <p:cTn id="24" dur="1" fill="hold">
+                                          <p:stCondLst>
+                                            <p:cond delay="0"/>
+                                          </p:stCondLst>
+                                        </p:cTn>
+                                        <p:tgtEl>
+                                          <p:spTgt spid="34"/>
+                                        </p:tgtEl>
+                                        <p:attrNameLst>
+                                          <p:attrName>style.visibility</p:attrName>
+                                        </p:attrNameLst>
+                                      </p:cBhvr>
+                                      <p:to>
+                                        <p:strVal val="visible"/>
+                                      </p:to>
+                                    </p:set>
+                                  </p:childTnLst>
+                                </p:cTn>
+                              </p:par>
+                              <p:par>
+                                <p:cTn id="25" presetID="1" presetClass="entr" presetSubtype="0" fill="hold" nodeType="withEffect">
+                                  <p:stCondLst>
+                                    <p:cond delay="0"/>
+                                  </p:stCondLst>
+                                  <p:childTnLst>
+                                    <p:set>
+                                      <p:cBhvr>
+                                        <p:cTn id="26" dur="1" fill="hold">
+                                          <p:stCondLst>
+                                            <p:cond delay="0"/>
+                                          </p:stCondLst>
+                                        </p:cTn>
+                                        <p:tgtEl>
+                                          <p:spTgt spid="28"/>
+                                        </p:tgtEl>
+                                        <p:attrNameLst>
+                                          <p:attrName>style.visibility</p:attrName>
+                                        </p:attrNameLst>
+                                      </p:cBhvr>
+                                      <p:to>
+                                        <p:strVal val="visible"/>
+                                      </p:to>
+                                    </p:set>
+                                  </p:childTnLst>
+                                </p:cTn>
+                              </p:par>
+                              <p:par>
+                                <p:cTn id="27" presetID="1" presetClass="entr" presetSubtype="0" fill="hold" grpId="0" nodeType="withEffect">
+                                  <p:stCondLst>
+                                    <p:cond delay="0"/>
+                                  </p:stCondLst>
+                                  <p:childTnLst>
+                                    <p:set>
+                                      <p:cBhvr>
+                                        <p:cTn id="28" dur="1" fill="hold">
+                                          <p:stCondLst>
+                                            <p:cond delay="0"/>
+                                          </p:stCondLst>
+                                        </p:cTn>
+                                        <p:tgtEl>
+                                          <p:spTgt spid="25"/>
+                                        </p:tgtEl>
+                                        <p:attrNameLst>
+                                          <p:attrName>style.visibility</p:attrName>
+                                        </p:attrNameLst>
+                                      </p:cBhvr>
+                                      <p:to>
+                                        <p:strVal val="visible"/>
+                                      </p:to>
+                                    </p:set>
+                                  </p:childTnLst>
+                                </p:cTn>
+                              </p:par>
+                              <p:par>
+                                <p:cTn id="29" presetID="1" presetClass="entr" presetSubtype="0" fill="hold" grpId="0" nodeType="withEffect">
+                                  <p:stCondLst>
+                                    <p:cond delay="0"/>
+                                  </p:stCondLst>
+                                  <p:childTnLst>
+                                    <p:set>
+                                      <p:cBhvr>
+                                        <p:cTn id="30" dur="1" fill="hold">
+                                          <p:stCondLst>
+                                            <p:cond delay="0"/>
+                                          </p:stCondLst>
+                                        </p:cTn>
+                                        <p:tgtEl>
+                                          <p:spTgt spid="33"/>
+                                        </p:tgtEl>
+                                        <p:attrNameLst>
+                                          <p:attrName>style.visibility</p:attrName>
+                                        </p:attrNameLst>
+                                      </p:cBhvr>
+                                      <p:to>
+                                        <p:strVal val="visible"/>
+                                      </p:to>
+                                    </p:set>
+                                  </p:childTnLst>
+                                </p:cTn>
+                              </p:par>
+                            </p:childTnLst>
+                          </p:cTn>
+                        </p:par>
+                      </p:childTnLst>
+                    </p:cTn>
+                  </p:par>
+                </p:childTnLst>
+              </p:cTn>
+              <p:prevCondLst>
+                <p:cond evt="onPrev" delay="0">
+                  <p:tgtEl>
+                    <p:sldTgt/>
+                  </p:tgtEl>
+                </p:cond>
+              </p:prevCondLst>
+              <p:nextCondLst>
+                <p:cond evt="onNext" delay="0">
+                  <p:tgtEl>
+                    <p:sldTgt/>
+                  </p:tgtEl>
+                </p:cond>
+              </p:nextCondLst>
+            </p:seq>
+          </p:childTnLst>
+        </p:cTn>
+      </p:par>
+    </p:tnLst>
+    <p:bldLst>
+      <p:bldP spid="6" grpId="0" animBg="1"/>
+      <p:bldP spid="20" grpId="0" animBg="1"/>
+      <p:bldP spid="25" grpId="0" animBg="1"/>
+      <p:bldP spid="9" grpId="0"/>
+      <p:bldP spid="26" grpId="0"/>
+      <p:bldP spid="33" grpId="0" animBg="1"/>
+      <p:bldP spid="21" grpId="0" animBg="1"/>
+    </p:bldLst>
+  </p:timing>
 </p:sld>
 </file>
 
-<file path=ppt/slides/slide7.xml><?xml version="1.0" encoding="utf-8"?>
+<file path=ppt/slides/slide8.xml><?xml version="1.0" encoding="utf-8"?>
 <p:sld xmlns:a="http://schemas.openxmlformats.org/drawingml/2006/main" xmlns:r="http://schemas.openxmlformats.org/officeDocument/2006/relationships" xmlns:p="http://schemas.openxmlformats.org/presentationml/2006/main">
   <p:cSld>
     <p:spTree>
@@ -54230,10 +60139,10 @@
       </p:grpSpPr>
       <p:pic>
         <p:nvPicPr>
-          <p:cNvPr id="3" name="Picture 2">
+          <p:cNvPr id="5" name="Picture 4">
             <a:extLst>
               <a:ext uri="{FF2B5EF4-FFF2-40B4-BE49-F238E27FC236}">
-                <a16:creationId xmlns:a16="http://schemas.microsoft.com/office/drawing/2014/main" id="{7C72B7F8-FFBA-FA46-A86C-BD1CBD53CAEB}"/>
+                <a16:creationId xmlns:a16="http://schemas.microsoft.com/office/drawing/2014/main" id="{26A9BC91-987E-DC48-91C5-82AEA6505B7D}"/>
               </a:ext>
             </a:extLst>
           </p:cNvPr>
@@ -54250,13 +60159,13 @@
         </p:blipFill>
         <p:spPr>
           <a:xfrm>
-            <a:off x="4943872" y="1664990"/>
-            <a:ext cx="5283200" cy="3797300"/>
+            <a:off x="4959548" y="1669169"/>
+            <a:ext cx="5168900" cy="3886200"/>
           </a:xfrm>
           <a:prstGeom prst="rect">
             <a:avLst/>
           </a:prstGeom>
-          <a:ln w="12700">
+          <a:ln>
             <a:solidFill>
               <a:schemeClr val="tx1"/>
             </a:solidFill>
@@ -54265,10 +60174,10 @@
       </p:pic>
       <p:pic>
         <p:nvPicPr>
-          <p:cNvPr id="2" name="Picture 1">
+          <p:cNvPr id="4" name="Picture 3">
             <a:extLst>
               <a:ext uri="{FF2B5EF4-FFF2-40B4-BE49-F238E27FC236}">
-                <a16:creationId xmlns:a16="http://schemas.microsoft.com/office/drawing/2014/main" id="{02B5BBEE-8C2D-D749-9B7A-0528B2BCE784}"/>
+                <a16:creationId xmlns:a16="http://schemas.microsoft.com/office/drawing/2014/main" id="{BDE16F30-FA04-CD45-B405-264030E7208A}"/>
               </a:ext>
             </a:extLst>
           </p:cNvPr>
@@ -54285,13 +60194,13 @@
         </p:blipFill>
         <p:spPr>
           <a:xfrm>
-            <a:off x="1271464" y="1988840"/>
-            <a:ext cx="2921000" cy="3149600"/>
+            <a:off x="1254820" y="2015396"/>
+            <a:ext cx="2794000" cy="3238500"/>
           </a:xfrm>
           <a:prstGeom prst="rect">
             <a:avLst/>
           </a:prstGeom>
-          <a:ln w="12700">
+          <a:ln>
             <a:solidFill>
               <a:schemeClr val="tx1"/>
             </a:solidFill>
@@ -54352,7 +60261,7 @@
             <a:fld id="{D0A7EFCE-C288-4C08-82BF-A166ED293115}" type="slidenum">
               <a:rPr lang="en-GB" smtClean="0"/>
               <a:pPr/>
-              <a:t>7</a:t>
+              <a:t>8</a:t>
             </a:fld>
             <a:endParaRPr lang="en-GB" dirty="0"/>
           </a:p>
@@ -54420,7 +60329,39 @@
                   <a:srgbClr val="404040"/>
                 </a:solidFill>
               </a:rPr>
-              <a:t>In every Shiny app, we’re working with input and output objects</a:t>
+              <a:t>In every Shiny app, we’re working with </a:t>
+            </a:r>
+            <a:r>
+              <a:rPr lang="en-US" sz="2400" dirty="0">
+                <a:solidFill>
+                  <a:schemeClr val="accent1"/>
+                </a:solidFill>
+              </a:rPr>
+              <a:t>input</a:t>
+            </a:r>
+            <a:r>
+              <a:rPr lang="en-US" sz="2400" dirty="0">
+                <a:solidFill>
+                  <a:srgbClr val="404040"/>
+                </a:solidFill>
+              </a:rPr>
+              <a:t> and </a:t>
+            </a:r>
+            <a:r>
+              <a:rPr lang="en-US" sz="2400" dirty="0">
+                <a:solidFill>
+                  <a:schemeClr val="accent2"/>
+                </a:solidFill>
+              </a:rPr>
+              <a:t>output</a:t>
+            </a:r>
+            <a:r>
+              <a:rPr lang="en-US" sz="2400" dirty="0">
+                <a:solidFill>
+                  <a:srgbClr val="404040"/>
+                </a:solidFill>
+              </a:rPr>
+              <a:t> objects</a:t>
             </a:r>
           </a:p>
         </p:txBody>
@@ -54543,7 +60484,7 @@
         </p:nvSpPr>
         <p:spPr>
           <a:xfrm>
-            <a:off x="1749686" y="3933056"/>
+            <a:off x="1775520" y="4061926"/>
             <a:ext cx="1249970" cy="432048"/>
           </a:xfrm>
           <a:prstGeom prst="ellipse">
@@ -54595,7 +60536,7 @@
         </p:nvSpPr>
         <p:spPr>
           <a:xfrm>
-            <a:off x="1861692" y="4491444"/>
+            <a:off x="1861692" y="4636787"/>
             <a:ext cx="1137964" cy="298931"/>
           </a:xfrm>
           <a:prstGeom prst="ellipse">
@@ -54909,6 +60850,58 @@
           <a:xfrm>
             <a:off x="7823212" y="4005064"/>
             <a:ext cx="649052" cy="216062"/>
+          </a:xfrm>
+          <a:prstGeom prst="ellipse">
+            <a:avLst/>
+          </a:prstGeom>
+          <a:noFill/>
+          <a:ln w="9525">
+            <a:solidFill>
+              <a:schemeClr val="accent1"/>
+            </a:solidFill>
+          </a:ln>
+        </p:spPr>
+        <p:style>
+          <a:lnRef idx="2">
+            <a:schemeClr val="accent1">
+              <a:shade val="50000"/>
+            </a:schemeClr>
+          </a:lnRef>
+          <a:fillRef idx="1">
+            <a:schemeClr val="accent1"/>
+          </a:fillRef>
+          <a:effectRef idx="0">
+            <a:schemeClr val="accent1"/>
+          </a:effectRef>
+          <a:fontRef idx="minor">
+            <a:schemeClr val="lt1"/>
+          </a:fontRef>
+        </p:style>
+        <p:txBody>
+          <a:bodyPr rtlCol="0" anchor="ctr"/>
+          <a:lstStyle/>
+          <a:p>
+            <a:pPr algn="ctr"/>
+            <a:endParaRPr lang="en-US"/>
+          </a:p>
+        </p:txBody>
+      </p:sp>
+      <p:sp>
+        <p:nvSpPr>
+          <p:cNvPr id="20" name="Oval 19">
+            <a:extLst>
+              <a:ext uri="{FF2B5EF4-FFF2-40B4-BE49-F238E27FC236}">
+                <a16:creationId xmlns:a16="http://schemas.microsoft.com/office/drawing/2014/main" id="{3D038AEF-650C-2849-979C-9C04D5D1D0B8}"/>
+              </a:ext>
+            </a:extLst>
+          </p:cNvPr>
+          <p:cNvSpPr/>
+          <p:nvPr/>
+        </p:nvSpPr>
+        <p:spPr>
+          <a:xfrm>
+            <a:off x="1861692" y="3522340"/>
+            <a:ext cx="915764" cy="294809"/>
           </a:xfrm>
           <a:prstGeom prst="ellipse">
             <a:avLst/>
@@ -55079,7 +61072,7 @@
                                           </p:stCondLst>
                                         </p:cTn>
                                         <p:tgtEl>
-                                          <p:spTgt spid="23"/>
+                                          <p:spTgt spid="20"/>
                                         </p:tgtEl>
                                         <p:attrNameLst>
                                           <p:attrName>style.visibility</p:attrName>
@@ -55124,7 +61117,7 @@
                                           </p:stCondLst>
                                         </p:cTn>
                                         <p:tgtEl>
-                                          <p:spTgt spid="24"/>
+                                          <p:spTgt spid="23"/>
                                         </p:tgtEl>
                                         <p:attrNameLst>
                                           <p:attrName>style.visibility</p:attrName>
@@ -55169,7 +61162,7 @@
                                           </p:stCondLst>
                                         </p:cTn>
                                         <p:tgtEl>
-                                          <p:spTgt spid="29"/>
+                                          <p:spTgt spid="24"/>
                                         </p:tgtEl>
                                         <p:attrNameLst>
                                           <p:attrName>style.visibility</p:attrName>
@@ -55214,7 +61207,7 @@
                                           </p:stCondLst>
                                         </p:cTn>
                                         <p:tgtEl>
-                                          <p:spTgt spid="30"/>
+                                          <p:spTgt spid="29"/>
                                         </p:tgtEl>
                                         <p:attrNameLst>
                                           <p:attrName>style.visibility</p:attrName>
@@ -55259,7 +61252,7 @@
                                           </p:stCondLst>
                                         </p:cTn>
                                         <p:tgtEl>
-                                          <p:spTgt spid="31"/>
+                                          <p:spTgt spid="30"/>
                                         </p:tgtEl>
                                         <p:attrNameLst>
                                           <p:attrName>style.visibility</p:attrName>
@@ -55304,7 +61297,7 @@
                                           </p:stCondLst>
                                         </p:cTn>
                                         <p:tgtEl>
-                                          <p:spTgt spid="35"/>
+                                          <p:spTgt spid="31"/>
                                         </p:tgtEl>
                                         <p:attrNameLst>
                                           <p:attrName>style.visibility</p:attrName>
@@ -55349,7 +61342,7 @@
                                           </p:stCondLst>
                                         </p:cTn>
                                         <p:tgtEl>
-                                          <p:spTgt spid="36"/>
+                                          <p:spTgt spid="35"/>
                                         </p:tgtEl>
                                         <p:attrNameLst>
                                           <p:attrName>style.visibility</p:attrName>
@@ -55389,6 +61382,51 @@
                                     <p:set>
                                       <p:cBhvr>
                                         <p:cTn id="42" dur="1" fill="hold">
+                                          <p:stCondLst>
+                                            <p:cond delay="0"/>
+                                          </p:stCondLst>
+                                        </p:cTn>
+                                        <p:tgtEl>
+                                          <p:spTgt spid="36"/>
+                                        </p:tgtEl>
+                                        <p:attrNameLst>
+                                          <p:attrName>style.visibility</p:attrName>
+                                        </p:attrNameLst>
+                                      </p:cBhvr>
+                                      <p:to>
+                                        <p:strVal val="visible"/>
+                                      </p:to>
+                                    </p:set>
+                                  </p:childTnLst>
+                                </p:cTn>
+                              </p:par>
+                            </p:childTnLst>
+                          </p:cTn>
+                        </p:par>
+                      </p:childTnLst>
+                    </p:cTn>
+                  </p:par>
+                  <p:par>
+                    <p:cTn id="43" fill="hold">
+                      <p:stCondLst>
+                        <p:cond delay="indefinite"/>
+                      </p:stCondLst>
+                      <p:childTnLst>
+                        <p:par>
+                          <p:cTn id="44" fill="hold">
+                            <p:stCondLst>
+                              <p:cond delay="0"/>
+                            </p:stCondLst>
+                            <p:childTnLst>
+                              <p:par>
+                                <p:cTn id="45" presetID="1" presetClass="entr" presetSubtype="0" fill="hold" grpId="0" nodeType="clickEffect">
+                                  <p:stCondLst>
+                                    <p:cond delay="0"/>
+                                  </p:stCondLst>
+                                  <p:childTnLst>
+                                    <p:set>
+                                      <p:cBhvr>
+                                        <p:cTn id="46" dur="1" fill="hold">
                                           <p:stCondLst>
                                             <p:cond delay="0"/>
                                           </p:stCondLst>
@@ -55445,12 +61483,13 @@
       <p:bldP spid="35" grpId="0" animBg="1"/>
       <p:bldP spid="36" grpId="0" animBg="1"/>
       <p:bldP spid="37" grpId="0" animBg="1"/>
+      <p:bldP spid="20" grpId="0" animBg="1"/>
     </p:bldLst>
   </p:timing>
 </p:sld>
 </file>
 
-<file path=ppt/slides/slide8.xml><?xml version="1.0" encoding="utf-8"?>
+<file path=ppt/slides/slide9.xml><?xml version="1.0" encoding="utf-8"?>
 <p:sld xmlns:a="http://schemas.openxmlformats.org/drawingml/2006/main" xmlns:r="http://schemas.openxmlformats.org/officeDocument/2006/relationships" xmlns:p="http://schemas.openxmlformats.org/presentationml/2006/main">
   <p:cSld>
     <p:spTree>
@@ -55467,16 +61506,653 @@
           <a:chExt cx="0" cy="0"/>
         </a:xfrm>
       </p:grpSpPr>
+      <p:pic>
+        <p:nvPicPr>
+          <p:cNvPr id="32" name="Picture 31">
+            <a:extLst>
+              <a:ext uri="{FF2B5EF4-FFF2-40B4-BE49-F238E27FC236}">
+                <a16:creationId xmlns:a16="http://schemas.microsoft.com/office/drawing/2014/main" id="{33DA5296-E6F8-5442-B16E-72B77EF5E23D}"/>
+              </a:ext>
+            </a:extLst>
+          </p:cNvPr>
+          <p:cNvPicPr>
+            <a:picLocks noChangeAspect="1"/>
+          </p:cNvPicPr>
+          <p:nvPr/>
+        </p:nvPicPr>
+        <p:blipFill>
+          <a:blip r:embed="rId3"/>
+          <a:stretch>
+            <a:fillRect/>
+          </a:stretch>
+        </p:blipFill>
+        <p:spPr>
+          <a:xfrm>
+            <a:off x="1254820" y="2015396"/>
+            <a:ext cx="2794000" cy="3238500"/>
+          </a:xfrm>
+          <a:prstGeom prst="rect">
+            <a:avLst/>
+          </a:prstGeom>
+          <a:ln>
+            <a:solidFill>
+              <a:schemeClr val="tx1"/>
+            </a:solidFill>
+          </a:ln>
+        </p:spPr>
+      </p:pic>
+      <p:pic>
+        <p:nvPicPr>
+          <p:cNvPr id="28" name="Picture 27">
+            <a:extLst>
+              <a:ext uri="{FF2B5EF4-FFF2-40B4-BE49-F238E27FC236}">
+                <a16:creationId xmlns:a16="http://schemas.microsoft.com/office/drawing/2014/main" id="{B4E9610C-3B89-ED49-9BF1-38BFE9C586D4}"/>
+              </a:ext>
+            </a:extLst>
+          </p:cNvPr>
+          <p:cNvPicPr>
+            <a:picLocks noChangeAspect="1"/>
+          </p:cNvPicPr>
+          <p:nvPr/>
+        </p:nvPicPr>
+        <p:blipFill>
+          <a:blip r:embed="rId4"/>
+          <a:stretch>
+            <a:fillRect/>
+          </a:stretch>
+        </p:blipFill>
+        <p:spPr>
+          <a:xfrm>
+            <a:off x="4959548" y="1669169"/>
+            <a:ext cx="5168900" cy="3886200"/>
+          </a:xfrm>
+          <a:prstGeom prst="rect">
+            <a:avLst/>
+          </a:prstGeom>
+          <a:ln>
+            <a:solidFill>
+              <a:schemeClr val="tx1"/>
+            </a:solidFill>
+          </a:ln>
+        </p:spPr>
+      </p:pic>
+      <p:sp>
+        <p:nvSpPr>
+          <p:cNvPr id="19" name="Text Placeholder 18"/>
+          <p:cNvSpPr>
+            <a:spLocks noGrp="1"/>
+          </p:cNvSpPr>
+          <p:nvPr>
+            <p:ph type="body" sz="quarter" idx="14"/>
+          </p:nvPr>
+        </p:nvSpPr>
+        <p:spPr/>
+        <p:txBody>
+          <a:bodyPr/>
+          <a:lstStyle/>
+          <a:p>
+            <a:r>
+              <a:rPr lang="en-GB" dirty="0"/>
+              <a:t>For a more detailed overview of reactivity in Shiny, visit this website: </a:t>
+            </a:r>
+            <a:r>
+              <a:rPr lang="en-GB" dirty="0">
+                <a:hlinkClick r:id="rId5"/>
+              </a:rPr>
+              <a:t>https://shiny.rstudio.com/articles/reactivity-overview.html</a:t>
+            </a:r>
+            <a:r>
+              <a:rPr lang="en-GB" dirty="0"/>
+              <a:t> </a:t>
+            </a:r>
+          </a:p>
+        </p:txBody>
+      </p:sp>
+      <p:sp>
+        <p:nvSpPr>
+          <p:cNvPr id="18" name="Slide Number Placeholder 17"/>
+          <p:cNvSpPr>
+            <a:spLocks noGrp="1"/>
+          </p:cNvSpPr>
+          <p:nvPr>
+            <p:ph type="sldNum" sz="quarter" idx="16"/>
+          </p:nvPr>
+        </p:nvSpPr>
+        <p:spPr/>
+        <p:txBody>
+          <a:bodyPr/>
+          <a:lstStyle/>
+          <a:p>
+            <a:r>
+              <a:rPr lang="en-GB" dirty="0"/>
+              <a:t>Page </a:t>
+            </a:r>
+            <a:fld id="{D0A7EFCE-C288-4C08-82BF-A166ED293115}" type="slidenum">
+              <a:rPr lang="en-GB" smtClean="0"/>
+              <a:pPr/>
+              <a:t>9</a:t>
+            </a:fld>
+            <a:endParaRPr lang="en-GB" dirty="0"/>
+          </a:p>
+        </p:txBody>
+      </p:sp>
+      <p:sp>
+        <p:nvSpPr>
+          <p:cNvPr id="7" name="Title 6"/>
+          <p:cNvSpPr>
+            <a:spLocks noGrp="1"/>
+          </p:cNvSpPr>
+          <p:nvPr>
+            <p:ph type="title"/>
+          </p:nvPr>
+        </p:nvSpPr>
+        <p:spPr>
+          <a:xfrm>
+            <a:off x="474056" y="214421"/>
+            <a:ext cx="11268000" cy="396000"/>
+          </a:xfrm>
+        </p:spPr>
+        <p:txBody>
+          <a:bodyPr>
+            <a:noAutofit/>
+          </a:bodyPr>
+          <a:lstStyle/>
+          <a:p>
+            <a:r>
+              <a:rPr lang="en-GB" sz="3600" dirty="0"/>
+              <a:t>Reactivity</a:t>
+            </a:r>
+          </a:p>
+        </p:txBody>
+      </p:sp>
+      <p:sp>
+        <p:nvSpPr>
+          <p:cNvPr id="8" name="TextBox 7">
+            <a:extLst>
+              <a:ext uri="{FF2B5EF4-FFF2-40B4-BE49-F238E27FC236}">
+                <a16:creationId xmlns:a16="http://schemas.microsoft.com/office/drawing/2014/main" id="{0473A729-0C3E-B742-BCF9-08C3E68352EF}"/>
+              </a:ext>
+            </a:extLst>
+          </p:cNvPr>
+          <p:cNvSpPr txBox="1"/>
+          <p:nvPr/>
+        </p:nvSpPr>
+        <p:spPr>
+          <a:xfrm>
+            <a:off x="515380" y="908720"/>
+            <a:ext cx="10909212" cy="369332"/>
+          </a:xfrm>
+          <a:prstGeom prst="rect">
+            <a:avLst/>
+          </a:prstGeom>
+        </p:spPr>
+        <p:txBody>
+          <a:bodyPr wrap="square" lIns="0" tIns="0" rIns="0" bIns="0" rtlCol="0">
+            <a:spAutoFit/>
+          </a:bodyPr>
+          <a:lstStyle/>
+          <a:p>
+            <a:r>
+              <a:rPr lang="en-US" sz="2400" dirty="0">
+                <a:solidFill>
+                  <a:srgbClr val="404040"/>
+                </a:solidFill>
+              </a:rPr>
+              <a:t>When output objects depend on input objects, they need to be placed in a </a:t>
+            </a:r>
+            <a:r>
+              <a:rPr lang="en-US" sz="2400" dirty="0">
+                <a:solidFill>
+                  <a:schemeClr val="accent3"/>
+                </a:solidFill>
+              </a:rPr>
+              <a:t>reactive</a:t>
+            </a:r>
+            <a:r>
+              <a:rPr lang="en-US" sz="2400" dirty="0">
+                <a:solidFill>
+                  <a:srgbClr val="404040"/>
+                </a:solidFill>
+              </a:rPr>
+              <a:t> context </a:t>
+            </a:r>
+          </a:p>
+        </p:txBody>
+      </p:sp>
+      <p:sp>
+        <p:nvSpPr>
+          <p:cNvPr id="20" name="Oval 19">
+            <a:extLst>
+              <a:ext uri="{FF2B5EF4-FFF2-40B4-BE49-F238E27FC236}">
+                <a16:creationId xmlns:a16="http://schemas.microsoft.com/office/drawing/2014/main" id="{DF5C3DCA-0765-F44A-BB20-A969A55BB1EE}"/>
+              </a:ext>
+            </a:extLst>
+          </p:cNvPr>
+          <p:cNvSpPr/>
+          <p:nvPr/>
+        </p:nvSpPr>
+        <p:spPr>
+          <a:xfrm>
+            <a:off x="6030000" y="2592000"/>
+            <a:ext cx="774086" cy="216024"/>
+          </a:xfrm>
+          <a:prstGeom prst="ellipse">
+            <a:avLst/>
+          </a:prstGeom>
+          <a:noFill/>
+          <a:ln w="9525">
+            <a:solidFill>
+              <a:schemeClr val="accent3"/>
+            </a:solidFill>
+          </a:ln>
+        </p:spPr>
+        <p:style>
+          <a:lnRef idx="2">
+            <a:schemeClr val="accent1">
+              <a:shade val="50000"/>
+            </a:schemeClr>
+          </a:lnRef>
+          <a:fillRef idx="1">
+            <a:schemeClr val="accent1"/>
+          </a:fillRef>
+          <a:effectRef idx="0">
+            <a:schemeClr val="accent1"/>
+          </a:effectRef>
+          <a:fontRef idx="minor">
+            <a:schemeClr val="lt1"/>
+          </a:fontRef>
+        </p:style>
+        <p:txBody>
+          <a:bodyPr rtlCol="0" anchor="ctr"/>
+          <a:lstStyle/>
+          <a:p>
+            <a:pPr algn="ctr"/>
+            <a:endParaRPr lang="en-US"/>
+          </a:p>
+        </p:txBody>
+      </p:sp>
+      <p:sp>
+        <p:nvSpPr>
+          <p:cNvPr id="25" name="Oval 24">
+            <a:extLst>
+              <a:ext uri="{FF2B5EF4-FFF2-40B4-BE49-F238E27FC236}">
+                <a16:creationId xmlns:a16="http://schemas.microsoft.com/office/drawing/2014/main" id="{6CD1EC5E-2C85-1244-AE56-FDCE2806F1D2}"/>
+              </a:ext>
+            </a:extLst>
+          </p:cNvPr>
+          <p:cNvSpPr/>
+          <p:nvPr/>
+        </p:nvSpPr>
+        <p:spPr>
+          <a:xfrm>
+            <a:off x="6125320" y="3217095"/>
+            <a:ext cx="774086" cy="216024"/>
+          </a:xfrm>
+          <a:prstGeom prst="ellipse">
+            <a:avLst/>
+          </a:prstGeom>
+          <a:noFill/>
+          <a:ln w="9525">
+            <a:solidFill>
+              <a:schemeClr val="accent3"/>
+            </a:solidFill>
+          </a:ln>
+        </p:spPr>
+        <p:style>
+          <a:lnRef idx="2">
+            <a:schemeClr val="accent1">
+              <a:shade val="50000"/>
+            </a:schemeClr>
+          </a:lnRef>
+          <a:fillRef idx="1">
+            <a:schemeClr val="accent1"/>
+          </a:fillRef>
+          <a:effectRef idx="0">
+            <a:schemeClr val="accent1"/>
+          </a:effectRef>
+          <a:fontRef idx="minor">
+            <a:schemeClr val="lt1"/>
+          </a:fontRef>
+        </p:style>
+        <p:txBody>
+          <a:bodyPr rtlCol="0" anchor="ctr"/>
+          <a:lstStyle/>
+          <a:p>
+            <a:pPr algn="ctr"/>
+            <a:endParaRPr lang="en-US"/>
+          </a:p>
+        </p:txBody>
+      </p:sp>
+      <p:sp>
+        <p:nvSpPr>
+          <p:cNvPr id="26" name="Oval 25">
+            <a:extLst>
+              <a:ext uri="{FF2B5EF4-FFF2-40B4-BE49-F238E27FC236}">
+                <a16:creationId xmlns:a16="http://schemas.microsoft.com/office/drawing/2014/main" id="{7F4210CA-3181-DD4E-9927-C589E24E78A0}"/>
+              </a:ext>
+            </a:extLst>
+          </p:cNvPr>
+          <p:cNvSpPr/>
+          <p:nvPr/>
+        </p:nvSpPr>
+        <p:spPr>
+          <a:xfrm>
+            <a:off x="6108056" y="3892584"/>
+            <a:ext cx="774086" cy="216024"/>
+          </a:xfrm>
+          <a:prstGeom prst="ellipse">
+            <a:avLst/>
+          </a:prstGeom>
+          <a:noFill/>
+          <a:ln w="9525">
+            <a:solidFill>
+              <a:schemeClr val="accent3"/>
+            </a:solidFill>
+          </a:ln>
+        </p:spPr>
+        <p:style>
+          <a:lnRef idx="2">
+            <a:schemeClr val="accent1">
+              <a:shade val="50000"/>
+            </a:schemeClr>
+          </a:lnRef>
+          <a:fillRef idx="1">
+            <a:schemeClr val="accent1"/>
+          </a:fillRef>
+          <a:effectRef idx="0">
+            <a:schemeClr val="accent1"/>
+          </a:effectRef>
+          <a:fontRef idx="minor">
+            <a:schemeClr val="lt1"/>
+          </a:fontRef>
+        </p:style>
+        <p:txBody>
+          <a:bodyPr rtlCol="0" anchor="ctr"/>
+          <a:lstStyle/>
+          <a:p>
+            <a:pPr algn="ctr"/>
+            <a:endParaRPr lang="en-US"/>
+          </a:p>
+        </p:txBody>
+      </p:sp>
+      <p:sp>
+        <p:nvSpPr>
+          <p:cNvPr id="27" name="Oval 26">
+            <a:extLst>
+              <a:ext uri="{FF2B5EF4-FFF2-40B4-BE49-F238E27FC236}">
+                <a16:creationId xmlns:a16="http://schemas.microsoft.com/office/drawing/2014/main" id="{7CBEB6F6-6EF7-994D-A20D-2422E489CF26}"/>
+              </a:ext>
+            </a:extLst>
+          </p:cNvPr>
+          <p:cNvSpPr/>
+          <p:nvPr/>
+        </p:nvSpPr>
+        <p:spPr>
+          <a:xfrm>
+            <a:off x="5839500" y="2915850"/>
+            <a:ext cx="774086" cy="216024"/>
+          </a:xfrm>
+          <a:prstGeom prst="ellipse">
+            <a:avLst/>
+          </a:prstGeom>
+          <a:noFill/>
+          <a:ln w="9525">
+            <a:solidFill>
+              <a:schemeClr val="accent3"/>
+            </a:solidFill>
+          </a:ln>
+        </p:spPr>
+        <p:style>
+          <a:lnRef idx="2">
+            <a:schemeClr val="accent1">
+              <a:shade val="50000"/>
+            </a:schemeClr>
+          </a:lnRef>
+          <a:fillRef idx="1">
+            <a:schemeClr val="accent1"/>
+          </a:fillRef>
+          <a:effectRef idx="0">
+            <a:schemeClr val="accent1"/>
+          </a:effectRef>
+          <a:fontRef idx="minor">
+            <a:schemeClr val="lt1"/>
+          </a:fontRef>
+        </p:style>
+        <p:txBody>
+          <a:bodyPr rtlCol="0" anchor="ctr"/>
+          <a:lstStyle/>
+          <a:p>
+            <a:pPr algn="ctr"/>
+            <a:endParaRPr lang="en-US"/>
+          </a:p>
+        </p:txBody>
+      </p:sp>
     </p:spTree>
     <p:extLst>
       <p:ext uri="{BB962C8B-B14F-4D97-AF65-F5344CB8AC3E}">
-        <p14:creationId xmlns:p14="http://schemas.microsoft.com/office/powerpoint/2010/main" val="2779763976"/>
+        <p14:creationId xmlns:p14="http://schemas.microsoft.com/office/powerpoint/2010/main" val="3247139318"/>
       </p:ext>
     </p:extLst>
   </p:cSld>
   <p:clrMapOvr>
     <a:masterClrMapping/>
   </p:clrMapOvr>
+  <p:timing>
+    <p:tnLst>
+      <p:par>
+        <p:cTn id="1" dur="indefinite" restart="never" nodeType="tmRoot">
+          <p:childTnLst>
+            <p:seq concurrent="1" nextAc="seek">
+              <p:cTn id="2" dur="indefinite" nodeType="mainSeq">
+                <p:childTnLst>
+                  <p:par>
+                    <p:cTn id="3" fill="hold">
+                      <p:stCondLst>
+                        <p:cond delay="indefinite"/>
+                      </p:stCondLst>
+                      <p:childTnLst>
+                        <p:par>
+                          <p:cTn id="4" fill="hold">
+                            <p:stCondLst>
+                              <p:cond delay="0"/>
+                            </p:stCondLst>
+                            <p:childTnLst>
+                              <p:par>
+                                <p:cTn id="5" presetID="1" presetClass="entr" presetSubtype="0" fill="hold" grpId="0" nodeType="clickEffect">
+                                  <p:stCondLst>
+                                    <p:cond delay="0"/>
+                                  </p:stCondLst>
+                                  <p:childTnLst>
+                                    <p:set>
+                                      <p:cBhvr>
+                                        <p:cTn id="6" dur="1" fill="hold">
+                                          <p:stCondLst>
+                                            <p:cond delay="0"/>
+                                          </p:stCondLst>
+                                        </p:cTn>
+                                        <p:tgtEl>
+                                          <p:spTgt spid="20"/>
+                                        </p:tgtEl>
+                                        <p:attrNameLst>
+                                          <p:attrName>style.visibility</p:attrName>
+                                        </p:attrNameLst>
+                                      </p:cBhvr>
+                                      <p:to>
+                                        <p:strVal val="visible"/>
+                                      </p:to>
+                                    </p:set>
+                                  </p:childTnLst>
+                                </p:cTn>
+                              </p:par>
+                            </p:childTnLst>
+                          </p:cTn>
+                        </p:par>
+                      </p:childTnLst>
+                    </p:cTn>
+                  </p:par>
+                  <p:par>
+                    <p:cTn id="7" fill="hold">
+                      <p:stCondLst>
+                        <p:cond delay="indefinite"/>
+                      </p:stCondLst>
+                      <p:childTnLst>
+                        <p:par>
+                          <p:cTn id="8" fill="hold">
+                            <p:stCondLst>
+                              <p:cond delay="0"/>
+                            </p:stCondLst>
+                            <p:childTnLst>
+                              <p:par>
+                                <p:cTn id="9" presetID="1" presetClass="entr" presetSubtype="0" fill="hold" grpId="0" nodeType="clickEffect">
+                                  <p:stCondLst>
+                                    <p:cond delay="0"/>
+                                  </p:stCondLst>
+                                  <p:childTnLst>
+                                    <p:set>
+                                      <p:cBhvr>
+                                        <p:cTn id="10" dur="1" fill="hold">
+                                          <p:stCondLst>
+                                            <p:cond delay="0"/>
+                                          </p:stCondLst>
+                                        </p:cTn>
+                                        <p:tgtEl>
+                                          <p:spTgt spid="25"/>
+                                        </p:tgtEl>
+                                        <p:attrNameLst>
+                                          <p:attrName>style.visibility</p:attrName>
+                                        </p:attrNameLst>
+                                      </p:cBhvr>
+                                      <p:to>
+                                        <p:strVal val="visible"/>
+                                      </p:to>
+                                    </p:set>
+                                  </p:childTnLst>
+                                </p:cTn>
+                              </p:par>
+                            </p:childTnLst>
+                          </p:cTn>
+                        </p:par>
+                      </p:childTnLst>
+                    </p:cTn>
+                  </p:par>
+                  <p:par>
+                    <p:cTn id="11" fill="hold">
+                      <p:stCondLst>
+                        <p:cond delay="indefinite"/>
+                      </p:stCondLst>
+                      <p:childTnLst>
+                        <p:par>
+                          <p:cTn id="12" fill="hold">
+                            <p:stCondLst>
+                              <p:cond delay="0"/>
+                            </p:stCondLst>
+                            <p:childTnLst>
+                              <p:par>
+                                <p:cTn id="13" presetID="1" presetClass="entr" presetSubtype="0" fill="hold" grpId="0" nodeType="clickEffect">
+                                  <p:stCondLst>
+                                    <p:cond delay="0"/>
+                                  </p:stCondLst>
+                                  <p:childTnLst>
+                                    <p:set>
+                                      <p:cBhvr>
+                                        <p:cTn id="14" dur="1" fill="hold">
+                                          <p:stCondLst>
+                                            <p:cond delay="0"/>
+                                          </p:stCondLst>
+                                        </p:cTn>
+                                        <p:tgtEl>
+                                          <p:spTgt spid="26"/>
+                                        </p:tgtEl>
+                                        <p:attrNameLst>
+                                          <p:attrName>style.visibility</p:attrName>
+                                        </p:attrNameLst>
+                                      </p:cBhvr>
+                                      <p:to>
+                                        <p:strVal val="visible"/>
+                                      </p:to>
+                                    </p:set>
+                                  </p:childTnLst>
+                                </p:cTn>
+                              </p:par>
+                            </p:childTnLst>
+                          </p:cTn>
+                        </p:par>
+                      </p:childTnLst>
+                    </p:cTn>
+                  </p:par>
+                  <p:par>
+                    <p:cTn id="15" fill="hold">
+                      <p:stCondLst>
+                        <p:cond delay="indefinite"/>
+                      </p:stCondLst>
+                      <p:childTnLst>
+                        <p:par>
+                          <p:cTn id="16" fill="hold">
+                            <p:stCondLst>
+                              <p:cond delay="0"/>
+                            </p:stCondLst>
+                            <p:childTnLst>
+                              <p:par>
+                                <p:cTn id="17" presetID="1" presetClass="entr" presetSubtype="0" fill="hold" grpId="0" nodeType="clickEffect">
+                                  <p:stCondLst>
+                                    <p:cond delay="0"/>
+                                  </p:stCondLst>
+                                  <p:childTnLst>
+                                    <p:set>
+                                      <p:cBhvr>
+                                        <p:cTn id="18" dur="1" fill="hold">
+                                          <p:stCondLst>
+                                            <p:cond delay="0"/>
+                                          </p:stCondLst>
+                                        </p:cTn>
+                                        <p:tgtEl>
+                                          <p:spTgt spid="27"/>
+                                        </p:tgtEl>
+                                        <p:attrNameLst>
+                                          <p:attrName>style.visibility</p:attrName>
+                                        </p:attrNameLst>
+                                      </p:cBhvr>
+                                      <p:to>
+                                        <p:strVal val="visible"/>
+                                      </p:to>
+                                    </p:set>
+                                  </p:childTnLst>
+                                </p:cTn>
+                              </p:par>
+                            </p:childTnLst>
+                          </p:cTn>
+                        </p:par>
+                      </p:childTnLst>
+                    </p:cTn>
+                  </p:par>
+                </p:childTnLst>
+              </p:cTn>
+              <p:prevCondLst>
+                <p:cond evt="onPrev" delay="0">
+                  <p:tgtEl>
+                    <p:sldTgt/>
+                  </p:tgtEl>
+                </p:cond>
+              </p:prevCondLst>
+              <p:nextCondLst>
+                <p:cond evt="onNext" delay="0">
+                  <p:tgtEl>
+                    <p:sldTgt/>
+                  </p:tgtEl>
+                </p:cond>
+              </p:nextCondLst>
+            </p:seq>
+          </p:childTnLst>
+        </p:cTn>
+      </p:par>
+    </p:tnLst>
+    <p:bldLst>
+      <p:bldP spid="20" grpId="0" animBg="1"/>
+      <p:bldP spid="25" grpId="0" animBg="1"/>
+      <p:bldP spid="26" grpId="0" animBg="1"/>
+      <p:bldP spid="27" grpId="0" animBg="1"/>
+    </p:bldLst>
+  </p:timing>
 </p:sld>
 </file>
 
